--- a/3_Presentations/week 1/Storage System week 1 29.09.2025.pptx
+++ b/3_Presentations/week 1/Storage System week 1 29.09.2025.pptx
@@ -6,18 +6,19 @@
     <p:sldMasterId id="2147483660" r:id="rId5"/>
   </p:sldMasterIdLst>
   <p:notesMasterIdLst>
-    <p:notesMasterId r:id="rId15"/>
+    <p:notesMasterId r:id="rId16"/>
   </p:notesMasterIdLst>
   <p:sldIdLst>
-    <p:sldId id="301" r:id="rId6"/>
-    <p:sldId id="349" r:id="rId7"/>
-    <p:sldId id="350" r:id="rId8"/>
-    <p:sldId id="372" r:id="rId9"/>
-    <p:sldId id="373" r:id="rId10"/>
-    <p:sldId id="370" r:id="rId11"/>
-    <p:sldId id="374" r:id="rId12"/>
-    <p:sldId id="371" r:id="rId13"/>
-    <p:sldId id="375" r:id="rId14"/>
+    <p:sldId id="270" r:id="rId6"/>
+    <p:sldId id="301" r:id="rId7"/>
+    <p:sldId id="349" r:id="rId8"/>
+    <p:sldId id="350" r:id="rId9"/>
+    <p:sldId id="372" r:id="rId10"/>
+    <p:sldId id="373" r:id="rId11"/>
+    <p:sldId id="370" r:id="rId12"/>
+    <p:sldId id="374" r:id="rId13"/>
+    <p:sldId id="371" r:id="rId14"/>
+    <p:sldId id="375" r:id="rId15"/>
   </p:sldIdLst>
   <p:sldSz cx="12192000" cy="6858000"/>
   <p:notesSz cx="6858000" cy="9144000"/>
@@ -121,6 +122,7 @@
       <p14:sectionLst xmlns:p14="http://schemas.microsoft.com/office/powerpoint/2010/main">
         <p14:section name="first slide" id="{EBA04D78-D1FF-49F4-BDD6-03EE135E606E}">
           <p14:sldIdLst>
+            <p14:sldId id="270"/>
             <p14:sldId id="301"/>
             <p14:sldId id="349"/>
             <p14:sldId id="350"/>
@@ -148,6 +150,81 @@
     </p:ext>
   </p:extLst>
 </p:presentation>
+</file>
+
+<file path=ppt/revisionInfo.xml><?xml version="1.0" encoding="utf-8"?>
+<p1510:revInfo xmlns:a="http://schemas.openxmlformats.org/drawingml/2006/main" xmlns:r="http://schemas.openxmlformats.org/officeDocument/2006/relationships" xmlns:p1510="http://schemas.microsoft.com/office/powerpoint/2015/10/main">
+  <p1510:revLst>
+    <p1510:client id="{F7FC62EC-4FE3-422B-9E37-6FD7D0FB6CA7}" v="1" dt="2025-09-29T20:07:49.019"/>
+  </p1510:revLst>
+</p1510:revInfo>
+</file>
+
+<file path=ppt/changesInfos/changesInfo1.xml><?xml version="1.0" encoding="utf-8"?>
+<pc:chgInfo xmlns:a="http://schemas.openxmlformats.org/drawingml/2006/main" xmlns:r="http://schemas.openxmlformats.org/officeDocument/2006/relationships" xmlns:ac="http://schemas.microsoft.com/office/drawing/2013/main/command" xmlns:pc="http://schemas.microsoft.com/office/powerpoint/2013/main/command">
+  <pc:docChgLst>
+    <pc:chgData name="Federico De Mita" userId="6ce638df-d46f-4fb8-b9fa-d85fcdec2cd5" providerId="ADAL" clId="{08362040-18E5-4911-871A-90A5BB37375A}"/>
+    <pc:docChg chg="custSel addSld delSld modSld modSection">
+      <pc:chgData name="Federico De Mita" userId="6ce638df-d46f-4fb8-b9fa-d85fcdec2cd5" providerId="ADAL" clId="{08362040-18E5-4911-871A-90A5BB37375A}" dt="2025-09-29T20:09:57.360" v="89" actId="20577"/>
+      <pc:docMkLst>
+        <pc:docMk/>
+      </pc:docMkLst>
+      <pc:sldChg chg="modSp add mod">
+        <pc:chgData name="Federico De Mita" userId="6ce638df-d46f-4fb8-b9fa-d85fcdec2cd5" providerId="ADAL" clId="{08362040-18E5-4911-871A-90A5BB37375A}" dt="2025-09-29T20:09:57.360" v="89" actId="20577"/>
+        <pc:sldMkLst>
+          <pc:docMk/>
+          <pc:sldMk cId="1515102388" sldId="270"/>
+        </pc:sldMkLst>
+        <pc:spChg chg="mod">
+          <ac:chgData name="Federico De Mita" userId="6ce638df-d46f-4fb8-b9fa-d85fcdec2cd5" providerId="ADAL" clId="{08362040-18E5-4911-871A-90A5BB37375A}" dt="2025-09-29T20:08:04.777" v="40" actId="20577"/>
+          <ac:spMkLst>
+            <pc:docMk/>
+            <pc:sldMk cId="1515102388" sldId="270"/>
+            <ac:spMk id="9" creationId="{35B7C05A-5A3A-2794-54B6-815F6C48B0FB}"/>
+          </ac:spMkLst>
+        </pc:spChg>
+        <pc:spChg chg="mod">
+          <ac:chgData name="Federico De Mita" userId="6ce638df-d46f-4fb8-b9fa-d85fcdec2cd5" providerId="ADAL" clId="{08362040-18E5-4911-871A-90A5BB37375A}" dt="2025-09-29T20:08:00.849" v="36" actId="20577"/>
+          <ac:spMkLst>
+            <pc:docMk/>
+            <pc:sldMk cId="1515102388" sldId="270"/>
+            <ac:spMk id="11" creationId="{FEA9E435-1738-7D95-8565-A990E44382F3}"/>
+          </ac:spMkLst>
+        </pc:spChg>
+        <pc:spChg chg="mod">
+          <ac:chgData name="Federico De Mita" userId="6ce638df-d46f-4fb8-b9fa-d85fcdec2cd5" providerId="ADAL" clId="{08362040-18E5-4911-871A-90A5BB37375A}" dt="2025-09-29T20:09:57.360" v="89" actId="20577"/>
+          <ac:spMkLst>
+            <pc:docMk/>
+            <pc:sldMk cId="1515102388" sldId="270"/>
+            <ac:spMk id="12" creationId="{163E18F3-41FB-B5AE-43D3-9203434B5F01}"/>
+          </ac:spMkLst>
+        </pc:spChg>
+      </pc:sldChg>
+      <pc:sldChg chg="modSp mod">
+        <pc:chgData name="Federico De Mita" userId="6ce638df-d46f-4fb8-b9fa-d85fcdec2cd5" providerId="ADAL" clId="{08362040-18E5-4911-871A-90A5BB37375A}" dt="2025-09-29T20:07:49.223" v="3" actId="27636"/>
+        <pc:sldMkLst>
+          <pc:docMk/>
+          <pc:sldMk cId="1117159331" sldId="374"/>
+        </pc:sldMkLst>
+        <pc:spChg chg="mod">
+          <ac:chgData name="Federico De Mita" userId="6ce638df-d46f-4fb8-b9fa-d85fcdec2cd5" providerId="ADAL" clId="{08362040-18E5-4911-871A-90A5BB37375A}" dt="2025-09-29T20:07:49.223" v="3" actId="27636"/>
+          <ac:spMkLst>
+            <pc:docMk/>
+            <pc:sldMk cId="1117159331" sldId="374"/>
+            <ac:spMk id="2" creationId="{00000000-0000-0000-0000-000000000000}"/>
+          </ac:spMkLst>
+        </pc:spChg>
+      </pc:sldChg>
+      <pc:sldChg chg="new del">
+        <pc:chgData name="Federico De Mita" userId="6ce638df-d46f-4fb8-b9fa-d85fcdec2cd5" providerId="ADAL" clId="{08362040-18E5-4911-871A-90A5BB37375A}" dt="2025-09-29T20:06:52.025" v="1" actId="47"/>
+        <pc:sldMkLst>
+          <pc:docMk/>
+          <pc:sldMk cId="694130077" sldId="376"/>
+        </pc:sldMkLst>
+      </pc:sldChg>
+    </pc:docChg>
+  </pc:docChgLst>
+</pc:chgInfo>
 </file>
 
 <file path=ppt/notesMasters/notesMaster1.xml><?xml version="1.0" encoding="utf-8"?>
@@ -1006,6 +1083,2548 @@
 </file>
 
 <file path=ppt/slideLayouts/slideLayout12.xml><?xml version="1.0" encoding="utf-8"?>
+<p:sldLayout xmlns:a="http://schemas.openxmlformats.org/drawingml/2006/main" xmlns:r="http://schemas.openxmlformats.org/officeDocument/2006/relationships" xmlns:p="http://schemas.openxmlformats.org/presentationml/2006/main" userDrawn="1">
+  <p:cSld name="Group starting slide">
+    <p:spTree>
+      <p:nvGrpSpPr>
+        <p:cNvPr id="1" name=""/>
+        <p:cNvGrpSpPr/>
+        <p:nvPr/>
+      </p:nvGrpSpPr>
+      <p:grpSpPr>
+        <a:xfrm>
+          <a:off x="0" y="0"/>
+          <a:ext cx="0" cy="0"/>
+          <a:chOff x="0" y="0"/>
+          <a:chExt cx="0" cy="0"/>
+        </a:xfrm>
+      </p:grpSpPr>
+      <p:sp>
+        <p:nvSpPr>
+          <p:cNvPr id="23" name="Free-form: Shape 13">
+            <a:extLst>
+              <a:ext uri="{FF2B5EF4-FFF2-40B4-BE49-F238E27FC236}">
+                <a16:creationId xmlns:a16="http://schemas.microsoft.com/office/drawing/2014/main" id="{006CCD24-9C06-8926-5E3D-FFE059D5F3D2}"/>
+              </a:ext>
+            </a:extLst>
+          </p:cNvPr>
+          <p:cNvSpPr/>
+          <p:nvPr userDrawn="1"/>
+        </p:nvSpPr>
+        <p:spPr>
+          <a:xfrm>
+            <a:off x="-7749" y="5526425"/>
+            <a:ext cx="12218376" cy="728256"/>
+          </a:xfrm>
+          <a:custGeom>
+            <a:avLst/>
+            <a:gdLst>
+              <a:gd name="connsiteX0" fmla="*/ 17585 w 9486900"/>
+              <a:gd name="connsiteY0" fmla="*/ 8792 h 931984"/>
+              <a:gd name="connsiteX1" fmla="*/ 2004646 w 9486900"/>
+              <a:gd name="connsiteY1" fmla="*/ 26376 h 931984"/>
+              <a:gd name="connsiteX2" fmla="*/ 4466492 w 9486900"/>
+              <a:gd name="connsiteY2" fmla="*/ 35169 h 931984"/>
+              <a:gd name="connsiteX3" fmla="*/ 7025054 w 9486900"/>
+              <a:gd name="connsiteY3" fmla="*/ 0 h 931984"/>
+              <a:gd name="connsiteX4" fmla="*/ 9486900 w 9486900"/>
+              <a:gd name="connsiteY4" fmla="*/ 8792 h 931984"/>
+              <a:gd name="connsiteX5" fmla="*/ 9478108 w 9486900"/>
+              <a:gd name="connsiteY5" fmla="*/ 914400 h 931984"/>
+              <a:gd name="connsiteX6" fmla="*/ 7262446 w 9486900"/>
+              <a:gd name="connsiteY6" fmla="*/ 905607 h 931984"/>
+              <a:gd name="connsiteX7" fmla="*/ 4835769 w 9486900"/>
+              <a:gd name="connsiteY7" fmla="*/ 931984 h 931984"/>
+              <a:gd name="connsiteX8" fmla="*/ 2760785 w 9486900"/>
+              <a:gd name="connsiteY8" fmla="*/ 923192 h 931984"/>
+              <a:gd name="connsiteX9" fmla="*/ 0 w 9486900"/>
+              <a:gd name="connsiteY9" fmla="*/ 879230 h 931984"/>
+              <a:gd name="connsiteX10" fmla="*/ 17585 w 9486900"/>
+              <a:gd name="connsiteY10" fmla="*/ 8792 h 931984"/>
+              <a:gd name="connsiteX0" fmla="*/ 17585 w 9486900"/>
+              <a:gd name="connsiteY0" fmla="*/ 168095 h 1091287"/>
+              <a:gd name="connsiteX1" fmla="*/ 2004646 w 9486900"/>
+              <a:gd name="connsiteY1" fmla="*/ 185679 h 1091287"/>
+              <a:gd name="connsiteX2" fmla="*/ 4466492 w 9486900"/>
+              <a:gd name="connsiteY2" fmla="*/ 194472 h 1091287"/>
+              <a:gd name="connsiteX3" fmla="*/ 7025054 w 9486900"/>
+              <a:gd name="connsiteY3" fmla="*/ 159303 h 1091287"/>
+              <a:gd name="connsiteX4" fmla="*/ 9486900 w 9486900"/>
+              <a:gd name="connsiteY4" fmla="*/ 168095 h 1091287"/>
+              <a:gd name="connsiteX5" fmla="*/ 9478108 w 9486900"/>
+              <a:gd name="connsiteY5" fmla="*/ 1073703 h 1091287"/>
+              <a:gd name="connsiteX6" fmla="*/ 7262446 w 9486900"/>
+              <a:gd name="connsiteY6" fmla="*/ 1064910 h 1091287"/>
+              <a:gd name="connsiteX7" fmla="*/ 4835769 w 9486900"/>
+              <a:gd name="connsiteY7" fmla="*/ 1091287 h 1091287"/>
+              <a:gd name="connsiteX8" fmla="*/ 2760785 w 9486900"/>
+              <a:gd name="connsiteY8" fmla="*/ 1082495 h 1091287"/>
+              <a:gd name="connsiteX9" fmla="*/ 0 w 9486900"/>
+              <a:gd name="connsiteY9" fmla="*/ 1038533 h 1091287"/>
+              <a:gd name="connsiteX10" fmla="*/ 17585 w 9486900"/>
+              <a:gd name="connsiteY10" fmla="*/ 168095 h 1091287"/>
+              <a:gd name="connsiteX0" fmla="*/ 17585 w 9486900"/>
+              <a:gd name="connsiteY0" fmla="*/ 234508 h 1157700"/>
+              <a:gd name="connsiteX1" fmla="*/ 2004646 w 9486900"/>
+              <a:gd name="connsiteY1" fmla="*/ 252092 h 1157700"/>
+              <a:gd name="connsiteX2" fmla="*/ 4466492 w 9486900"/>
+              <a:gd name="connsiteY2" fmla="*/ 260885 h 1157700"/>
+              <a:gd name="connsiteX3" fmla="*/ 7025054 w 9486900"/>
+              <a:gd name="connsiteY3" fmla="*/ 225716 h 1157700"/>
+              <a:gd name="connsiteX4" fmla="*/ 9486900 w 9486900"/>
+              <a:gd name="connsiteY4" fmla="*/ 234508 h 1157700"/>
+              <a:gd name="connsiteX5" fmla="*/ 9478108 w 9486900"/>
+              <a:gd name="connsiteY5" fmla="*/ 1140116 h 1157700"/>
+              <a:gd name="connsiteX6" fmla="*/ 7262446 w 9486900"/>
+              <a:gd name="connsiteY6" fmla="*/ 1131323 h 1157700"/>
+              <a:gd name="connsiteX7" fmla="*/ 4835769 w 9486900"/>
+              <a:gd name="connsiteY7" fmla="*/ 1157700 h 1157700"/>
+              <a:gd name="connsiteX8" fmla="*/ 2760785 w 9486900"/>
+              <a:gd name="connsiteY8" fmla="*/ 1148908 h 1157700"/>
+              <a:gd name="connsiteX9" fmla="*/ 0 w 9486900"/>
+              <a:gd name="connsiteY9" fmla="*/ 1104946 h 1157700"/>
+              <a:gd name="connsiteX10" fmla="*/ 17585 w 9486900"/>
+              <a:gd name="connsiteY10" fmla="*/ 234508 h 1157700"/>
+              <a:gd name="connsiteX0" fmla="*/ 17585 w 9486900"/>
+              <a:gd name="connsiteY0" fmla="*/ 375168 h 1298360"/>
+              <a:gd name="connsiteX1" fmla="*/ 2004646 w 9486900"/>
+              <a:gd name="connsiteY1" fmla="*/ 392752 h 1298360"/>
+              <a:gd name="connsiteX2" fmla="*/ 4466492 w 9486900"/>
+              <a:gd name="connsiteY2" fmla="*/ 401545 h 1298360"/>
+              <a:gd name="connsiteX3" fmla="*/ 7025054 w 9486900"/>
+              <a:gd name="connsiteY3" fmla="*/ 366376 h 1298360"/>
+              <a:gd name="connsiteX4" fmla="*/ 9486900 w 9486900"/>
+              <a:gd name="connsiteY4" fmla="*/ 375168 h 1298360"/>
+              <a:gd name="connsiteX5" fmla="*/ 9478108 w 9486900"/>
+              <a:gd name="connsiteY5" fmla="*/ 1280776 h 1298360"/>
+              <a:gd name="connsiteX6" fmla="*/ 7262446 w 9486900"/>
+              <a:gd name="connsiteY6" fmla="*/ 1271983 h 1298360"/>
+              <a:gd name="connsiteX7" fmla="*/ 4835769 w 9486900"/>
+              <a:gd name="connsiteY7" fmla="*/ 1298360 h 1298360"/>
+              <a:gd name="connsiteX8" fmla="*/ 2760785 w 9486900"/>
+              <a:gd name="connsiteY8" fmla="*/ 1289568 h 1298360"/>
+              <a:gd name="connsiteX9" fmla="*/ 0 w 9486900"/>
+              <a:gd name="connsiteY9" fmla="*/ 1245606 h 1298360"/>
+              <a:gd name="connsiteX10" fmla="*/ 17585 w 9486900"/>
+              <a:gd name="connsiteY10" fmla="*/ 375168 h 1298360"/>
+              <a:gd name="connsiteX0" fmla="*/ 17585 w 9486900"/>
+              <a:gd name="connsiteY0" fmla="*/ 375168 h 1298360"/>
+              <a:gd name="connsiteX1" fmla="*/ 2004646 w 9486900"/>
+              <a:gd name="connsiteY1" fmla="*/ 392752 h 1298360"/>
+              <a:gd name="connsiteX2" fmla="*/ 4466492 w 9486900"/>
+              <a:gd name="connsiteY2" fmla="*/ 401545 h 1298360"/>
+              <a:gd name="connsiteX3" fmla="*/ 7025054 w 9486900"/>
+              <a:gd name="connsiteY3" fmla="*/ 366376 h 1298360"/>
+              <a:gd name="connsiteX4" fmla="*/ 9486900 w 9486900"/>
+              <a:gd name="connsiteY4" fmla="*/ 375168 h 1298360"/>
+              <a:gd name="connsiteX5" fmla="*/ 9478108 w 9486900"/>
+              <a:gd name="connsiteY5" fmla="*/ 1280776 h 1298360"/>
+              <a:gd name="connsiteX6" fmla="*/ 7262446 w 9486900"/>
+              <a:gd name="connsiteY6" fmla="*/ 1271983 h 1298360"/>
+              <a:gd name="connsiteX7" fmla="*/ 4835769 w 9486900"/>
+              <a:gd name="connsiteY7" fmla="*/ 1298360 h 1298360"/>
+              <a:gd name="connsiteX8" fmla="*/ 2760785 w 9486900"/>
+              <a:gd name="connsiteY8" fmla="*/ 1289568 h 1298360"/>
+              <a:gd name="connsiteX9" fmla="*/ 0 w 9486900"/>
+              <a:gd name="connsiteY9" fmla="*/ 1245606 h 1298360"/>
+              <a:gd name="connsiteX10" fmla="*/ 17585 w 9486900"/>
+              <a:gd name="connsiteY10" fmla="*/ 375168 h 1298360"/>
+              <a:gd name="connsiteX0" fmla="*/ 17585 w 9486900"/>
+              <a:gd name="connsiteY0" fmla="*/ 375168 h 1298360"/>
+              <a:gd name="connsiteX1" fmla="*/ 2004646 w 9486900"/>
+              <a:gd name="connsiteY1" fmla="*/ 392752 h 1298360"/>
+              <a:gd name="connsiteX2" fmla="*/ 4466492 w 9486900"/>
+              <a:gd name="connsiteY2" fmla="*/ 401545 h 1298360"/>
+              <a:gd name="connsiteX3" fmla="*/ 7025054 w 9486900"/>
+              <a:gd name="connsiteY3" fmla="*/ 366376 h 1298360"/>
+              <a:gd name="connsiteX4" fmla="*/ 9486900 w 9486900"/>
+              <a:gd name="connsiteY4" fmla="*/ 375168 h 1298360"/>
+              <a:gd name="connsiteX5" fmla="*/ 9478108 w 9486900"/>
+              <a:gd name="connsiteY5" fmla="*/ 1280776 h 1298360"/>
+              <a:gd name="connsiteX6" fmla="*/ 7262446 w 9486900"/>
+              <a:gd name="connsiteY6" fmla="*/ 1271983 h 1298360"/>
+              <a:gd name="connsiteX7" fmla="*/ 4835769 w 9486900"/>
+              <a:gd name="connsiteY7" fmla="*/ 1298360 h 1298360"/>
+              <a:gd name="connsiteX8" fmla="*/ 2760785 w 9486900"/>
+              <a:gd name="connsiteY8" fmla="*/ 1289568 h 1298360"/>
+              <a:gd name="connsiteX9" fmla="*/ 0 w 9486900"/>
+              <a:gd name="connsiteY9" fmla="*/ 1245606 h 1298360"/>
+              <a:gd name="connsiteX10" fmla="*/ 17585 w 9486900"/>
+              <a:gd name="connsiteY10" fmla="*/ 375168 h 1298360"/>
+              <a:gd name="connsiteX0" fmla="*/ 17585 w 9486900"/>
+              <a:gd name="connsiteY0" fmla="*/ 375168 h 1298360"/>
+              <a:gd name="connsiteX1" fmla="*/ 2004646 w 9486900"/>
+              <a:gd name="connsiteY1" fmla="*/ 392752 h 1298360"/>
+              <a:gd name="connsiteX2" fmla="*/ 4466492 w 9486900"/>
+              <a:gd name="connsiteY2" fmla="*/ 401545 h 1298360"/>
+              <a:gd name="connsiteX3" fmla="*/ 7025054 w 9486900"/>
+              <a:gd name="connsiteY3" fmla="*/ 366376 h 1298360"/>
+              <a:gd name="connsiteX4" fmla="*/ 9486900 w 9486900"/>
+              <a:gd name="connsiteY4" fmla="*/ 375168 h 1298360"/>
+              <a:gd name="connsiteX5" fmla="*/ 9478108 w 9486900"/>
+              <a:gd name="connsiteY5" fmla="*/ 1280776 h 1298360"/>
+              <a:gd name="connsiteX6" fmla="*/ 7262446 w 9486900"/>
+              <a:gd name="connsiteY6" fmla="*/ 1271983 h 1298360"/>
+              <a:gd name="connsiteX7" fmla="*/ 4835769 w 9486900"/>
+              <a:gd name="connsiteY7" fmla="*/ 1298360 h 1298360"/>
+              <a:gd name="connsiteX8" fmla="*/ 2760785 w 9486900"/>
+              <a:gd name="connsiteY8" fmla="*/ 1289568 h 1298360"/>
+              <a:gd name="connsiteX9" fmla="*/ 0 w 9486900"/>
+              <a:gd name="connsiteY9" fmla="*/ 1245606 h 1298360"/>
+              <a:gd name="connsiteX10" fmla="*/ 17585 w 9486900"/>
+              <a:gd name="connsiteY10" fmla="*/ 375168 h 1298360"/>
+              <a:gd name="connsiteX0" fmla="*/ 17585 w 9486900"/>
+              <a:gd name="connsiteY0" fmla="*/ 375168 h 1298360"/>
+              <a:gd name="connsiteX1" fmla="*/ 2004646 w 9486900"/>
+              <a:gd name="connsiteY1" fmla="*/ 392752 h 1298360"/>
+              <a:gd name="connsiteX2" fmla="*/ 4466492 w 9486900"/>
+              <a:gd name="connsiteY2" fmla="*/ 401545 h 1298360"/>
+              <a:gd name="connsiteX3" fmla="*/ 7025054 w 9486900"/>
+              <a:gd name="connsiteY3" fmla="*/ 366376 h 1298360"/>
+              <a:gd name="connsiteX4" fmla="*/ 9486900 w 9486900"/>
+              <a:gd name="connsiteY4" fmla="*/ 375168 h 1298360"/>
+              <a:gd name="connsiteX5" fmla="*/ 9478108 w 9486900"/>
+              <a:gd name="connsiteY5" fmla="*/ 1280776 h 1298360"/>
+              <a:gd name="connsiteX6" fmla="*/ 7262446 w 9486900"/>
+              <a:gd name="connsiteY6" fmla="*/ 1271983 h 1298360"/>
+              <a:gd name="connsiteX7" fmla="*/ 4835769 w 9486900"/>
+              <a:gd name="connsiteY7" fmla="*/ 1298360 h 1298360"/>
+              <a:gd name="connsiteX8" fmla="*/ 2760785 w 9486900"/>
+              <a:gd name="connsiteY8" fmla="*/ 1289568 h 1298360"/>
+              <a:gd name="connsiteX9" fmla="*/ 0 w 9486900"/>
+              <a:gd name="connsiteY9" fmla="*/ 1245606 h 1298360"/>
+              <a:gd name="connsiteX10" fmla="*/ 17585 w 9486900"/>
+              <a:gd name="connsiteY10" fmla="*/ 375168 h 1298360"/>
+              <a:gd name="connsiteX0" fmla="*/ 17585 w 9486900"/>
+              <a:gd name="connsiteY0" fmla="*/ 375168 h 1298360"/>
+              <a:gd name="connsiteX1" fmla="*/ 2004646 w 9486900"/>
+              <a:gd name="connsiteY1" fmla="*/ 392752 h 1298360"/>
+              <a:gd name="connsiteX2" fmla="*/ 4466492 w 9486900"/>
+              <a:gd name="connsiteY2" fmla="*/ 401545 h 1298360"/>
+              <a:gd name="connsiteX3" fmla="*/ 7025054 w 9486900"/>
+              <a:gd name="connsiteY3" fmla="*/ 366376 h 1298360"/>
+              <a:gd name="connsiteX4" fmla="*/ 9486900 w 9486900"/>
+              <a:gd name="connsiteY4" fmla="*/ 375168 h 1298360"/>
+              <a:gd name="connsiteX5" fmla="*/ 9478108 w 9486900"/>
+              <a:gd name="connsiteY5" fmla="*/ 1280776 h 1298360"/>
+              <a:gd name="connsiteX6" fmla="*/ 7262446 w 9486900"/>
+              <a:gd name="connsiteY6" fmla="*/ 1271983 h 1298360"/>
+              <a:gd name="connsiteX7" fmla="*/ 4835769 w 9486900"/>
+              <a:gd name="connsiteY7" fmla="*/ 1298360 h 1298360"/>
+              <a:gd name="connsiteX8" fmla="*/ 2760785 w 9486900"/>
+              <a:gd name="connsiteY8" fmla="*/ 1289568 h 1298360"/>
+              <a:gd name="connsiteX9" fmla="*/ 0 w 9486900"/>
+              <a:gd name="connsiteY9" fmla="*/ 1245606 h 1298360"/>
+              <a:gd name="connsiteX10" fmla="*/ 17585 w 9486900"/>
+              <a:gd name="connsiteY10" fmla="*/ 375168 h 1298360"/>
+              <a:gd name="connsiteX0" fmla="*/ 8792 w 9478107"/>
+              <a:gd name="connsiteY0" fmla="*/ 375168 h 1298360"/>
+              <a:gd name="connsiteX1" fmla="*/ 1995853 w 9478107"/>
+              <a:gd name="connsiteY1" fmla="*/ 392752 h 1298360"/>
+              <a:gd name="connsiteX2" fmla="*/ 4457699 w 9478107"/>
+              <a:gd name="connsiteY2" fmla="*/ 401545 h 1298360"/>
+              <a:gd name="connsiteX3" fmla="*/ 7016261 w 9478107"/>
+              <a:gd name="connsiteY3" fmla="*/ 366376 h 1298360"/>
+              <a:gd name="connsiteX4" fmla="*/ 9478107 w 9478107"/>
+              <a:gd name="connsiteY4" fmla="*/ 375168 h 1298360"/>
+              <a:gd name="connsiteX5" fmla="*/ 9469315 w 9478107"/>
+              <a:gd name="connsiteY5" fmla="*/ 1280776 h 1298360"/>
+              <a:gd name="connsiteX6" fmla="*/ 7253653 w 9478107"/>
+              <a:gd name="connsiteY6" fmla="*/ 1271983 h 1298360"/>
+              <a:gd name="connsiteX7" fmla="*/ 4826976 w 9478107"/>
+              <a:gd name="connsiteY7" fmla="*/ 1298360 h 1298360"/>
+              <a:gd name="connsiteX8" fmla="*/ 2751992 w 9478107"/>
+              <a:gd name="connsiteY8" fmla="*/ 1289568 h 1298360"/>
+              <a:gd name="connsiteX9" fmla="*/ 0 w 9478107"/>
+              <a:gd name="connsiteY9" fmla="*/ 1236814 h 1298360"/>
+              <a:gd name="connsiteX10" fmla="*/ 8792 w 9478107"/>
+              <a:gd name="connsiteY10" fmla="*/ 375168 h 1298360"/>
+              <a:gd name="connsiteX0" fmla="*/ 8792 w 9478107"/>
+              <a:gd name="connsiteY0" fmla="*/ 421112 h 1344304"/>
+              <a:gd name="connsiteX1" fmla="*/ 2057399 w 9478107"/>
+              <a:gd name="connsiteY1" fmla="*/ 377150 h 1344304"/>
+              <a:gd name="connsiteX2" fmla="*/ 4457699 w 9478107"/>
+              <a:gd name="connsiteY2" fmla="*/ 447489 h 1344304"/>
+              <a:gd name="connsiteX3" fmla="*/ 7016261 w 9478107"/>
+              <a:gd name="connsiteY3" fmla="*/ 412320 h 1344304"/>
+              <a:gd name="connsiteX4" fmla="*/ 9478107 w 9478107"/>
+              <a:gd name="connsiteY4" fmla="*/ 421112 h 1344304"/>
+              <a:gd name="connsiteX5" fmla="*/ 9469315 w 9478107"/>
+              <a:gd name="connsiteY5" fmla="*/ 1326720 h 1344304"/>
+              <a:gd name="connsiteX6" fmla="*/ 7253653 w 9478107"/>
+              <a:gd name="connsiteY6" fmla="*/ 1317927 h 1344304"/>
+              <a:gd name="connsiteX7" fmla="*/ 4826976 w 9478107"/>
+              <a:gd name="connsiteY7" fmla="*/ 1344304 h 1344304"/>
+              <a:gd name="connsiteX8" fmla="*/ 2751992 w 9478107"/>
+              <a:gd name="connsiteY8" fmla="*/ 1335512 h 1344304"/>
+              <a:gd name="connsiteX9" fmla="*/ 0 w 9478107"/>
+              <a:gd name="connsiteY9" fmla="*/ 1282758 h 1344304"/>
+              <a:gd name="connsiteX10" fmla="*/ 8792 w 9478107"/>
+              <a:gd name="connsiteY10" fmla="*/ 421112 h 1344304"/>
+              <a:gd name="connsiteX0" fmla="*/ 8792 w 9478107"/>
+              <a:gd name="connsiteY0" fmla="*/ 350485 h 1273677"/>
+              <a:gd name="connsiteX1" fmla="*/ 2057399 w 9478107"/>
+              <a:gd name="connsiteY1" fmla="*/ 306523 h 1273677"/>
+              <a:gd name="connsiteX2" fmla="*/ 4457699 w 9478107"/>
+              <a:gd name="connsiteY2" fmla="*/ 376862 h 1273677"/>
+              <a:gd name="connsiteX3" fmla="*/ 7016261 w 9478107"/>
+              <a:gd name="connsiteY3" fmla="*/ 341693 h 1273677"/>
+              <a:gd name="connsiteX4" fmla="*/ 9478107 w 9478107"/>
+              <a:gd name="connsiteY4" fmla="*/ 350485 h 1273677"/>
+              <a:gd name="connsiteX5" fmla="*/ 9469315 w 9478107"/>
+              <a:gd name="connsiteY5" fmla="*/ 1256093 h 1273677"/>
+              <a:gd name="connsiteX6" fmla="*/ 7253653 w 9478107"/>
+              <a:gd name="connsiteY6" fmla="*/ 1247300 h 1273677"/>
+              <a:gd name="connsiteX7" fmla="*/ 4826976 w 9478107"/>
+              <a:gd name="connsiteY7" fmla="*/ 1273677 h 1273677"/>
+              <a:gd name="connsiteX8" fmla="*/ 2751992 w 9478107"/>
+              <a:gd name="connsiteY8" fmla="*/ 1264885 h 1273677"/>
+              <a:gd name="connsiteX9" fmla="*/ 0 w 9478107"/>
+              <a:gd name="connsiteY9" fmla="*/ 1212131 h 1273677"/>
+              <a:gd name="connsiteX10" fmla="*/ 8792 w 9478107"/>
+              <a:gd name="connsiteY10" fmla="*/ 350485 h 1273677"/>
+              <a:gd name="connsiteX0" fmla="*/ 8792 w 9478107"/>
+              <a:gd name="connsiteY0" fmla="*/ 350485 h 1273677"/>
+              <a:gd name="connsiteX1" fmla="*/ 2057399 w 9478107"/>
+              <a:gd name="connsiteY1" fmla="*/ 306523 h 1273677"/>
+              <a:gd name="connsiteX2" fmla="*/ 4457699 w 9478107"/>
+              <a:gd name="connsiteY2" fmla="*/ 376862 h 1273677"/>
+              <a:gd name="connsiteX3" fmla="*/ 7016261 w 9478107"/>
+              <a:gd name="connsiteY3" fmla="*/ 341693 h 1273677"/>
+              <a:gd name="connsiteX4" fmla="*/ 9478107 w 9478107"/>
+              <a:gd name="connsiteY4" fmla="*/ 350485 h 1273677"/>
+              <a:gd name="connsiteX5" fmla="*/ 9469315 w 9478107"/>
+              <a:gd name="connsiteY5" fmla="*/ 1256093 h 1273677"/>
+              <a:gd name="connsiteX6" fmla="*/ 7253653 w 9478107"/>
+              <a:gd name="connsiteY6" fmla="*/ 1247300 h 1273677"/>
+              <a:gd name="connsiteX7" fmla="*/ 4826976 w 9478107"/>
+              <a:gd name="connsiteY7" fmla="*/ 1273677 h 1273677"/>
+              <a:gd name="connsiteX8" fmla="*/ 2751992 w 9478107"/>
+              <a:gd name="connsiteY8" fmla="*/ 1264885 h 1273677"/>
+              <a:gd name="connsiteX9" fmla="*/ 0 w 9478107"/>
+              <a:gd name="connsiteY9" fmla="*/ 1212131 h 1273677"/>
+              <a:gd name="connsiteX10" fmla="*/ 8792 w 9478107"/>
+              <a:gd name="connsiteY10" fmla="*/ 350485 h 1273677"/>
+              <a:gd name="connsiteX0" fmla="*/ 8792 w 9478107"/>
+              <a:gd name="connsiteY0" fmla="*/ 350485 h 1273677"/>
+              <a:gd name="connsiteX1" fmla="*/ 2057399 w 9478107"/>
+              <a:gd name="connsiteY1" fmla="*/ 306523 h 1273677"/>
+              <a:gd name="connsiteX2" fmla="*/ 4457699 w 9478107"/>
+              <a:gd name="connsiteY2" fmla="*/ 376862 h 1273677"/>
+              <a:gd name="connsiteX3" fmla="*/ 7016261 w 9478107"/>
+              <a:gd name="connsiteY3" fmla="*/ 341693 h 1273677"/>
+              <a:gd name="connsiteX4" fmla="*/ 8414099 w 9478107"/>
+              <a:gd name="connsiteY4" fmla="*/ 797823 h 1273677"/>
+              <a:gd name="connsiteX5" fmla="*/ 9478107 w 9478107"/>
+              <a:gd name="connsiteY5" fmla="*/ 350485 h 1273677"/>
+              <a:gd name="connsiteX6" fmla="*/ 9469315 w 9478107"/>
+              <a:gd name="connsiteY6" fmla="*/ 1256093 h 1273677"/>
+              <a:gd name="connsiteX7" fmla="*/ 7253653 w 9478107"/>
+              <a:gd name="connsiteY7" fmla="*/ 1247300 h 1273677"/>
+              <a:gd name="connsiteX8" fmla="*/ 4826976 w 9478107"/>
+              <a:gd name="connsiteY8" fmla="*/ 1273677 h 1273677"/>
+              <a:gd name="connsiteX9" fmla="*/ 2751992 w 9478107"/>
+              <a:gd name="connsiteY9" fmla="*/ 1264885 h 1273677"/>
+              <a:gd name="connsiteX10" fmla="*/ 0 w 9478107"/>
+              <a:gd name="connsiteY10" fmla="*/ 1212131 h 1273677"/>
+              <a:gd name="connsiteX11" fmla="*/ 8792 w 9478107"/>
+              <a:gd name="connsiteY11" fmla="*/ 350485 h 1273677"/>
+              <a:gd name="connsiteX0" fmla="*/ 8792 w 9478107"/>
+              <a:gd name="connsiteY0" fmla="*/ 463370 h 1386562"/>
+              <a:gd name="connsiteX1" fmla="*/ 2057399 w 9478107"/>
+              <a:gd name="connsiteY1" fmla="*/ 419408 h 1386562"/>
+              <a:gd name="connsiteX2" fmla="*/ 4457699 w 9478107"/>
+              <a:gd name="connsiteY2" fmla="*/ 489747 h 1386562"/>
+              <a:gd name="connsiteX3" fmla="*/ 7009426 w 9478107"/>
+              <a:gd name="connsiteY3" fmla="*/ 98357 h 1386562"/>
+              <a:gd name="connsiteX4" fmla="*/ 8414099 w 9478107"/>
+              <a:gd name="connsiteY4" fmla="*/ 910708 h 1386562"/>
+              <a:gd name="connsiteX5" fmla="*/ 9478107 w 9478107"/>
+              <a:gd name="connsiteY5" fmla="*/ 463370 h 1386562"/>
+              <a:gd name="connsiteX6" fmla="*/ 9469315 w 9478107"/>
+              <a:gd name="connsiteY6" fmla="*/ 1368978 h 1386562"/>
+              <a:gd name="connsiteX7" fmla="*/ 7253653 w 9478107"/>
+              <a:gd name="connsiteY7" fmla="*/ 1360185 h 1386562"/>
+              <a:gd name="connsiteX8" fmla="*/ 4826976 w 9478107"/>
+              <a:gd name="connsiteY8" fmla="*/ 1386562 h 1386562"/>
+              <a:gd name="connsiteX9" fmla="*/ 2751992 w 9478107"/>
+              <a:gd name="connsiteY9" fmla="*/ 1377770 h 1386562"/>
+              <a:gd name="connsiteX10" fmla="*/ 0 w 9478107"/>
+              <a:gd name="connsiteY10" fmla="*/ 1325016 h 1386562"/>
+              <a:gd name="connsiteX11" fmla="*/ 8792 w 9478107"/>
+              <a:gd name="connsiteY11" fmla="*/ 463370 h 1386562"/>
+              <a:gd name="connsiteX0" fmla="*/ 8792 w 9478107"/>
+              <a:gd name="connsiteY0" fmla="*/ 463370 h 1386562"/>
+              <a:gd name="connsiteX1" fmla="*/ 2057399 w 9478107"/>
+              <a:gd name="connsiteY1" fmla="*/ 419408 h 1386562"/>
+              <a:gd name="connsiteX2" fmla="*/ 4457699 w 9478107"/>
+              <a:gd name="connsiteY2" fmla="*/ 489747 h 1386562"/>
+              <a:gd name="connsiteX3" fmla="*/ 7009426 w 9478107"/>
+              <a:gd name="connsiteY3" fmla="*/ 98357 h 1386562"/>
+              <a:gd name="connsiteX4" fmla="*/ 8414099 w 9478107"/>
+              <a:gd name="connsiteY4" fmla="*/ 910708 h 1386562"/>
+              <a:gd name="connsiteX5" fmla="*/ 9478107 w 9478107"/>
+              <a:gd name="connsiteY5" fmla="*/ 463370 h 1386562"/>
+              <a:gd name="connsiteX6" fmla="*/ 9469315 w 9478107"/>
+              <a:gd name="connsiteY6" fmla="*/ 1368978 h 1386562"/>
+              <a:gd name="connsiteX7" fmla="*/ 7253653 w 9478107"/>
+              <a:gd name="connsiteY7" fmla="*/ 1360185 h 1386562"/>
+              <a:gd name="connsiteX8" fmla="*/ 4826976 w 9478107"/>
+              <a:gd name="connsiteY8" fmla="*/ 1386562 h 1386562"/>
+              <a:gd name="connsiteX9" fmla="*/ 2751992 w 9478107"/>
+              <a:gd name="connsiteY9" fmla="*/ 1377770 h 1386562"/>
+              <a:gd name="connsiteX10" fmla="*/ 0 w 9478107"/>
+              <a:gd name="connsiteY10" fmla="*/ 1325016 h 1386562"/>
+              <a:gd name="connsiteX11" fmla="*/ 8792 w 9478107"/>
+              <a:gd name="connsiteY11" fmla="*/ 463370 h 1386562"/>
+              <a:gd name="connsiteX0" fmla="*/ 8792 w 9498612"/>
+              <a:gd name="connsiteY0" fmla="*/ 463370 h 1386562"/>
+              <a:gd name="connsiteX1" fmla="*/ 2057399 w 9498612"/>
+              <a:gd name="connsiteY1" fmla="*/ 419408 h 1386562"/>
+              <a:gd name="connsiteX2" fmla="*/ 4457699 w 9498612"/>
+              <a:gd name="connsiteY2" fmla="*/ 489747 h 1386562"/>
+              <a:gd name="connsiteX3" fmla="*/ 7009426 w 9498612"/>
+              <a:gd name="connsiteY3" fmla="*/ 98357 h 1386562"/>
+              <a:gd name="connsiteX4" fmla="*/ 8414099 w 9498612"/>
+              <a:gd name="connsiteY4" fmla="*/ 910708 h 1386562"/>
+              <a:gd name="connsiteX5" fmla="*/ 9498612 w 9498612"/>
+              <a:gd name="connsiteY5" fmla="*/ 200892 h 1386562"/>
+              <a:gd name="connsiteX6" fmla="*/ 9469315 w 9498612"/>
+              <a:gd name="connsiteY6" fmla="*/ 1368978 h 1386562"/>
+              <a:gd name="connsiteX7" fmla="*/ 7253653 w 9498612"/>
+              <a:gd name="connsiteY7" fmla="*/ 1360185 h 1386562"/>
+              <a:gd name="connsiteX8" fmla="*/ 4826976 w 9498612"/>
+              <a:gd name="connsiteY8" fmla="*/ 1386562 h 1386562"/>
+              <a:gd name="connsiteX9" fmla="*/ 2751992 w 9498612"/>
+              <a:gd name="connsiteY9" fmla="*/ 1377770 h 1386562"/>
+              <a:gd name="connsiteX10" fmla="*/ 0 w 9498612"/>
+              <a:gd name="connsiteY10" fmla="*/ 1325016 h 1386562"/>
+              <a:gd name="connsiteX11" fmla="*/ 8792 w 9498612"/>
+              <a:gd name="connsiteY11" fmla="*/ 463370 h 1386562"/>
+              <a:gd name="connsiteX0" fmla="*/ 8792 w 9498612"/>
+              <a:gd name="connsiteY0" fmla="*/ 444298 h 1367490"/>
+              <a:gd name="connsiteX1" fmla="*/ 2057399 w 9498612"/>
+              <a:gd name="connsiteY1" fmla="*/ 400336 h 1367490"/>
+              <a:gd name="connsiteX2" fmla="*/ 4320995 w 9498612"/>
+              <a:gd name="connsiteY2" fmla="*/ 695656 h 1367490"/>
+              <a:gd name="connsiteX3" fmla="*/ 7009426 w 9498612"/>
+              <a:gd name="connsiteY3" fmla="*/ 79285 h 1367490"/>
+              <a:gd name="connsiteX4" fmla="*/ 8414099 w 9498612"/>
+              <a:gd name="connsiteY4" fmla="*/ 891636 h 1367490"/>
+              <a:gd name="connsiteX5" fmla="*/ 9498612 w 9498612"/>
+              <a:gd name="connsiteY5" fmla="*/ 181820 h 1367490"/>
+              <a:gd name="connsiteX6" fmla="*/ 9469315 w 9498612"/>
+              <a:gd name="connsiteY6" fmla="*/ 1349906 h 1367490"/>
+              <a:gd name="connsiteX7" fmla="*/ 7253653 w 9498612"/>
+              <a:gd name="connsiteY7" fmla="*/ 1341113 h 1367490"/>
+              <a:gd name="connsiteX8" fmla="*/ 4826976 w 9498612"/>
+              <a:gd name="connsiteY8" fmla="*/ 1367490 h 1367490"/>
+              <a:gd name="connsiteX9" fmla="*/ 2751992 w 9498612"/>
+              <a:gd name="connsiteY9" fmla="*/ 1358698 h 1367490"/>
+              <a:gd name="connsiteX10" fmla="*/ 0 w 9498612"/>
+              <a:gd name="connsiteY10" fmla="*/ 1305944 h 1367490"/>
+              <a:gd name="connsiteX11" fmla="*/ 8792 w 9498612"/>
+              <a:gd name="connsiteY11" fmla="*/ 444298 h 1367490"/>
+              <a:gd name="connsiteX0" fmla="*/ 8792 w 9498612"/>
+              <a:gd name="connsiteY0" fmla="*/ 428789 h 1351981"/>
+              <a:gd name="connsiteX1" fmla="*/ 2057399 w 9498612"/>
+              <a:gd name="connsiteY1" fmla="*/ 384827 h 1351981"/>
+              <a:gd name="connsiteX2" fmla="*/ 3698995 w 9498612"/>
+              <a:gd name="connsiteY2" fmla="*/ 961374 h 1351981"/>
+              <a:gd name="connsiteX3" fmla="*/ 7009426 w 9498612"/>
+              <a:gd name="connsiteY3" fmla="*/ 63776 h 1351981"/>
+              <a:gd name="connsiteX4" fmla="*/ 8414099 w 9498612"/>
+              <a:gd name="connsiteY4" fmla="*/ 876127 h 1351981"/>
+              <a:gd name="connsiteX5" fmla="*/ 9498612 w 9498612"/>
+              <a:gd name="connsiteY5" fmla="*/ 166311 h 1351981"/>
+              <a:gd name="connsiteX6" fmla="*/ 9469315 w 9498612"/>
+              <a:gd name="connsiteY6" fmla="*/ 1334397 h 1351981"/>
+              <a:gd name="connsiteX7" fmla="*/ 7253653 w 9498612"/>
+              <a:gd name="connsiteY7" fmla="*/ 1325604 h 1351981"/>
+              <a:gd name="connsiteX8" fmla="*/ 4826976 w 9498612"/>
+              <a:gd name="connsiteY8" fmla="*/ 1351981 h 1351981"/>
+              <a:gd name="connsiteX9" fmla="*/ 2751992 w 9498612"/>
+              <a:gd name="connsiteY9" fmla="*/ 1343189 h 1351981"/>
+              <a:gd name="connsiteX10" fmla="*/ 0 w 9498612"/>
+              <a:gd name="connsiteY10" fmla="*/ 1290435 h 1351981"/>
+              <a:gd name="connsiteX11" fmla="*/ 8792 w 9498612"/>
+              <a:gd name="connsiteY11" fmla="*/ 428789 h 1351981"/>
+              <a:gd name="connsiteX0" fmla="*/ 8792 w 9498612"/>
+              <a:gd name="connsiteY0" fmla="*/ 595005 h 1518197"/>
+              <a:gd name="connsiteX1" fmla="*/ 2057399 w 9498612"/>
+              <a:gd name="connsiteY1" fmla="*/ 551043 h 1518197"/>
+              <a:gd name="connsiteX2" fmla="*/ 3698995 w 9498612"/>
+              <a:gd name="connsiteY2" fmla="*/ 1127590 h 1518197"/>
+              <a:gd name="connsiteX3" fmla="*/ 5386116 w 9498612"/>
+              <a:gd name="connsiteY3" fmla="*/ 48678 h 1518197"/>
+              <a:gd name="connsiteX4" fmla="*/ 7009426 w 9498612"/>
+              <a:gd name="connsiteY4" fmla="*/ 229992 h 1518197"/>
+              <a:gd name="connsiteX5" fmla="*/ 8414099 w 9498612"/>
+              <a:gd name="connsiteY5" fmla="*/ 1042343 h 1518197"/>
+              <a:gd name="connsiteX6" fmla="*/ 9498612 w 9498612"/>
+              <a:gd name="connsiteY6" fmla="*/ 332527 h 1518197"/>
+              <a:gd name="connsiteX7" fmla="*/ 9469315 w 9498612"/>
+              <a:gd name="connsiteY7" fmla="*/ 1500613 h 1518197"/>
+              <a:gd name="connsiteX8" fmla="*/ 7253653 w 9498612"/>
+              <a:gd name="connsiteY8" fmla="*/ 1491820 h 1518197"/>
+              <a:gd name="connsiteX9" fmla="*/ 4826976 w 9498612"/>
+              <a:gd name="connsiteY9" fmla="*/ 1518197 h 1518197"/>
+              <a:gd name="connsiteX10" fmla="*/ 2751992 w 9498612"/>
+              <a:gd name="connsiteY10" fmla="*/ 1509405 h 1518197"/>
+              <a:gd name="connsiteX11" fmla="*/ 0 w 9498612"/>
+              <a:gd name="connsiteY11" fmla="*/ 1456651 h 1518197"/>
+              <a:gd name="connsiteX12" fmla="*/ 8792 w 9498612"/>
+              <a:gd name="connsiteY12" fmla="*/ 595005 h 1518197"/>
+              <a:gd name="connsiteX0" fmla="*/ 8792 w 9498612"/>
+              <a:gd name="connsiteY0" fmla="*/ 629716 h 1552908"/>
+              <a:gd name="connsiteX1" fmla="*/ 2057399 w 9498612"/>
+              <a:gd name="connsiteY1" fmla="*/ 585754 h 1552908"/>
+              <a:gd name="connsiteX2" fmla="*/ 3698995 w 9498612"/>
+              <a:gd name="connsiteY2" fmla="*/ 1162301 h 1552908"/>
+              <a:gd name="connsiteX3" fmla="*/ 5386116 w 9498612"/>
+              <a:gd name="connsiteY3" fmla="*/ 83389 h 1552908"/>
+              <a:gd name="connsiteX4" fmla="*/ 7009426 w 9498612"/>
+              <a:gd name="connsiteY4" fmla="*/ 264703 h 1552908"/>
+              <a:gd name="connsiteX5" fmla="*/ 8414099 w 9498612"/>
+              <a:gd name="connsiteY5" fmla="*/ 1077054 h 1552908"/>
+              <a:gd name="connsiteX6" fmla="*/ 9498612 w 9498612"/>
+              <a:gd name="connsiteY6" fmla="*/ 367238 h 1552908"/>
+              <a:gd name="connsiteX7" fmla="*/ 9469315 w 9498612"/>
+              <a:gd name="connsiteY7" fmla="*/ 1535324 h 1552908"/>
+              <a:gd name="connsiteX8" fmla="*/ 7253653 w 9498612"/>
+              <a:gd name="connsiteY8" fmla="*/ 1526531 h 1552908"/>
+              <a:gd name="connsiteX9" fmla="*/ 4826976 w 9498612"/>
+              <a:gd name="connsiteY9" fmla="*/ 1552908 h 1552908"/>
+              <a:gd name="connsiteX10" fmla="*/ 2751992 w 9498612"/>
+              <a:gd name="connsiteY10" fmla="*/ 1544116 h 1552908"/>
+              <a:gd name="connsiteX11" fmla="*/ 0 w 9498612"/>
+              <a:gd name="connsiteY11" fmla="*/ 1491362 h 1552908"/>
+              <a:gd name="connsiteX12" fmla="*/ 8792 w 9498612"/>
+              <a:gd name="connsiteY12" fmla="*/ 629716 h 1552908"/>
+              <a:gd name="connsiteX0" fmla="*/ 8792 w 9498612"/>
+              <a:gd name="connsiteY0" fmla="*/ 629716 h 1552908"/>
+              <a:gd name="connsiteX1" fmla="*/ 2057399 w 9498612"/>
+              <a:gd name="connsiteY1" fmla="*/ 585754 h 1552908"/>
+              <a:gd name="connsiteX2" fmla="*/ 3698995 w 9498612"/>
+              <a:gd name="connsiteY2" fmla="*/ 1162301 h 1552908"/>
+              <a:gd name="connsiteX3" fmla="*/ 5386116 w 9498612"/>
+              <a:gd name="connsiteY3" fmla="*/ 83389 h 1552908"/>
+              <a:gd name="connsiteX4" fmla="*/ 7009426 w 9498612"/>
+              <a:gd name="connsiteY4" fmla="*/ 264703 h 1552908"/>
+              <a:gd name="connsiteX5" fmla="*/ 8414099 w 9498612"/>
+              <a:gd name="connsiteY5" fmla="*/ 1077054 h 1552908"/>
+              <a:gd name="connsiteX6" fmla="*/ 9498612 w 9498612"/>
+              <a:gd name="connsiteY6" fmla="*/ 367238 h 1552908"/>
+              <a:gd name="connsiteX7" fmla="*/ 9469315 w 9498612"/>
+              <a:gd name="connsiteY7" fmla="*/ 1535324 h 1552908"/>
+              <a:gd name="connsiteX8" fmla="*/ 7253653 w 9498612"/>
+              <a:gd name="connsiteY8" fmla="*/ 1526531 h 1552908"/>
+              <a:gd name="connsiteX9" fmla="*/ 4826976 w 9498612"/>
+              <a:gd name="connsiteY9" fmla="*/ 1552908 h 1552908"/>
+              <a:gd name="connsiteX10" fmla="*/ 2751992 w 9498612"/>
+              <a:gd name="connsiteY10" fmla="*/ 1544116 h 1552908"/>
+              <a:gd name="connsiteX11" fmla="*/ 0 w 9498612"/>
+              <a:gd name="connsiteY11" fmla="*/ 1491362 h 1552908"/>
+              <a:gd name="connsiteX12" fmla="*/ 8792 w 9498612"/>
+              <a:gd name="connsiteY12" fmla="*/ 629716 h 1552908"/>
+            </a:gdLst>
+            <a:ahLst/>
+            <a:cxnLst>
+              <a:cxn ang="0">
+                <a:pos x="connsiteX0" y="connsiteY0"/>
+              </a:cxn>
+              <a:cxn ang="0">
+                <a:pos x="connsiteX1" y="connsiteY1"/>
+              </a:cxn>
+              <a:cxn ang="0">
+                <a:pos x="connsiteX2" y="connsiteY2"/>
+              </a:cxn>
+              <a:cxn ang="0">
+                <a:pos x="connsiteX3" y="connsiteY3"/>
+              </a:cxn>
+              <a:cxn ang="0">
+                <a:pos x="connsiteX4" y="connsiteY4"/>
+              </a:cxn>
+              <a:cxn ang="0">
+                <a:pos x="connsiteX5" y="connsiteY5"/>
+              </a:cxn>
+              <a:cxn ang="0">
+                <a:pos x="connsiteX6" y="connsiteY6"/>
+              </a:cxn>
+              <a:cxn ang="0">
+                <a:pos x="connsiteX7" y="connsiteY7"/>
+              </a:cxn>
+              <a:cxn ang="0">
+                <a:pos x="connsiteX8" y="connsiteY8"/>
+              </a:cxn>
+              <a:cxn ang="0">
+                <a:pos x="connsiteX9" y="connsiteY9"/>
+              </a:cxn>
+              <a:cxn ang="0">
+                <a:pos x="connsiteX10" y="connsiteY10"/>
+              </a:cxn>
+              <a:cxn ang="0">
+                <a:pos x="connsiteX11" y="connsiteY11"/>
+              </a:cxn>
+              <a:cxn ang="0">
+                <a:pos x="connsiteX12" y="connsiteY12"/>
+              </a:cxn>
+            </a:cxnLst>
+            <a:rect l="l" t="t" r="r" b="b"/>
+            <a:pathLst>
+              <a:path w="9498612" h="1552908">
+                <a:moveTo>
+                  <a:pt x="8792" y="629716"/>
+                </a:moveTo>
+                <a:cubicBezTo>
+                  <a:pt x="671146" y="635577"/>
+                  <a:pt x="973014" y="-123492"/>
+                  <a:pt x="2057399" y="585754"/>
+                </a:cubicBezTo>
+                <a:cubicBezTo>
+                  <a:pt x="3282459" y="1283277"/>
+                  <a:pt x="3144209" y="1246028"/>
+                  <a:pt x="3698995" y="1162301"/>
+                </a:cubicBezTo>
+                <a:cubicBezTo>
+                  <a:pt x="4253781" y="1078574"/>
+                  <a:pt x="4834377" y="232989"/>
+                  <a:pt x="5386116" y="83389"/>
+                </a:cubicBezTo>
+                <a:cubicBezTo>
+                  <a:pt x="5937855" y="-66211"/>
+                  <a:pt x="6463751" y="-19649"/>
+                  <a:pt x="7009426" y="264703"/>
+                </a:cubicBezTo>
+                <a:cubicBezTo>
+                  <a:pt x="7646042" y="612966"/>
+                  <a:pt x="8003791" y="1075589"/>
+                  <a:pt x="8414099" y="1077054"/>
+                </a:cubicBezTo>
+                <a:cubicBezTo>
+                  <a:pt x="8824407" y="1078519"/>
+                  <a:pt x="9320464" y="250238"/>
+                  <a:pt x="9498612" y="367238"/>
+                </a:cubicBezTo>
+                <a:cubicBezTo>
+                  <a:pt x="9495681" y="669107"/>
+                  <a:pt x="9472246" y="1233455"/>
+                  <a:pt x="9469315" y="1535324"/>
+                </a:cubicBezTo>
+                <a:lnTo>
+                  <a:pt x="7253653" y="1526531"/>
+                </a:lnTo>
+                <a:lnTo>
+                  <a:pt x="4826976" y="1552908"/>
+                </a:lnTo>
+                <a:lnTo>
+                  <a:pt x="2751992" y="1544116"/>
+                </a:lnTo>
+                <a:lnTo>
+                  <a:pt x="0" y="1491362"/>
+                </a:lnTo>
+                <a:cubicBezTo>
+                  <a:pt x="2931" y="1207077"/>
+                  <a:pt x="-2932" y="931585"/>
+                  <a:pt x="8792" y="629716"/>
+                </a:cubicBezTo>
+                <a:close/>
+              </a:path>
+            </a:pathLst>
+          </a:custGeom>
+          <a:gradFill>
+            <a:gsLst>
+              <a:gs pos="0">
+                <a:srgbClr val="EFFCFF"/>
+              </a:gs>
+              <a:gs pos="50000">
+                <a:srgbClr val="0F9ED5">
+                  <a:lumMod val="40000"/>
+                  <a:lumOff val="60000"/>
+                </a:srgbClr>
+              </a:gs>
+              <a:gs pos="100000">
+                <a:sysClr val="window" lastClr="FFFFFF"/>
+              </a:gs>
+            </a:gsLst>
+            <a:lin ang="5400000" scaled="1"/>
+          </a:gradFill>
+          <a:ln w="19050" cap="flat" cmpd="sng" algn="ctr">
+            <a:solidFill>
+              <a:sysClr val="window" lastClr="FFFFFF"/>
+            </a:solidFill>
+            <a:prstDash val="solid"/>
+            <a:miter lim="800000"/>
+          </a:ln>
+          <a:effectLst>
+            <a:glow>
+              <a:srgbClr val="FFFF00"/>
+            </a:glow>
+            <a:outerShdw algn="ctr" rotWithShape="0">
+              <a:sysClr val="windowText" lastClr="000000"/>
+            </a:outerShdw>
+          </a:effectLst>
+          <a:scene3d>
+            <a:camera prst="orthographicFront"/>
+            <a:lightRig rig="threePt" dir="t"/>
+          </a:scene3d>
+          <a:sp3d>
+            <a:bevelT w="0"/>
+          </a:sp3d>
+        </p:spPr>
+        <p:txBody>
+          <a:bodyPr rtlCol="0" anchor="ctr"/>
+          <a:lstStyle/>
+          <a:p>
+            <a:pPr marL="0" marR="0" lvl="0" indent="0" algn="ctr" defTabSz="914400" eaLnBrk="1" fontAlgn="auto" latinLnBrk="0" hangingPunct="1">
+              <a:lnSpc>
+                <a:spcPct val="100000"/>
+              </a:lnSpc>
+              <a:spcBef>
+                <a:spcPts val="0"/>
+              </a:spcBef>
+              <a:spcAft>
+                <a:spcPts val="0"/>
+              </a:spcAft>
+              <a:buClrTx/>
+              <a:buSzTx/>
+              <a:buFontTx/>
+              <a:buNone/>
+              <a:tabLst/>
+              <a:defRPr/>
+            </a:pPr>
+            <a:endParaRPr kumimoji="0" lang="en-GB" sz="1800" b="0" i="0" u="none" strike="noStrike" kern="0" cap="none" spc="0" normalizeH="0" baseline="0" noProof="0">
+              <a:ln>
+                <a:noFill/>
+              </a:ln>
+              <a:solidFill>
+                <a:prstClr val="white"/>
+              </a:solidFill>
+              <a:effectLst/>
+              <a:uLnTx/>
+              <a:uFillTx/>
+              <a:latin typeface="Aptos" panose="02110004020202020204"/>
+              <a:ea typeface="+mn-ea"/>
+              <a:cs typeface="+mn-cs"/>
+            </a:endParaRPr>
+          </a:p>
+        </p:txBody>
+      </p:sp>
+      <p:sp>
+        <p:nvSpPr>
+          <p:cNvPr id="24" name="Free-form: Shape 13">
+            <a:extLst>
+              <a:ext uri="{FF2B5EF4-FFF2-40B4-BE49-F238E27FC236}">
+                <a16:creationId xmlns:a16="http://schemas.microsoft.com/office/drawing/2014/main" id="{1157507C-DF41-F2F7-53B7-B0DC0D568F3B}"/>
+              </a:ext>
+            </a:extLst>
+          </p:cNvPr>
+          <p:cNvSpPr/>
+          <p:nvPr userDrawn="1"/>
+        </p:nvSpPr>
+        <p:spPr>
+          <a:xfrm>
+            <a:off x="0" y="5838824"/>
+            <a:ext cx="12192000" cy="675673"/>
+          </a:xfrm>
+          <a:custGeom>
+            <a:avLst/>
+            <a:gdLst>
+              <a:gd name="connsiteX0" fmla="*/ 17585 w 9486900"/>
+              <a:gd name="connsiteY0" fmla="*/ 8792 h 931984"/>
+              <a:gd name="connsiteX1" fmla="*/ 2004646 w 9486900"/>
+              <a:gd name="connsiteY1" fmla="*/ 26376 h 931984"/>
+              <a:gd name="connsiteX2" fmla="*/ 4466492 w 9486900"/>
+              <a:gd name="connsiteY2" fmla="*/ 35169 h 931984"/>
+              <a:gd name="connsiteX3" fmla="*/ 7025054 w 9486900"/>
+              <a:gd name="connsiteY3" fmla="*/ 0 h 931984"/>
+              <a:gd name="connsiteX4" fmla="*/ 9486900 w 9486900"/>
+              <a:gd name="connsiteY4" fmla="*/ 8792 h 931984"/>
+              <a:gd name="connsiteX5" fmla="*/ 9478108 w 9486900"/>
+              <a:gd name="connsiteY5" fmla="*/ 914400 h 931984"/>
+              <a:gd name="connsiteX6" fmla="*/ 7262446 w 9486900"/>
+              <a:gd name="connsiteY6" fmla="*/ 905607 h 931984"/>
+              <a:gd name="connsiteX7" fmla="*/ 4835769 w 9486900"/>
+              <a:gd name="connsiteY7" fmla="*/ 931984 h 931984"/>
+              <a:gd name="connsiteX8" fmla="*/ 2760785 w 9486900"/>
+              <a:gd name="connsiteY8" fmla="*/ 923192 h 931984"/>
+              <a:gd name="connsiteX9" fmla="*/ 0 w 9486900"/>
+              <a:gd name="connsiteY9" fmla="*/ 879230 h 931984"/>
+              <a:gd name="connsiteX10" fmla="*/ 17585 w 9486900"/>
+              <a:gd name="connsiteY10" fmla="*/ 8792 h 931984"/>
+              <a:gd name="connsiteX0" fmla="*/ 17585 w 9486900"/>
+              <a:gd name="connsiteY0" fmla="*/ 168095 h 1091287"/>
+              <a:gd name="connsiteX1" fmla="*/ 2004646 w 9486900"/>
+              <a:gd name="connsiteY1" fmla="*/ 185679 h 1091287"/>
+              <a:gd name="connsiteX2" fmla="*/ 4466492 w 9486900"/>
+              <a:gd name="connsiteY2" fmla="*/ 194472 h 1091287"/>
+              <a:gd name="connsiteX3" fmla="*/ 7025054 w 9486900"/>
+              <a:gd name="connsiteY3" fmla="*/ 159303 h 1091287"/>
+              <a:gd name="connsiteX4" fmla="*/ 9486900 w 9486900"/>
+              <a:gd name="connsiteY4" fmla="*/ 168095 h 1091287"/>
+              <a:gd name="connsiteX5" fmla="*/ 9478108 w 9486900"/>
+              <a:gd name="connsiteY5" fmla="*/ 1073703 h 1091287"/>
+              <a:gd name="connsiteX6" fmla="*/ 7262446 w 9486900"/>
+              <a:gd name="connsiteY6" fmla="*/ 1064910 h 1091287"/>
+              <a:gd name="connsiteX7" fmla="*/ 4835769 w 9486900"/>
+              <a:gd name="connsiteY7" fmla="*/ 1091287 h 1091287"/>
+              <a:gd name="connsiteX8" fmla="*/ 2760785 w 9486900"/>
+              <a:gd name="connsiteY8" fmla="*/ 1082495 h 1091287"/>
+              <a:gd name="connsiteX9" fmla="*/ 0 w 9486900"/>
+              <a:gd name="connsiteY9" fmla="*/ 1038533 h 1091287"/>
+              <a:gd name="connsiteX10" fmla="*/ 17585 w 9486900"/>
+              <a:gd name="connsiteY10" fmla="*/ 168095 h 1091287"/>
+              <a:gd name="connsiteX0" fmla="*/ 17585 w 9486900"/>
+              <a:gd name="connsiteY0" fmla="*/ 234508 h 1157700"/>
+              <a:gd name="connsiteX1" fmla="*/ 2004646 w 9486900"/>
+              <a:gd name="connsiteY1" fmla="*/ 252092 h 1157700"/>
+              <a:gd name="connsiteX2" fmla="*/ 4466492 w 9486900"/>
+              <a:gd name="connsiteY2" fmla="*/ 260885 h 1157700"/>
+              <a:gd name="connsiteX3" fmla="*/ 7025054 w 9486900"/>
+              <a:gd name="connsiteY3" fmla="*/ 225716 h 1157700"/>
+              <a:gd name="connsiteX4" fmla="*/ 9486900 w 9486900"/>
+              <a:gd name="connsiteY4" fmla="*/ 234508 h 1157700"/>
+              <a:gd name="connsiteX5" fmla="*/ 9478108 w 9486900"/>
+              <a:gd name="connsiteY5" fmla="*/ 1140116 h 1157700"/>
+              <a:gd name="connsiteX6" fmla="*/ 7262446 w 9486900"/>
+              <a:gd name="connsiteY6" fmla="*/ 1131323 h 1157700"/>
+              <a:gd name="connsiteX7" fmla="*/ 4835769 w 9486900"/>
+              <a:gd name="connsiteY7" fmla="*/ 1157700 h 1157700"/>
+              <a:gd name="connsiteX8" fmla="*/ 2760785 w 9486900"/>
+              <a:gd name="connsiteY8" fmla="*/ 1148908 h 1157700"/>
+              <a:gd name="connsiteX9" fmla="*/ 0 w 9486900"/>
+              <a:gd name="connsiteY9" fmla="*/ 1104946 h 1157700"/>
+              <a:gd name="connsiteX10" fmla="*/ 17585 w 9486900"/>
+              <a:gd name="connsiteY10" fmla="*/ 234508 h 1157700"/>
+              <a:gd name="connsiteX0" fmla="*/ 17585 w 9486900"/>
+              <a:gd name="connsiteY0" fmla="*/ 375168 h 1298360"/>
+              <a:gd name="connsiteX1" fmla="*/ 2004646 w 9486900"/>
+              <a:gd name="connsiteY1" fmla="*/ 392752 h 1298360"/>
+              <a:gd name="connsiteX2" fmla="*/ 4466492 w 9486900"/>
+              <a:gd name="connsiteY2" fmla="*/ 401545 h 1298360"/>
+              <a:gd name="connsiteX3" fmla="*/ 7025054 w 9486900"/>
+              <a:gd name="connsiteY3" fmla="*/ 366376 h 1298360"/>
+              <a:gd name="connsiteX4" fmla="*/ 9486900 w 9486900"/>
+              <a:gd name="connsiteY4" fmla="*/ 375168 h 1298360"/>
+              <a:gd name="connsiteX5" fmla="*/ 9478108 w 9486900"/>
+              <a:gd name="connsiteY5" fmla="*/ 1280776 h 1298360"/>
+              <a:gd name="connsiteX6" fmla="*/ 7262446 w 9486900"/>
+              <a:gd name="connsiteY6" fmla="*/ 1271983 h 1298360"/>
+              <a:gd name="connsiteX7" fmla="*/ 4835769 w 9486900"/>
+              <a:gd name="connsiteY7" fmla="*/ 1298360 h 1298360"/>
+              <a:gd name="connsiteX8" fmla="*/ 2760785 w 9486900"/>
+              <a:gd name="connsiteY8" fmla="*/ 1289568 h 1298360"/>
+              <a:gd name="connsiteX9" fmla="*/ 0 w 9486900"/>
+              <a:gd name="connsiteY9" fmla="*/ 1245606 h 1298360"/>
+              <a:gd name="connsiteX10" fmla="*/ 17585 w 9486900"/>
+              <a:gd name="connsiteY10" fmla="*/ 375168 h 1298360"/>
+              <a:gd name="connsiteX0" fmla="*/ 17585 w 9486900"/>
+              <a:gd name="connsiteY0" fmla="*/ 375168 h 1298360"/>
+              <a:gd name="connsiteX1" fmla="*/ 2004646 w 9486900"/>
+              <a:gd name="connsiteY1" fmla="*/ 392752 h 1298360"/>
+              <a:gd name="connsiteX2" fmla="*/ 4466492 w 9486900"/>
+              <a:gd name="connsiteY2" fmla="*/ 401545 h 1298360"/>
+              <a:gd name="connsiteX3" fmla="*/ 7025054 w 9486900"/>
+              <a:gd name="connsiteY3" fmla="*/ 366376 h 1298360"/>
+              <a:gd name="connsiteX4" fmla="*/ 9486900 w 9486900"/>
+              <a:gd name="connsiteY4" fmla="*/ 375168 h 1298360"/>
+              <a:gd name="connsiteX5" fmla="*/ 9478108 w 9486900"/>
+              <a:gd name="connsiteY5" fmla="*/ 1280776 h 1298360"/>
+              <a:gd name="connsiteX6" fmla="*/ 7262446 w 9486900"/>
+              <a:gd name="connsiteY6" fmla="*/ 1271983 h 1298360"/>
+              <a:gd name="connsiteX7" fmla="*/ 4835769 w 9486900"/>
+              <a:gd name="connsiteY7" fmla="*/ 1298360 h 1298360"/>
+              <a:gd name="connsiteX8" fmla="*/ 2760785 w 9486900"/>
+              <a:gd name="connsiteY8" fmla="*/ 1289568 h 1298360"/>
+              <a:gd name="connsiteX9" fmla="*/ 0 w 9486900"/>
+              <a:gd name="connsiteY9" fmla="*/ 1245606 h 1298360"/>
+              <a:gd name="connsiteX10" fmla="*/ 17585 w 9486900"/>
+              <a:gd name="connsiteY10" fmla="*/ 375168 h 1298360"/>
+              <a:gd name="connsiteX0" fmla="*/ 17585 w 9486900"/>
+              <a:gd name="connsiteY0" fmla="*/ 375168 h 1298360"/>
+              <a:gd name="connsiteX1" fmla="*/ 2004646 w 9486900"/>
+              <a:gd name="connsiteY1" fmla="*/ 392752 h 1298360"/>
+              <a:gd name="connsiteX2" fmla="*/ 4466492 w 9486900"/>
+              <a:gd name="connsiteY2" fmla="*/ 401545 h 1298360"/>
+              <a:gd name="connsiteX3" fmla="*/ 7025054 w 9486900"/>
+              <a:gd name="connsiteY3" fmla="*/ 366376 h 1298360"/>
+              <a:gd name="connsiteX4" fmla="*/ 9486900 w 9486900"/>
+              <a:gd name="connsiteY4" fmla="*/ 375168 h 1298360"/>
+              <a:gd name="connsiteX5" fmla="*/ 9478108 w 9486900"/>
+              <a:gd name="connsiteY5" fmla="*/ 1280776 h 1298360"/>
+              <a:gd name="connsiteX6" fmla="*/ 7262446 w 9486900"/>
+              <a:gd name="connsiteY6" fmla="*/ 1271983 h 1298360"/>
+              <a:gd name="connsiteX7" fmla="*/ 4835769 w 9486900"/>
+              <a:gd name="connsiteY7" fmla="*/ 1298360 h 1298360"/>
+              <a:gd name="connsiteX8" fmla="*/ 2760785 w 9486900"/>
+              <a:gd name="connsiteY8" fmla="*/ 1289568 h 1298360"/>
+              <a:gd name="connsiteX9" fmla="*/ 0 w 9486900"/>
+              <a:gd name="connsiteY9" fmla="*/ 1245606 h 1298360"/>
+              <a:gd name="connsiteX10" fmla="*/ 17585 w 9486900"/>
+              <a:gd name="connsiteY10" fmla="*/ 375168 h 1298360"/>
+              <a:gd name="connsiteX0" fmla="*/ 17585 w 9486900"/>
+              <a:gd name="connsiteY0" fmla="*/ 375168 h 1298360"/>
+              <a:gd name="connsiteX1" fmla="*/ 2004646 w 9486900"/>
+              <a:gd name="connsiteY1" fmla="*/ 392752 h 1298360"/>
+              <a:gd name="connsiteX2" fmla="*/ 4466492 w 9486900"/>
+              <a:gd name="connsiteY2" fmla="*/ 401545 h 1298360"/>
+              <a:gd name="connsiteX3" fmla="*/ 7025054 w 9486900"/>
+              <a:gd name="connsiteY3" fmla="*/ 366376 h 1298360"/>
+              <a:gd name="connsiteX4" fmla="*/ 9486900 w 9486900"/>
+              <a:gd name="connsiteY4" fmla="*/ 375168 h 1298360"/>
+              <a:gd name="connsiteX5" fmla="*/ 9478108 w 9486900"/>
+              <a:gd name="connsiteY5" fmla="*/ 1280776 h 1298360"/>
+              <a:gd name="connsiteX6" fmla="*/ 7262446 w 9486900"/>
+              <a:gd name="connsiteY6" fmla="*/ 1271983 h 1298360"/>
+              <a:gd name="connsiteX7" fmla="*/ 4835769 w 9486900"/>
+              <a:gd name="connsiteY7" fmla="*/ 1298360 h 1298360"/>
+              <a:gd name="connsiteX8" fmla="*/ 2760785 w 9486900"/>
+              <a:gd name="connsiteY8" fmla="*/ 1289568 h 1298360"/>
+              <a:gd name="connsiteX9" fmla="*/ 0 w 9486900"/>
+              <a:gd name="connsiteY9" fmla="*/ 1245606 h 1298360"/>
+              <a:gd name="connsiteX10" fmla="*/ 17585 w 9486900"/>
+              <a:gd name="connsiteY10" fmla="*/ 375168 h 1298360"/>
+              <a:gd name="connsiteX0" fmla="*/ 17585 w 9486900"/>
+              <a:gd name="connsiteY0" fmla="*/ 375168 h 1298360"/>
+              <a:gd name="connsiteX1" fmla="*/ 2004646 w 9486900"/>
+              <a:gd name="connsiteY1" fmla="*/ 392752 h 1298360"/>
+              <a:gd name="connsiteX2" fmla="*/ 4466492 w 9486900"/>
+              <a:gd name="connsiteY2" fmla="*/ 401545 h 1298360"/>
+              <a:gd name="connsiteX3" fmla="*/ 7025054 w 9486900"/>
+              <a:gd name="connsiteY3" fmla="*/ 366376 h 1298360"/>
+              <a:gd name="connsiteX4" fmla="*/ 9486900 w 9486900"/>
+              <a:gd name="connsiteY4" fmla="*/ 375168 h 1298360"/>
+              <a:gd name="connsiteX5" fmla="*/ 9478108 w 9486900"/>
+              <a:gd name="connsiteY5" fmla="*/ 1280776 h 1298360"/>
+              <a:gd name="connsiteX6" fmla="*/ 7262446 w 9486900"/>
+              <a:gd name="connsiteY6" fmla="*/ 1271983 h 1298360"/>
+              <a:gd name="connsiteX7" fmla="*/ 4835769 w 9486900"/>
+              <a:gd name="connsiteY7" fmla="*/ 1298360 h 1298360"/>
+              <a:gd name="connsiteX8" fmla="*/ 2760785 w 9486900"/>
+              <a:gd name="connsiteY8" fmla="*/ 1289568 h 1298360"/>
+              <a:gd name="connsiteX9" fmla="*/ 0 w 9486900"/>
+              <a:gd name="connsiteY9" fmla="*/ 1245606 h 1298360"/>
+              <a:gd name="connsiteX10" fmla="*/ 17585 w 9486900"/>
+              <a:gd name="connsiteY10" fmla="*/ 375168 h 1298360"/>
+              <a:gd name="connsiteX0" fmla="*/ 17585 w 9486900"/>
+              <a:gd name="connsiteY0" fmla="*/ 375168 h 1298360"/>
+              <a:gd name="connsiteX1" fmla="*/ 2004646 w 9486900"/>
+              <a:gd name="connsiteY1" fmla="*/ 392752 h 1298360"/>
+              <a:gd name="connsiteX2" fmla="*/ 4466492 w 9486900"/>
+              <a:gd name="connsiteY2" fmla="*/ 401545 h 1298360"/>
+              <a:gd name="connsiteX3" fmla="*/ 7025054 w 9486900"/>
+              <a:gd name="connsiteY3" fmla="*/ 366376 h 1298360"/>
+              <a:gd name="connsiteX4" fmla="*/ 9486900 w 9486900"/>
+              <a:gd name="connsiteY4" fmla="*/ 375168 h 1298360"/>
+              <a:gd name="connsiteX5" fmla="*/ 9478108 w 9486900"/>
+              <a:gd name="connsiteY5" fmla="*/ 1280776 h 1298360"/>
+              <a:gd name="connsiteX6" fmla="*/ 7262446 w 9486900"/>
+              <a:gd name="connsiteY6" fmla="*/ 1271983 h 1298360"/>
+              <a:gd name="connsiteX7" fmla="*/ 4835769 w 9486900"/>
+              <a:gd name="connsiteY7" fmla="*/ 1298360 h 1298360"/>
+              <a:gd name="connsiteX8" fmla="*/ 2760785 w 9486900"/>
+              <a:gd name="connsiteY8" fmla="*/ 1289568 h 1298360"/>
+              <a:gd name="connsiteX9" fmla="*/ 0 w 9486900"/>
+              <a:gd name="connsiteY9" fmla="*/ 1245606 h 1298360"/>
+              <a:gd name="connsiteX10" fmla="*/ 17585 w 9486900"/>
+              <a:gd name="connsiteY10" fmla="*/ 375168 h 1298360"/>
+              <a:gd name="connsiteX0" fmla="*/ 8792 w 9478107"/>
+              <a:gd name="connsiteY0" fmla="*/ 375168 h 1298360"/>
+              <a:gd name="connsiteX1" fmla="*/ 1995853 w 9478107"/>
+              <a:gd name="connsiteY1" fmla="*/ 392752 h 1298360"/>
+              <a:gd name="connsiteX2" fmla="*/ 4457699 w 9478107"/>
+              <a:gd name="connsiteY2" fmla="*/ 401545 h 1298360"/>
+              <a:gd name="connsiteX3" fmla="*/ 7016261 w 9478107"/>
+              <a:gd name="connsiteY3" fmla="*/ 366376 h 1298360"/>
+              <a:gd name="connsiteX4" fmla="*/ 9478107 w 9478107"/>
+              <a:gd name="connsiteY4" fmla="*/ 375168 h 1298360"/>
+              <a:gd name="connsiteX5" fmla="*/ 9469315 w 9478107"/>
+              <a:gd name="connsiteY5" fmla="*/ 1280776 h 1298360"/>
+              <a:gd name="connsiteX6" fmla="*/ 7253653 w 9478107"/>
+              <a:gd name="connsiteY6" fmla="*/ 1271983 h 1298360"/>
+              <a:gd name="connsiteX7" fmla="*/ 4826976 w 9478107"/>
+              <a:gd name="connsiteY7" fmla="*/ 1298360 h 1298360"/>
+              <a:gd name="connsiteX8" fmla="*/ 2751992 w 9478107"/>
+              <a:gd name="connsiteY8" fmla="*/ 1289568 h 1298360"/>
+              <a:gd name="connsiteX9" fmla="*/ 0 w 9478107"/>
+              <a:gd name="connsiteY9" fmla="*/ 1236814 h 1298360"/>
+              <a:gd name="connsiteX10" fmla="*/ 8792 w 9478107"/>
+              <a:gd name="connsiteY10" fmla="*/ 375168 h 1298360"/>
+              <a:gd name="connsiteX0" fmla="*/ 8792 w 9478107"/>
+              <a:gd name="connsiteY0" fmla="*/ 421112 h 1344304"/>
+              <a:gd name="connsiteX1" fmla="*/ 2057399 w 9478107"/>
+              <a:gd name="connsiteY1" fmla="*/ 377150 h 1344304"/>
+              <a:gd name="connsiteX2" fmla="*/ 4457699 w 9478107"/>
+              <a:gd name="connsiteY2" fmla="*/ 447489 h 1344304"/>
+              <a:gd name="connsiteX3" fmla="*/ 7016261 w 9478107"/>
+              <a:gd name="connsiteY3" fmla="*/ 412320 h 1344304"/>
+              <a:gd name="connsiteX4" fmla="*/ 9478107 w 9478107"/>
+              <a:gd name="connsiteY4" fmla="*/ 421112 h 1344304"/>
+              <a:gd name="connsiteX5" fmla="*/ 9469315 w 9478107"/>
+              <a:gd name="connsiteY5" fmla="*/ 1326720 h 1344304"/>
+              <a:gd name="connsiteX6" fmla="*/ 7253653 w 9478107"/>
+              <a:gd name="connsiteY6" fmla="*/ 1317927 h 1344304"/>
+              <a:gd name="connsiteX7" fmla="*/ 4826976 w 9478107"/>
+              <a:gd name="connsiteY7" fmla="*/ 1344304 h 1344304"/>
+              <a:gd name="connsiteX8" fmla="*/ 2751992 w 9478107"/>
+              <a:gd name="connsiteY8" fmla="*/ 1335512 h 1344304"/>
+              <a:gd name="connsiteX9" fmla="*/ 0 w 9478107"/>
+              <a:gd name="connsiteY9" fmla="*/ 1282758 h 1344304"/>
+              <a:gd name="connsiteX10" fmla="*/ 8792 w 9478107"/>
+              <a:gd name="connsiteY10" fmla="*/ 421112 h 1344304"/>
+              <a:gd name="connsiteX0" fmla="*/ 8792 w 9478107"/>
+              <a:gd name="connsiteY0" fmla="*/ 350485 h 1273677"/>
+              <a:gd name="connsiteX1" fmla="*/ 2057399 w 9478107"/>
+              <a:gd name="connsiteY1" fmla="*/ 306523 h 1273677"/>
+              <a:gd name="connsiteX2" fmla="*/ 4457699 w 9478107"/>
+              <a:gd name="connsiteY2" fmla="*/ 376862 h 1273677"/>
+              <a:gd name="connsiteX3" fmla="*/ 7016261 w 9478107"/>
+              <a:gd name="connsiteY3" fmla="*/ 341693 h 1273677"/>
+              <a:gd name="connsiteX4" fmla="*/ 9478107 w 9478107"/>
+              <a:gd name="connsiteY4" fmla="*/ 350485 h 1273677"/>
+              <a:gd name="connsiteX5" fmla="*/ 9469315 w 9478107"/>
+              <a:gd name="connsiteY5" fmla="*/ 1256093 h 1273677"/>
+              <a:gd name="connsiteX6" fmla="*/ 7253653 w 9478107"/>
+              <a:gd name="connsiteY6" fmla="*/ 1247300 h 1273677"/>
+              <a:gd name="connsiteX7" fmla="*/ 4826976 w 9478107"/>
+              <a:gd name="connsiteY7" fmla="*/ 1273677 h 1273677"/>
+              <a:gd name="connsiteX8" fmla="*/ 2751992 w 9478107"/>
+              <a:gd name="connsiteY8" fmla="*/ 1264885 h 1273677"/>
+              <a:gd name="connsiteX9" fmla="*/ 0 w 9478107"/>
+              <a:gd name="connsiteY9" fmla="*/ 1212131 h 1273677"/>
+              <a:gd name="connsiteX10" fmla="*/ 8792 w 9478107"/>
+              <a:gd name="connsiteY10" fmla="*/ 350485 h 1273677"/>
+              <a:gd name="connsiteX0" fmla="*/ 8792 w 9478107"/>
+              <a:gd name="connsiteY0" fmla="*/ 350485 h 1273677"/>
+              <a:gd name="connsiteX1" fmla="*/ 2057399 w 9478107"/>
+              <a:gd name="connsiteY1" fmla="*/ 306523 h 1273677"/>
+              <a:gd name="connsiteX2" fmla="*/ 4457699 w 9478107"/>
+              <a:gd name="connsiteY2" fmla="*/ 376862 h 1273677"/>
+              <a:gd name="connsiteX3" fmla="*/ 7016261 w 9478107"/>
+              <a:gd name="connsiteY3" fmla="*/ 341693 h 1273677"/>
+              <a:gd name="connsiteX4" fmla="*/ 9478107 w 9478107"/>
+              <a:gd name="connsiteY4" fmla="*/ 350485 h 1273677"/>
+              <a:gd name="connsiteX5" fmla="*/ 9469315 w 9478107"/>
+              <a:gd name="connsiteY5" fmla="*/ 1256093 h 1273677"/>
+              <a:gd name="connsiteX6" fmla="*/ 7253653 w 9478107"/>
+              <a:gd name="connsiteY6" fmla="*/ 1247300 h 1273677"/>
+              <a:gd name="connsiteX7" fmla="*/ 4826976 w 9478107"/>
+              <a:gd name="connsiteY7" fmla="*/ 1273677 h 1273677"/>
+              <a:gd name="connsiteX8" fmla="*/ 2751992 w 9478107"/>
+              <a:gd name="connsiteY8" fmla="*/ 1264885 h 1273677"/>
+              <a:gd name="connsiteX9" fmla="*/ 0 w 9478107"/>
+              <a:gd name="connsiteY9" fmla="*/ 1212131 h 1273677"/>
+              <a:gd name="connsiteX10" fmla="*/ 8792 w 9478107"/>
+              <a:gd name="connsiteY10" fmla="*/ 350485 h 1273677"/>
+            </a:gdLst>
+            <a:ahLst/>
+            <a:cxnLst>
+              <a:cxn ang="0">
+                <a:pos x="connsiteX0" y="connsiteY0"/>
+              </a:cxn>
+              <a:cxn ang="0">
+                <a:pos x="connsiteX1" y="connsiteY1"/>
+              </a:cxn>
+              <a:cxn ang="0">
+                <a:pos x="connsiteX2" y="connsiteY2"/>
+              </a:cxn>
+              <a:cxn ang="0">
+                <a:pos x="connsiteX3" y="connsiteY3"/>
+              </a:cxn>
+              <a:cxn ang="0">
+                <a:pos x="connsiteX4" y="connsiteY4"/>
+              </a:cxn>
+              <a:cxn ang="0">
+                <a:pos x="connsiteX5" y="connsiteY5"/>
+              </a:cxn>
+              <a:cxn ang="0">
+                <a:pos x="connsiteX6" y="connsiteY6"/>
+              </a:cxn>
+              <a:cxn ang="0">
+                <a:pos x="connsiteX7" y="connsiteY7"/>
+              </a:cxn>
+              <a:cxn ang="0">
+                <a:pos x="connsiteX8" y="connsiteY8"/>
+              </a:cxn>
+              <a:cxn ang="0">
+                <a:pos x="connsiteX9" y="connsiteY9"/>
+              </a:cxn>
+              <a:cxn ang="0">
+                <a:pos x="connsiteX10" y="connsiteY10"/>
+              </a:cxn>
+            </a:cxnLst>
+            <a:rect l="l" t="t" r="r" b="b"/>
+            <a:pathLst>
+              <a:path w="9478107" h="1273677">
+                <a:moveTo>
+                  <a:pt x="8792" y="350485"/>
+                </a:moveTo>
+                <a:cubicBezTo>
+                  <a:pt x="671146" y="356346"/>
+                  <a:pt x="973014" y="-402723"/>
+                  <a:pt x="2057399" y="306523"/>
+                </a:cubicBezTo>
+                <a:cubicBezTo>
+                  <a:pt x="3282459" y="1004046"/>
+                  <a:pt x="3979984" y="611323"/>
+                  <a:pt x="4457699" y="376862"/>
+                </a:cubicBezTo>
+                <a:cubicBezTo>
+                  <a:pt x="5723792" y="-223945"/>
+                  <a:pt x="6216161" y="-7069"/>
+                  <a:pt x="7016261" y="341693"/>
+                </a:cubicBezTo>
+                <a:cubicBezTo>
+                  <a:pt x="8672145" y="977671"/>
+                  <a:pt x="8657492" y="347554"/>
+                  <a:pt x="9478107" y="350485"/>
+                </a:cubicBezTo>
+                <a:cubicBezTo>
+                  <a:pt x="9475176" y="652354"/>
+                  <a:pt x="9472246" y="954224"/>
+                  <a:pt x="9469315" y="1256093"/>
+                </a:cubicBezTo>
+                <a:lnTo>
+                  <a:pt x="7253653" y="1247300"/>
+                </a:lnTo>
+                <a:lnTo>
+                  <a:pt x="4826976" y="1273677"/>
+                </a:lnTo>
+                <a:lnTo>
+                  <a:pt x="2751992" y="1264885"/>
+                </a:lnTo>
+                <a:lnTo>
+                  <a:pt x="0" y="1212131"/>
+                </a:lnTo>
+                <a:cubicBezTo>
+                  <a:pt x="2931" y="927846"/>
+                  <a:pt x="-2932" y="652354"/>
+                  <a:pt x="8792" y="350485"/>
+                </a:cubicBezTo>
+                <a:close/>
+              </a:path>
+            </a:pathLst>
+          </a:custGeom>
+          <a:gradFill>
+            <a:gsLst>
+              <a:gs pos="0">
+                <a:srgbClr val="156082">
+                  <a:lumMod val="5000"/>
+                  <a:lumOff val="95000"/>
+                </a:srgbClr>
+              </a:gs>
+              <a:gs pos="74000">
+                <a:srgbClr val="156082">
+                  <a:lumMod val="45000"/>
+                  <a:lumOff val="55000"/>
+                </a:srgbClr>
+              </a:gs>
+              <a:gs pos="83000">
+                <a:srgbClr val="156082">
+                  <a:lumMod val="45000"/>
+                  <a:lumOff val="55000"/>
+                </a:srgbClr>
+              </a:gs>
+              <a:gs pos="100000">
+                <a:srgbClr val="156082">
+                  <a:lumMod val="30000"/>
+                  <a:lumOff val="70000"/>
+                </a:srgbClr>
+              </a:gs>
+            </a:gsLst>
+            <a:lin ang="5400000" scaled="1"/>
+          </a:gradFill>
+          <a:ln w="19050" cap="flat" cmpd="sng" algn="ctr">
+            <a:noFill/>
+            <a:prstDash val="solid"/>
+            <a:miter lim="800000"/>
+          </a:ln>
+          <a:effectLst>
+            <a:glow>
+              <a:srgbClr val="FFFF00"/>
+            </a:glow>
+            <a:outerShdw algn="ctr" rotWithShape="0">
+              <a:sysClr val="windowText" lastClr="000000"/>
+            </a:outerShdw>
+          </a:effectLst>
+          <a:scene3d>
+            <a:camera prst="orthographicFront"/>
+            <a:lightRig rig="threePt" dir="t"/>
+          </a:scene3d>
+          <a:sp3d>
+            <a:bevelT w="0"/>
+          </a:sp3d>
+        </p:spPr>
+        <p:txBody>
+          <a:bodyPr rtlCol="0" anchor="ctr"/>
+          <a:lstStyle/>
+          <a:p>
+            <a:pPr marL="0" marR="0" lvl="0" indent="0" algn="ctr" defTabSz="914400" eaLnBrk="1" fontAlgn="auto" latinLnBrk="0" hangingPunct="1">
+              <a:lnSpc>
+                <a:spcPct val="100000"/>
+              </a:lnSpc>
+              <a:spcBef>
+                <a:spcPts val="0"/>
+              </a:spcBef>
+              <a:spcAft>
+                <a:spcPts val="0"/>
+              </a:spcAft>
+              <a:buClrTx/>
+              <a:buSzTx/>
+              <a:buFontTx/>
+              <a:buNone/>
+              <a:tabLst/>
+              <a:defRPr/>
+            </a:pPr>
+            <a:endParaRPr kumimoji="0" lang="en-GB" sz="1800" b="0" i="0" u="none" strike="noStrike" kern="0" cap="none" spc="0" normalizeH="0" baseline="0" noProof="0">
+              <a:ln>
+                <a:noFill/>
+              </a:ln>
+              <a:solidFill>
+                <a:prstClr val="white"/>
+              </a:solidFill>
+              <a:effectLst/>
+              <a:uLnTx/>
+              <a:uFillTx/>
+              <a:latin typeface="Aptos" panose="02110004020202020204"/>
+              <a:ea typeface="+mn-ea"/>
+              <a:cs typeface="+mn-cs"/>
+            </a:endParaRPr>
+          </a:p>
+        </p:txBody>
+      </p:sp>
+      <p:sp>
+        <p:nvSpPr>
+          <p:cNvPr id="25" name="Free-form: Shape 13">
+            <a:extLst>
+              <a:ext uri="{FF2B5EF4-FFF2-40B4-BE49-F238E27FC236}">
+                <a16:creationId xmlns:a16="http://schemas.microsoft.com/office/drawing/2014/main" id="{94DF4395-7D7A-F380-6320-D9BE1ED1DA6D}"/>
+              </a:ext>
+            </a:extLst>
+          </p:cNvPr>
+          <p:cNvSpPr/>
+          <p:nvPr userDrawn="1"/>
+        </p:nvSpPr>
+        <p:spPr>
+          <a:xfrm>
+            <a:off x="-7346" y="5928072"/>
+            <a:ext cx="12216286" cy="898824"/>
+          </a:xfrm>
+          <a:custGeom>
+            <a:avLst/>
+            <a:gdLst>
+              <a:gd name="connsiteX0" fmla="*/ 17585 w 9486900"/>
+              <a:gd name="connsiteY0" fmla="*/ 8792 h 931984"/>
+              <a:gd name="connsiteX1" fmla="*/ 2004646 w 9486900"/>
+              <a:gd name="connsiteY1" fmla="*/ 26376 h 931984"/>
+              <a:gd name="connsiteX2" fmla="*/ 4466492 w 9486900"/>
+              <a:gd name="connsiteY2" fmla="*/ 35169 h 931984"/>
+              <a:gd name="connsiteX3" fmla="*/ 7025054 w 9486900"/>
+              <a:gd name="connsiteY3" fmla="*/ 0 h 931984"/>
+              <a:gd name="connsiteX4" fmla="*/ 9486900 w 9486900"/>
+              <a:gd name="connsiteY4" fmla="*/ 8792 h 931984"/>
+              <a:gd name="connsiteX5" fmla="*/ 9478108 w 9486900"/>
+              <a:gd name="connsiteY5" fmla="*/ 914400 h 931984"/>
+              <a:gd name="connsiteX6" fmla="*/ 7262446 w 9486900"/>
+              <a:gd name="connsiteY6" fmla="*/ 905607 h 931984"/>
+              <a:gd name="connsiteX7" fmla="*/ 4835769 w 9486900"/>
+              <a:gd name="connsiteY7" fmla="*/ 931984 h 931984"/>
+              <a:gd name="connsiteX8" fmla="*/ 2760785 w 9486900"/>
+              <a:gd name="connsiteY8" fmla="*/ 923192 h 931984"/>
+              <a:gd name="connsiteX9" fmla="*/ 0 w 9486900"/>
+              <a:gd name="connsiteY9" fmla="*/ 879230 h 931984"/>
+              <a:gd name="connsiteX10" fmla="*/ 17585 w 9486900"/>
+              <a:gd name="connsiteY10" fmla="*/ 8792 h 931984"/>
+              <a:gd name="connsiteX0" fmla="*/ 17585 w 9486900"/>
+              <a:gd name="connsiteY0" fmla="*/ 168095 h 1091287"/>
+              <a:gd name="connsiteX1" fmla="*/ 2004646 w 9486900"/>
+              <a:gd name="connsiteY1" fmla="*/ 185679 h 1091287"/>
+              <a:gd name="connsiteX2" fmla="*/ 4466492 w 9486900"/>
+              <a:gd name="connsiteY2" fmla="*/ 194472 h 1091287"/>
+              <a:gd name="connsiteX3" fmla="*/ 7025054 w 9486900"/>
+              <a:gd name="connsiteY3" fmla="*/ 159303 h 1091287"/>
+              <a:gd name="connsiteX4" fmla="*/ 9486900 w 9486900"/>
+              <a:gd name="connsiteY4" fmla="*/ 168095 h 1091287"/>
+              <a:gd name="connsiteX5" fmla="*/ 9478108 w 9486900"/>
+              <a:gd name="connsiteY5" fmla="*/ 1073703 h 1091287"/>
+              <a:gd name="connsiteX6" fmla="*/ 7262446 w 9486900"/>
+              <a:gd name="connsiteY6" fmla="*/ 1064910 h 1091287"/>
+              <a:gd name="connsiteX7" fmla="*/ 4835769 w 9486900"/>
+              <a:gd name="connsiteY7" fmla="*/ 1091287 h 1091287"/>
+              <a:gd name="connsiteX8" fmla="*/ 2760785 w 9486900"/>
+              <a:gd name="connsiteY8" fmla="*/ 1082495 h 1091287"/>
+              <a:gd name="connsiteX9" fmla="*/ 0 w 9486900"/>
+              <a:gd name="connsiteY9" fmla="*/ 1038533 h 1091287"/>
+              <a:gd name="connsiteX10" fmla="*/ 17585 w 9486900"/>
+              <a:gd name="connsiteY10" fmla="*/ 168095 h 1091287"/>
+              <a:gd name="connsiteX0" fmla="*/ 17585 w 9486900"/>
+              <a:gd name="connsiteY0" fmla="*/ 234508 h 1157700"/>
+              <a:gd name="connsiteX1" fmla="*/ 2004646 w 9486900"/>
+              <a:gd name="connsiteY1" fmla="*/ 252092 h 1157700"/>
+              <a:gd name="connsiteX2" fmla="*/ 4466492 w 9486900"/>
+              <a:gd name="connsiteY2" fmla="*/ 260885 h 1157700"/>
+              <a:gd name="connsiteX3" fmla="*/ 7025054 w 9486900"/>
+              <a:gd name="connsiteY3" fmla="*/ 225716 h 1157700"/>
+              <a:gd name="connsiteX4" fmla="*/ 9486900 w 9486900"/>
+              <a:gd name="connsiteY4" fmla="*/ 234508 h 1157700"/>
+              <a:gd name="connsiteX5" fmla="*/ 9478108 w 9486900"/>
+              <a:gd name="connsiteY5" fmla="*/ 1140116 h 1157700"/>
+              <a:gd name="connsiteX6" fmla="*/ 7262446 w 9486900"/>
+              <a:gd name="connsiteY6" fmla="*/ 1131323 h 1157700"/>
+              <a:gd name="connsiteX7" fmla="*/ 4835769 w 9486900"/>
+              <a:gd name="connsiteY7" fmla="*/ 1157700 h 1157700"/>
+              <a:gd name="connsiteX8" fmla="*/ 2760785 w 9486900"/>
+              <a:gd name="connsiteY8" fmla="*/ 1148908 h 1157700"/>
+              <a:gd name="connsiteX9" fmla="*/ 0 w 9486900"/>
+              <a:gd name="connsiteY9" fmla="*/ 1104946 h 1157700"/>
+              <a:gd name="connsiteX10" fmla="*/ 17585 w 9486900"/>
+              <a:gd name="connsiteY10" fmla="*/ 234508 h 1157700"/>
+              <a:gd name="connsiteX0" fmla="*/ 17585 w 9486900"/>
+              <a:gd name="connsiteY0" fmla="*/ 375168 h 1298360"/>
+              <a:gd name="connsiteX1" fmla="*/ 2004646 w 9486900"/>
+              <a:gd name="connsiteY1" fmla="*/ 392752 h 1298360"/>
+              <a:gd name="connsiteX2" fmla="*/ 4466492 w 9486900"/>
+              <a:gd name="connsiteY2" fmla="*/ 401545 h 1298360"/>
+              <a:gd name="connsiteX3" fmla="*/ 7025054 w 9486900"/>
+              <a:gd name="connsiteY3" fmla="*/ 366376 h 1298360"/>
+              <a:gd name="connsiteX4" fmla="*/ 9486900 w 9486900"/>
+              <a:gd name="connsiteY4" fmla="*/ 375168 h 1298360"/>
+              <a:gd name="connsiteX5" fmla="*/ 9478108 w 9486900"/>
+              <a:gd name="connsiteY5" fmla="*/ 1280776 h 1298360"/>
+              <a:gd name="connsiteX6" fmla="*/ 7262446 w 9486900"/>
+              <a:gd name="connsiteY6" fmla="*/ 1271983 h 1298360"/>
+              <a:gd name="connsiteX7" fmla="*/ 4835769 w 9486900"/>
+              <a:gd name="connsiteY7" fmla="*/ 1298360 h 1298360"/>
+              <a:gd name="connsiteX8" fmla="*/ 2760785 w 9486900"/>
+              <a:gd name="connsiteY8" fmla="*/ 1289568 h 1298360"/>
+              <a:gd name="connsiteX9" fmla="*/ 0 w 9486900"/>
+              <a:gd name="connsiteY9" fmla="*/ 1245606 h 1298360"/>
+              <a:gd name="connsiteX10" fmla="*/ 17585 w 9486900"/>
+              <a:gd name="connsiteY10" fmla="*/ 375168 h 1298360"/>
+              <a:gd name="connsiteX0" fmla="*/ 17585 w 9486900"/>
+              <a:gd name="connsiteY0" fmla="*/ 375168 h 1298360"/>
+              <a:gd name="connsiteX1" fmla="*/ 2004646 w 9486900"/>
+              <a:gd name="connsiteY1" fmla="*/ 392752 h 1298360"/>
+              <a:gd name="connsiteX2" fmla="*/ 4466492 w 9486900"/>
+              <a:gd name="connsiteY2" fmla="*/ 401545 h 1298360"/>
+              <a:gd name="connsiteX3" fmla="*/ 7025054 w 9486900"/>
+              <a:gd name="connsiteY3" fmla="*/ 366376 h 1298360"/>
+              <a:gd name="connsiteX4" fmla="*/ 9486900 w 9486900"/>
+              <a:gd name="connsiteY4" fmla="*/ 375168 h 1298360"/>
+              <a:gd name="connsiteX5" fmla="*/ 9478108 w 9486900"/>
+              <a:gd name="connsiteY5" fmla="*/ 1280776 h 1298360"/>
+              <a:gd name="connsiteX6" fmla="*/ 7262446 w 9486900"/>
+              <a:gd name="connsiteY6" fmla="*/ 1271983 h 1298360"/>
+              <a:gd name="connsiteX7" fmla="*/ 4835769 w 9486900"/>
+              <a:gd name="connsiteY7" fmla="*/ 1298360 h 1298360"/>
+              <a:gd name="connsiteX8" fmla="*/ 2760785 w 9486900"/>
+              <a:gd name="connsiteY8" fmla="*/ 1289568 h 1298360"/>
+              <a:gd name="connsiteX9" fmla="*/ 0 w 9486900"/>
+              <a:gd name="connsiteY9" fmla="*/ 1245606 h 1298360"/>
+              <a:gd name="connsiteX10" fmla="*/ 17585 w 9486900"/>
+              <a:gd name="connsiteY10" fmla="*/ 375168 h 1298360"/>
+              <a:gd name="connsiteX0" fmla="*/ 17585 w 9486900"/>
+              <a:gd name="connsiteY0" fmla="*/ 375168 h 1298360"/>
+              <a:gd name="connsiteX1" fmla="*/ 2004646 w 9486900"/>
+              <a:gd name="connsiteY1" fmla="*/ 392752 h 1298360"/>
+              <a:gd name="connsiteX2" fmla="*/ 4466492 w 9486900"/>
+              <a:gd name="connsiteY2" fmla="*/ 401545 h 1298360"/>
+              <a:gd name="connsiteX3" fmla="*/ 7025054 w 9486900"/>
+              <a:gd name="connsiteY3" fmla="*/ 366376 h 1298360"/>
+              <a:gd name="connsiteX4" fmla="*/ 9486900 w 9486900"/>
+              <a:gd name="connsiteY4" fmla="*/ 375168 h 1298360"/>
+              <a:gd name="connsiteX5" fmla="*/ 9478108 w 9486900"/>
+              <a:gd name="connsiteY5" fmla="*/ 1280776 h 1298360"/>
+              <a:gd name="connsiteX6" fmla="*/ 7262446 w 9486900"/>
+              <a:gd name="connsiteY6" fmla="*/ 1271983 h 1298360"/>
+              <a:gd name="connsiteX7" fmla="*/ 4835769 w 9486900"/>
+              <a:gd name="connsiteY7" fmla="*/ 1298360 h 1298360"/>
+              <a:gd name="connsiteX8" fmla="*/ 2760785 w 9486900"/>
+              <a:gd name="connsiteY8" fmla="*/ 1289568 h 1298360"/>
+              <a:gd name="connsiteX9" fmla="*/ 0 w 9486900"/>
+              <a:gd name="connsiteY9" fmla="*/ 1245606 h 1298360"/>
+              <a:gd name="connsiteX10" fmla="*/ 17585 w 9486900"/>
+              <a:gd name="connsiteY10" fmla="*/ 375168 h 1298360"/>
+              <a:gd name="connsiteX0" fmla="*/ 17585 w 9486900"/>
+              <a:gd name="connsiteY0" fmla="*/ 375168 h 1298360"/>
+              <a:gd name="connsiteX1" fmla="*/ 2004646 w 9486900"/>
+              <a:gd name="connsiteY1" fmla="*/ 392752 h 1298360"/>
+              <a:gd name="connsiteX2" fmla="*/ 4466492 w 9486900"/>
+              <a:gd name="connsiteY2" fmla="*/ 401545 h 1298360"/>
+              <a:gd name="connsiteX3" fmla="*/ 7025054 w 9486900"/>
+              <a:gd name="connsiteY3" fmla="*/ 366376 h 1298360"/>
+              <a:gd name="connsiteX4" fmla="*/ 9486900 w 9486900"/>
+              <a:gd name="connsiteY4" fmla="*/ 375168 h 1298360"/>
+              <a:gd name="connsiteX5" fmla="*/ 9478108 w 9486900"/>
+              <a:gd name="connsiteY5" fmla="*/ 1280776 h 1298360"/>
+              <a:gd name="connsiteX6" fmla="*/ 7262446 w 9486900"/>
+              <a:gd name="connsiteY6" fmla="*/ 1271983 h 1298360"/>
+              <a:gd name="connsiteX7" fmla="*/ 4835769 w 9486900"/>
+              <a:gd name="connsiteY7" fmla="*/ 1298360 h 1298360"/>
+              <a:gd name="connsiteX8" fmla="*/ 2760785 w 9486900"/>
+              <a:gd name="connsiteY8" fmla="*/ 1289568 h 1298360"/>
+              <a:gd name="connsiteX9" fmla="*/ 0 w 9486900"/>
+              <a:gd name="connsiteY9" fmla="*/ 1245606 h 1298360"/>
+              <a:gd name="connsiteX10" fmla="*/ 17585 w 9486900"/>
+              <a:gd name="connsiteY10" fmla="*/ 375168 h 1298360"/>
+              <a:gd name="connsiteX0" fmla="*/ 17585 w 9486900"/>
+              <a:gd name="connsiteY0" fmla="*/ 375168 h 1298360"/>
+              <a:gd name="connsiteX1" fmla="*/ 2004646 w 9486900"/>
+              <a:gd name="connsiteY1" fmla="*/ 392752 h 1298360"/>
+              <a:gd name="connsiteX2" fmla="*/ 4466492 w 9486900"/>
+              <a:gd name="connsiteY2" fmla="*/ 401545 h 1298360"/>
+              <a:gd name="connsiteX3" fmla="*/ 7025054 w 9486900"/>
+              <a:gd name="connsiteY3" fmla="*/ 366376 h 1298360"/>
+              <a:gd name="connsiteX4" fmla="*/ 9486900 w 9486900"/>
+              <a:gd name="connsiteY4" fmla="*/ 375168 h 1298360"/>
+              <a:gd name="connsiteX5" fmla="*/ 9478108 w 9486900"/>
+              <a:gd name="connsiteY5" fmla="*/ 1280776 h 1298360"/>
+              <a:gd name="connsiteX6" fmla="*/ 7262446 w 9486900"/>
+              <a:gd name="connsiteY6" fmla="*/ 1271983 h 1298360"/>
+              <a:gd name="connsiteX7" fmla="*/ 4835769 w 9486900"/>
+              <a:gd name="connsiteY7" fmla="*/ 1298360 h 1298360"/>
+              <a:gd name="connsiteX8" fmla="*/ 2760785 w 9486900"/>
+              <a:gd name="connsiteY8" fmla="*/ 1289568 h 1298360"/>
+              <a:gd name="connsiteX9" fmla="*/ 0 w 9486900"/>
+              <a:gd name="connsiteY9" fmla="*/ 1245606 h 1298360"/>
+              <a:gd name="connsiteX10" fmla="*/ 17585 w 9486900"/>
+              <a:gd name="connsiteY10" fmla="*/ 375168 h 1298360"/>
+              <a:gd name="connsiteX0" fmla="*/ 17585 w 9486900"/>
+              <a:gd name="connsiteY0" fmla="*/ 375168 h 1298360"/>
+              <a:gd name="connsiteX1" fmla="*/ 2004646 w 9486900"/>
+              <a:gd name="connsiteY1" fmla="*/ 392752 h 1298360"/>
+              <a:gd name="connsiteX2" fmla="*/ 4466492 w 9486900"/>
+              <a:gd name="connsiteY2" fmla="*/ 401545 h 1298360"/>
+              <a:gd name="connsiteX3" fmla="*/ 7025054 w 9486900"/>
+              <a:gd name="connsiteY3" fmla="*/ 366376 h 1298360"/>
+              <a:gd name="connsiteX4" fmla="*/ 9486900 w 9486900"/>
+              <a:gd name="connsiteY4" fmla="*/ 375168 h 1298360"/>
+              <a:gd name="connsiteX5" fmla="*/ 9478108 w 9486900"/>
+              <a:gd name="connsiteY5" fmla="*/ 1280776 h 1298360"/>
+              <a:gd name="connsiteX6" fmla="*/ 7262446 w 9486900"/>
+              <a:gd name="connsiteY6" fmla="*/ 1271983 h 1298360"/>
+              <a:gd name="connsiteX7" fmla="*/ 4835769 w 9486900"/>
+              <a:gd name="connsiteY7" fmla="*/ 1298360 h 1298360"/>
+              <a:gd name="connsiteX8" fmla="*/ 2760785 w 9486900"/>
+              <a:gd name="connsiteY8" fmla="*/ 1289568 h 1298360"/>
+              <a:gd name="connsiteX9" fmla="*/ 0 w 9486900"/>
+              <a:gd name="connsiteY9" fmla="*/ 1245606 h 1298360"/>
+              <a:gd name="connsiteX10" fmla="*/ 17585 w 9486900"/>
+              <a:gd name="connsiteY10" fmla="*/ 375168 h 1298360"/>
+              <a:gd name="connsiteX0" fmla="*/ 8792 w 9478107"/>
+              <a:gd name="connsiteY0" fmla="*/ 375168 h 1298360"/>
+              <a:gd name="connsiteX1" fmla="*/ 1995853 w 9478107"/>
+              <a:gd name="connsiteY1" fmla="*/ 392752 h 1298360"/>
+              <a:gd name="connsiteX2" fmla="*/ 4457699 w 9478107"/>
+              <a:gd name="connsiteY2" fmla="*/ 401545 h 1298360"/>
+              <a:gd name="connsiteX3" fmla="*/ 7016261 w 9478107"/>
+              <a:gd name="connsiteY3" fmla="*/ 366376 h 1298360"/>
+              <a:gd name="connsiteX4" fmla="*/ 9478107 w 9478107"/>
+              <a:gd name="connsiteY4" fmla="*/ 375168 h 1298360"/>
+              <a:gd name="connsiteX5" fmla="*/ 9469315 w 9478107"/>
+              <a:gd name="connsiteY5" fmla="*/ 1280776 h 1298360"/>
+              <a:gd name="connsiteX6" fmla="*/ 7253653 w 9478107"/>
+              <a:gd name="connsiteY6" fmla="*/ 1271983 h 1298360"/>
+              <a:gd name="connsiteX7" fmla="*/ 4826976 w 9478107"/>
+              <a:gd name="connsiteY7" fmla="*/ 1298360 h 1298360"/>
+              <a:gd name="connsiteX8" fmla="*/ 2751992 w 9478107"/>
+              <a:gd name="connsiteY8" fmla="*/ 1289568 h 1298360"/>
+              <a:gd name="connsiteX9" fmla="*/ 0 w 9478107"/>
+              <a:gd name="connsiteY9" fmla="*/ 1236814 h 1298360"/>
+              <a:gd name="connsiteX10" fmla="*/ 8792 w 9478107"/>
+              <a:gd name="connsiteY10" fmla="*/ 375168 h 1298360"/>
+              <a:gd name="connsiteX0" fmla="*/ 8792 w 9478107"/>
+              <a:gd name="connsiteY0" fmla="*/ 421112 h 1344304"/>
+              <a:gd name="connsiteX1" fmla="*/ 2057399 w 9478107"/>
+              <a:gd name="connsiteY1" fmla="*/ 377150 h 1344304"/>
+              <a:gd name="connsiteX2" fmla="*/ 4457699 w 9478107"/>
+              <a:gd name="connsiteY2" fmla="*/ 447489 h 1344304"/>
+              <a:gd name="connsiteX3" fmla="*/ 7016261 w 9478107"/>
+              <a:gd name="connsiteY3" fmla="*/ 412320 h 1344304"/>
+              <a:gd name="connsiteX4" fmla="*/ 9478107 w 9478107"/>
+              <a:gd name="connsiteY4" fmla="*/ 421112 h 1344304"/>
+              <a:gd name="connsiteX5" fmla="*/ 9469315 w 9478107"/>
+              <a:gd name="connsiteY5" fmla="*/ 1326720 h 1344304"/>
+              <a:gd name="connsiteX6" fmla="*/ 7253653 w 9478107"/>
+              <a:gd name="connsiteY6" fmla="*/ 1317927 h 1344304"/>
+              <a:gd name="connsiteX7" fmla="*/ 4826976 w 9478107"/>
+              <a:gd name="connsiteY7" fmla="*/ 1344304 h 1344304"/>
+              <a:gd name="connsiteX8" fmla="*/ 2751992 w 9478107"/>
+              <a:gd name="connsiteY8" fmla="*/ 1335512 h 1344304"/>
+              <a:gd name="connsiteX9" fmla="*/ 0 w 9478107"/>
+              <a:gd name="connsiteY9" fmla="*/ 1282758 h 1344304"/>
+              <a:gd name="connsiteX10" fmla="*/ 8792 w 9478107"/>
+              <a:gd name="connsiteY10" fmla="*/ 421112 h 1344304"/>
+              <a:gd name="connsiteX0" fmla="*/ 8792 w 9478107"/>
+              <a:gd name="connsiteY0" fmla="*/ 350485 h 1273677"/>
+              <a:gd name="connsiteX1" fmla="*/ 2057399 w 9478107"/>
+              <a:gd name="connsiteY1" fmla="*/ 306523 h 1273677"/>
+              <a:gd name="connsiteX2" fmla="*/ 4457699 w 9478107"/>
+              <a:gd name="connsiteY2" fmla="*/ 376862 h 1273677"/>
+              <a:gd name="connsiteX3" fmla="*/ 7016261 w 9478107"/>
+              <a:gd name="connsiteY3" fmla="*/ 341693 h 1273677"/>
+              <a:gd name="connsiteX4" fmla="*/ 9478107 w 9478107"/>
+              <a:gd name="connsiteY4" fmla="*/ 350485 h 1273677"/>
+              <a:gd name="connsiteX5" fmla="*/ 9469315 w 9478107"/>
+              <a:gd name="connsiteY5" fmla="*/ 1256093 h 1273677"/>
+              <a:gd name="connsiteX6" fmla="*/ 7253653 w 9478107"/>
+              <a:gd name="connsiteY6" fmla="*/ 1247300 h 1273677"/>
+              <a:gd name="connsiteX7" fmla="*/ 4826976 w 9478107"/>
+              <a:gd name="connsiteY7" fmla="*/ 1273677 h 1273677"/>
+              <a:gd name="connsiteX8" fmla="*/ 2751992 w 9478107"/>
+              <a:gd name="connsiteY8" fmla="*/ 1264885 h 1273677"/>
+              <a:gd name="connsiteX9" fmla="*/ 0 w 9478107"/>
+              <a:gd name="connsiteY9" fmla="*/ 1212131 h 1273677"/>
+              <a:gd name="connsiteX10" fmla="*/ 8792 w 9478107"/>
+              <a:gd name="connsiteY10" fmla="*/ 350485 h 1273677"/>
+              <a:gd name="connsiteX0" fmla="*/ 8792 w 9478107"/>
+              <a:gd name="connsiteY0" fmla="*/ 350485 h 1273677"/>
+              <a:gd name="connsiteX1" fmla="*/ 2057399 w 9478107"/>
+              <a:gd name="connsiteY1" fmla="*/ 306523 h 1273677"/>
+              <a:gd name="connsiteX2" fmla="*/ 4457699 w 9478107"/>
+              <a:gd name="connsiteY2" fmla="*/ 376862 h 1273677"/>
+              <a:gd name="connsiteX3" fmla="*/ 7016261 w 9478107"/>
+              <a:gd name="connsiteY3" fmla="*/ 341693 h 1273677"/>
+              <a:gd name="connsiteX4" fmla="*/ 9478107 w 9478107"/>
+              <a:gd name="connsiteY4" fmla="*/ 350485 h 1273677"/>
+              <a:gd name="connsiteX5" fmla="*/ 9469315 w 9478107"/>
+              <a:gd name="connsiteY5" fmla="*/ 1256093 h 1273677"/>
+              <a:gd name="connsiteX6" fmla="*/ 7253653 w 9478107"/>
+              <a:gd name="connsiteY6" fmla="*/ 1247300 h 1273677"/>
+              <a:gd name="connsiteX7" fmla="*/ 4826976 w 9478107"/>
+              <a:gd name="connsiteY7" fmla="*/ 1273677 h 1273677"/>
+              <a:gd name="connsiteX8" fmla="*/ 2751992 w 9478107"/>
+              <a:gd name="connsiteY8" fmla="*/ 1264885 h 1273677"/>
+              <a:gd name="connsiteX9" fmla="*/ 0 w 9478107"/>
+              <a:gd name="connsiteY9" fmla="*/ 1212131 h 1273677"/>
+              <a:gd name="connsiteX10" fmla="*/ 8792 w 9478107"/>
+              <a:gd name="connsiteY10" fmla="*/ 350485 h 1273677"/>
+              <a:gd name="connsiteX0" fmla="*/ 8792 w 9478107"/>
+              <a:gd name="connsiteY0" fmla="*/ 346954 h 1270146"/>
+              <a:gd name="connsiteX1" fmla="*/ 2358147 w 9478107"/>
+              <a:gd name="connsiteY1" fmla="*/ 302992 h 1270146"/>
+              <a:gd name="connsiteX2" fmla="*/ 4457699 w 9478107"/>
+              <a:gd name="connsiteY2" fmla="*/ 373331 h 1270146"/>
+              <a:gd name="connsiteX3" fmla="*/ 7016261 w 9478107"/>
+              <a:gd name="connsiteY3" fmla="*/ 338162 h 1270146"/>
+              <a:gd name="connsiteX4" fmla="*/ 9478107 w 9478107"/>
+              <a:gd name="connsiteY4" fmla="*/ 346954 h 1270146"/>
+              <a:gd name="connsiteX5" fmla="*/ 9469315 w 9478107"/>
+              <a:gd name="connsiteY5" fmla="*/ 1252562 h 1270146"/>
+              <a:gd name="connsiteX6" fmla="*/ 7253653 w 9478107"/>
+              <a:gd name="connsiteY6" fmla="*/ 1243769 h 1270146"/>
+              <a:gd name="connsiteX7" fmla="*/ 4826976 w 9478107"/>
+              <a:gd name="connsiteY7" fmla="*/ 1270146 h 1270146"/>
+              <a:gd name="connsiteX8" fmla="*/ 2751992 w 9478107"/>
+              <a:gd name="connsiteY8" fmla="*/ 1261354 h 1270146"/>
+              <a:gd name="connsiteX9" fmla="*/ 0 w 9478107"/>
+              <a:gd name="connsiteY9" fmla="*/ 1208600 h 1270146"/>
+              <a:gd name="connsiteX10" fmla="*/ 8792 w 9478107"/>
+              <a:gd name="connsiteY10" fmla="*/ 346954 h 1270146"/>
+              <a:gd name="connsiteX0" fmla="*/ 8792 w 9478107"/>
+              <a:gd name="connsiteY0" fmla="*/ 346954 h 1270146"/>
+              <a:gd name="connsiteX1" fmla="*/ 2358147 w 9478107"/>
+              <a:gd name="connsiteY1" fmla="*/ 302992 h 1270146"/>
+              <a:gd name="connsiteX2" fmla="*/ 5127546 w 9478107"/>
+              <a:gd name="connsiteY2" fmla="*/ 115678 h 1270146"/>
+              <a:gd name="connsiteX3" fmla="*/ 7016261 w 9478107"/>
+              <a:gd name="connsiteY3" fmla="*/ 338162 h 1270146"/>
+              <a:gd name="connsiteX4" fmla="*/ 9478107 w 9478107"/>
+              <a:gd name="connsiteY4" fmla="*/ 346954 h 1270146"/>
+              <a:gd name="connsiteX5" fmla="*/ 9469315 w 9478107"/>
+              <a:gd name="connsiteY5" fmla="*/ 1252562 h 1270146"/>
+              <a:gd name="connsiteX6" fmla="*/ 7253653 w 9478107"/>
+              <a:gd name="connsiteY6" fmla="*/ 1243769 h 1270146"/>
+              <a:gd name="connsiteX7" fmla="*/ 4826976 w 9478107"/>
+              <a:gd name="connsiteY7" fmla="*/ 1270146 h 1270146"/>
+              <a:gd name="connsiteX8" fmla="*/ 2751992 w 9478107"/>
+              <a:gd name="connsiteY8" fmla="*/ 1261354 h 1270146"/>
+              <a:gd name="connsiteX9" fmla="*/ 0 w 9478107"/>
+              <a:gd name="connsiteY9" fmla="*/ 1208600 h 1270146"/>
+              <a:gd name="connsiteX10" fmla="*/ 8792 w 9478107"/>
+              <a:gd name="connsiteY10" fmla="*/ 346954 h 1270146"/>
+              <a:gd name="connsiteX0" fmla="*/ 8792 w 9478107"/>
+              <a:gd name="connsiteY0" fmla="*/ 346954 h 1270146"/>
+              <a:gd name="connsiteX1" fmla="*/ 2358147 w 9478107"/>
+              <a:gd name="connsiteY1" fmla="*/ 302992 h 1270146"/>
+              <a:gd name="connsiteX2" fmla="*/ 5127546 w 9478107"/>
+              <a:gd name="connsiteY2" fmla="*/ 115678 h 1270146"/>
+              <a:gd name="connsiteX3" fmla="*/ 7084613 w 9478107"/>
+              <a:gd name="connsiteY3" fmla="*/ 724642 h 1270146"/>
+              <a:gd name="connsiteX4" fmla="*/ 9478107 w 9478107"/>
+              <a:gd name="connsiteY4" fmla="*/ 346954 h 1270146"/>
+              <a:gd name="connsiteX5" fmla="*/ 9469315 w 9478107"/>
+              <a:gd name="connsiteY5" fmla="*/ 1252562 h 1270146"/>
+              <a:gd name="connsiteX6" fmla="*/ 7253653 w 9478107"/>
+              <a:gd name="connsiteY6" fmla="*/ 1243769 h 1270146"/>
+              <a:gd name="connsiteX7" fmla="*/ 4826976 w 9478107"/>
+              <a:gd name="connsiteY7" fmla="*/ 1270146 h 1270146"/>
+              <a:gd name="connsiteX8" fmla="*/ 2751992 w 9478107"/>
+              <a:gd name="connsiteY8" fmla="*/ 1261354 h 1270146"/>
+              <a:gd name="connsiteX9" fmla="*/ 0 w 9478107"/>
+              <a:gd name="connsiteY9" fmla="*/ 1208600 h 1270146"/>
+              <a:gd name="connsiteX10" fmla="*/ 8792 w 9478107"/>
+              <a:gd name="connsiteY10" fmla="*/ 346954 h 1270146"/>
+              <a:gd name="connsiteX0" fmla="*/ 8792 w 9478107"/>
+              <a:gd name="connsiteY0" fmla="*/ 346954 h 1270146"/>
+              <a:gd name="connsiteX1" fmla="*/ 2358147 w 9478107"/>
+              <a:gd name="connsiteY1" fmla="*/ 302992 h 1270146"/>
+              <a:gd name="connsiteX2" fmla="*/ 5127546 w 9478107"/>
+              <a:gd name="connsiteY2" fmla="*/ 115678 h 1270146"/>
+              <a:gd name="connsiteX3" fmla="*/ 7084613 w 9478107"/>
+              <a:gd name="connsiteY3" fmla="*/ 647346 h 1270146"/>
+              <a:gd name="connsiteX4" fmla="*/ 9478107 w 9478107"/>
+              <a:gd name="connsiteY4" fmla="*/ 346954 h 1270146"/>
+              <a:gd name="connsiteX5" fmla="*/ 9469315 w 9478107"/>
+              <a:gd name="connsiteY5" fmla="*/ 1252562 h 1270146"/>
+              <a:gd name="connsiteX6" fmla="*/ 7253653 w 9478107"/>
+              <a:gd name="connsiteY6" fmla="*/ 1243769 h 1270146"/>
+              <a:gd name="connsiteX7" fmla="*/ 4826976 w 9478107"/>
+              <a:gd name="connsiteY7" fmla="*/ 1270146 h 1270146"/>
+              <a:gd name="connsiteX8" fmla="*/ 2751992 w 9478107"/>
+              <a:gd name="connsiteY8" fmla="*/ 1261354 h 1270146"/>
+              <a:gd name="connsiteX9" fmla="*/ 0 w 9478107"/>
+              <a:gd name="connsiteY9" fmla="*/ 1208600 h 1270146"/>
+              <a:gd name="connsiteX10" fmla="*/ 8792 w 9478107"/>
+              <a:gd name="connsiteY10" fmla="*/ 346954 h 1270146"/>
+              <a:gd name="connsiteX0" fmla="*/ 8792 w 9478107"/>
+              <a:gd name="connsiteY0" fmla="*/ 346954 h 1270146"/>
+              <a:gd name="connsiteX1" fmla="*/ 2358147 w 9478107"/>
+              <a:gd name="connsiteY1" fmla="*/ 302992 h 1270146"/>
+              <a:gd name="connsiteX2" fmla="*/ 5127546 w 9478107"/>
+              <a:gd name="connsiteY2" fmla="*/ 115678 h 1270146"/>
+              <a:gd name="connsiteX3" fmla="*/ 7084613 w 9478107"/>
+              <a:gd name="connsiteY3" fmla="*/ 647346 h 1270146"/>
+              <a:gd name="connsiteX4" fmla="*/ 8755857 w 9478107"/>
+              <a:gd name="connsiteY4" fmla="*/ 446231 h 1270146"/>
+              <a:gd name="connsiteX5" fmla="*/ 9478107 w 9478107"/>
+              <a:gd name="connsiteY5" fmla="*/ 346954 h 1270146"/>
+              <a:gd name="connsiteX6" fmla="*/ 9469315 w 9478107"/>
+              <a:gd name="connsiteY6" fmla="*/ 1252562 h 1270146"/>
+              <a:gd name="connsiteX7" fmla="*/ 7253653 w 9478107"/>
+              <a:gd name="connsiteY7" fmla="*/ 1243769 h 1270146"/>
+              <a:gd name="connsiteX8" fmla="*/ 4826976 w 9478107"/>
+              <a:gd name="connsiteY8" fmla="*/ 1270146 h 1270146"/>
+              <a:gd name="connsiteX9" fmla="*/ 2751992 w 9478107"/>
+              <a:gd name="connsiteY9" fmla="*/ 1261354 h 1270146"/>
+              <a:gd name="connsiteX10" fmla="*/ 0 w 9478107"/>
+              <a:gd name="connsiteY10" fmla="*/ 1208600 h 1270146"/>
+              <a:gd name="connsiteX11" fmla="*/ 8792 w 9478107"/>
+              <a:gd name="connsiteY11" fmla="*/ 346954 h 1270146"/>
+              <a:gd name="connsiteX0" fmla="*/ 8792 w 9478107"/>
+              <a:gd name="connsiteY0" fmla="*/ 346954 h 1270146"/>
+              <a:gd name="connsiteX1" fmla="*/ 2358147 w 9478107"/>
+              <a:gd name="connsiteY1" fmla="*/ 302992 h 1270146"/>
+              <a:gd name="connsiteX2" fmla="*/ 5127546 w 9478107"/>
+              <a:gd name="connsiteY2" fmla="*/ 115678 h 1270146"/>
+              <a:gd name="connsiteX3" fmla="*/ 7084613 w 9478107"/>
+              <a:gd name="connsiteY3" fmla="*/ 647346 h 1270146"/>
+              <a:gd name="connsiteX4" fmla="*/ 8557637 w 9478107"/>
+              <a:gd name="connsiteY4" fmla="*/ 716768 h 1270146"/>
+              <a:gd name="connsiteX5" fmla="*/ 9478107 w 9478107"/>
+              <a:gd name="connsiteY5" fmla="*/ 346954 h 1270146"/>
+              <a:gd name="connsiteX6" fmla="*/ 9469315 w 9478107"/>
+              <a:gd name="connsiteY6" fmla="*/ 1252562 h 1270146"/>
+              <a:gd name="connsiteX7" fmla="*/ 7253653 w 9478107"/>
+              <a:gd name="connsiteY7" fmla="*/ 1243769 h 1270146"/>
+              <a:gd name="connsiteX8" fmla="*/ 4826976 w 9478107"/>
+              <a:gd name="connsiteY8" fmla="*/ 1270146 h 1270146"/>
+              <a:gd name="connsiteX9" fmla="*/ 2751992 w 9478107"/>
+              <a:gd name="connsiteY9" fmla="*/ 1261354 h 1270146"/>
+              <a:gd name="connsiteX10" fmla="*/ 0 w 9478107"/>
+              <a:gd name="connsiteY10" fmla="*/ 1208600 h 1270146"/>
+              <a:gd name="connsiteX11" fmla="*/ 8792 w 9478107"/>
+              <a:gd name="connsiteY11" fmla="*/ 346954 h 1270146"/>
+              <a:gd name="connsiteX0" fmla="*/ 15627 w 9484942"/>
+              <a:gd name="connsiteY0" fmla="*/ 346954 h 1277035"/>
+              <a:gd name="connsiteX1" fmla="*/ 2364982 w 9484942"/>
+              <a:gd name="connsiteY1" fmla="*/ 302992 h 1277035"/>
+              <a:gd name="connsiteX2" fmla="*/ 5134381 w 9484942"/>
+              <a:gd name="connsiteY2" fmla="*/ 115678 h 1277035"/>
+              <a:gd name="connsiteX3" fmla="*/ 7091448 w 9484942"/>
+              <a:gd name="connsiteY3" fmla="*/ 647346 h 1277035"/>
+              <a:gd name="connsiteX4" fmla="*/ 8564472 w 9484942"/>
+              <a:gd name="connsiteY4" fmla="*/ 716768 h 1277035"/>
+              <a:gd name="connsiteX5" fmla="*/ 9484942 w 9484942"/>
+              <a:gd name="connsiteY5" fmla="*/ 346954 h 1277035"/>
+              <a:gd name="connsiteX6" fmla="*/ 9476150 w 9484942"/>
+              <a:gd name="connsiteY6" fmla="*/ 1252562 h 1277035"/>
+              <a:gd name="connsiteX7" fmla="*/ 7260488 w 9484942"/>
+              <a:gd name="connsiteY7" fmla="*/ 1243769 h 1277035"/>
+              <a:gd name="connsiteX8" fmla="*/ 4833811 w 9484942"/>
+              <a:gd name="connsiteY8" fmla="*/ 1270146 h 1277035"/>
+              <a:gd name="connsiteX9" fmla="*/ 2758827 w 9484942"/>
+              <a:gd name="connsiteY9" fmla="*/ 1261354 h 1277035"/>
+              <a:gd name="connsiteX10" fmla="*/ 0 w 9484942"/>
+              <a:gd name="connsiteY10" fmla="*/ 1273013 h 1277035"/>
+              <a:gd name="connsiteX11" fmla="*/ 15627 w 9484942"/>
+              <a:gd name="connsiteY11" fmla="*/ 346954 h 1277035"/>
+              <a:gd name="connsiteX0" fmla="*/ 15627 w 9484942"/>
+              <a:gd name="connsiteY0" fmla="*/ 346954 h 1300002"/>
+              <a:gd name="connsiteX1" fmla="*/ 2364982 w 9484942"/>
+              <a:gd name="connsiteY1" fmla="*/ 302992 h 1300002"/>
+              <a:gd name="connsiteX2" fmla="*/ 5134381 w 9484942"/>
+              <a:gd name="connsiteY2" fmla="*/ 115678 h 1300002"/>
+              <a:gd name="connsiteX3" fmla="*/ 7091448 w 9484942"/>
+              <a:gd name="connsiteY3" fmla="*/ 647346 h 1300002"/>
+              <a:gd name="connsiteX4" fmla="*/ 8564472 w 9484942"/>
+              <a:gd name="connsiteY4" fmla="*/ 716768 h 1300002"/>
+              <a:gd name="connsiteX5" fmla="*/ 9484942 w 9484942"/>
+              <a:gd name="connsiteY5" fmla="*/ 346954 h 1300002"/>
+              <a:gd name="connsiteX6" fmla="*/ 9476150 w 9484942"/>
+              <a:gd name="connsiteY6" fmla="*/ 1252562 h 1300002"/>
+              <a:gd name="connsiteX7" fmla="*/ 7260488 w 9484942"/>
+              <a:gd name="connsiteY7" fmla="*/ 1243769 h 1300002"/>
+              <a:gd name="connsiteX8" fmla="*/ 4833811 w 9484942"/>
+              <a:gd name="connsiteY8" fmla="*/ 1270146 h 1300002"/>
+              <a:gd name="connsiteX9" fmla="*/ 2779333 w 9484942"/>
+              <a:gd name="connsiteY9" fmla="*/ 1300002 h 1300002"/>
+              <a:gd name="connsiteX10" fmla="*/ 0 w 9484942"/>
+              <a:gd name="connsiteY10" fmla="*/ 1273013 h 1300002"/>
+              <a:gd name="connsiteX11" fmla="*/ 15627 w 9484942"/>
+              <a:gd name="connsiteY11" fmla="*/ 346954 h 1300002"/>
+              <a:gd name="connsiteX0" fmla="*/ 15627 w 9484942"/>
+              <a:gd name="connsiteY0" fmla="*/ 346954 h 1346830"/>
+              <a:gd name="connsiteX1" fmla="*/ 2364982 w 9484942"/>
+              <a:gd name="connsiteY1" fmla="*/ 302992 h 1346830"/>
+              <a:gd name="connsiteX2" fmla="*/ 5134381 w 9484942"/>
+              <a:gd name="connsiteY2" fmla="*/ 115678 h 1346830"/>
+              <a:gd name="connsiteX3" fmla="*/ 7091448 w 9484942"/>
+              <a:gd name="connsiteY3" fmla="*/ 647346 h 1346830"/>
+              <a:gd name="connsiteX4" fmla="*/ 8564472 w 9484942"/>
+              <a:gd name="connsiteY4" fmla="*/ 716768 h 1346830"/>
+              <a:gd name="connsiteX5" fmla="*/ 9484942 w 9484942"/>
+              <a:gd name="connsiteY5" fmla="*/ 346954 h 1346830"/>
+              <a:gd name="connsiteX6" fmla="*/ 9476150 w 9484942"/>
+              <a:gd name="connsiteY6" fmla="*/ 1252562 h 1346830"/>
+              <a:gd name="connsiteX7" fmla="*/ 7267323 w 9484942"/>
+              <a:gd name="connsiteY7" fmla="*/ 1346830 h 1346830"/>
+              <a:gd name="connsiteX8" fmla="*/ 4833811 w 9484942"/>
+              <a:gd name="connsiteY8" fmla="*/ 1270146 h 1346830"/>
+              <a:gd name="connsiteX9" fmla="*/ 2779333 w 9484942"/>
+              <a:gd name="connsiteY9" fmla="*/ 1300002 h 1346830"/>
+              <a:gd name="connsiteX10" fmla="*/ 0 w 9484942"/>
+              <a:gd name="connsiteY10" fmla="*/ 1273013 h 1346830"/>
+              <a:gd name="connsiteX11" fmla="*/ 15627 w 9484942"/>
+              <a:gd name="connsiteY11" fmla="*/ 346954 h 1346830"/>
+              <a:gd name="connsiteX0" fmla="*/ 15627 w 9484942"/>
+              <a:gd name="connsiteY0" fmla="*/ 346954 h 1308182"/>
+              <a:gd name="connsiteX1" fmla="*/ 2364982 w 9484942"/>
+              <a:gd name="connsiteY1" fmla="*/ 302992 h 1308182"/>
+              <a:gd name="connsiteX2" fmla="*/ 5134381 w 9484942"/>
+              <a:gd name="connsiteY2" fmla="*/ 115678 h 1308182"/>
+              <a:gd name="connsiteX3" fmla="*/ 7091448 w 9484942"/>
+              <a:gd name="connsiteY3" fmla="*/ 647346 h 1308182"/>
+              <a:gd name="connsiteX4" fmla="*/ 8564472 w 9484942"/>
+              <a:gd name="connsiteY4" fmla="*/ 716768 h 1308182"/>
+              <a:gd name="connsiteX5" fmla="*/ 9484942 w 9484942"/>
+              <a:gd name="connsiteY5" fmla="*/ 346954 h 1308182"/>
+              <a:gd name="connsiteX6" fmla="*/ 9476150 w 9484942"/>
+              <a:gd name="connsiteY6" fmla="*/ 1252562 h 1308182"/>
+              <a:gd name="connsiteX7" fmla="*/ 7246817 w 9484942"/>
+              <a:gd name="connsiteY7" fmla="*/ 1308182 h 1308182"/>
+              <a:gd name="connsiteX8" fmla="*/ 4833811 w 9484942"/>
+              <a:gd name="connsiteY8" fmla="*/ 1270146 h 1308182"/>
+              <a:gd name="connsiteX9" fmla="*/ 2779333 w 9484942"/>
+              <a:gd name="connsiteY9" fmla="*/ 1300002 h 1308182"/>
+              <a:gd name="connsiteX10" fmla="*/ 0 w 9484942"/>
+              <a:gd name="connsiteY10" fmla="*/ 1273013 h 1308182"/>
+              <a:gd name="connsiteX11" fmla="*/ 15627 w 9484942"/>
+              <a:gd name="connsiteY11" fmla="*/ 346954 h 1308182"/>
+              <a:gd name="connsiteX0" fmla="*/ 15627 w 9496987"/>
+              <a:gd name="connsiteY0" fmla="*/ 346954 h 1316976"/>
+              <a:gd name="connsiteX1" fmla="*/ 2364982 w 9496987"/>
+              <a:gd name="connsiteY1" fmla="*/ 302992 h 1316976"/>
+              <a:gd name="connsiteX2" fmla="*/ 5134381 w 9496987"/>
+              <a:gd name="connsiteY2" fmla="*/ 115678 h 1316976"/>
+              <a:gd name="connsiteX3" fmla="*/ 7091448 w 9496987"/>
+              <a:gd name="connsiteY3" fmla="*/ 647346 h 1316976"/>
+              <a:gd name="connsiteX4" fmla="*/ 8564472 w 9496987"/>
+              <a:gd name="connsiteY4" fmla="*/ 716768 h 1316976"/>
+              <a:gd name="connsiteX5" fmla="*/ 9484942 w 9496987"/>
+              <a:gd name="connsiteY5" fmla="*/ 346954 h 1316976"/>
+              <a:gd name="connsiteX6" fmla="*/ 9496656 w 9496987"/>
+              <a:gd name="connsiteY6" fmla="*/ 1316976 h 1316976"/>
+              <a:gd name="connsiteX7" fmla="*/ 7246817 w 9496987"/>
+              <a:gd name="connsiteY7" fmla="*/ 1308182 h 1316976"/>
+              <a:gd name="connsiteX8" fmla="*/ 4833811 w 9496987"/>
+              <a:gd name="connsiteY8" fmla="*/ 1270146 h 1316976"/>
+              <a:gd name="connsiteX9" fmla="*/ 2779333 w 9496987"/>
+              <a:gd name="connsiteY9" fmla="*/ 1300002 h 1316976"/>
+              <a:gd name="connsiteX10" fmla="*/ 0 w 9496987"/>
+              <a:gd name="connsiteY10" fmla="*/ 1273013 h 1316976"/>
+              <a:gd name="connsiteX11" fmla="*/ 15627 w 9496987"/>
+              <a:gd name="connsiteY11" fmla="*/ 346954 h 1316976"/>
+            </a:gdLst>
+            <a:ahLst/>
+            <a:cxnLst>
+              <a:cxn ang="0">
+                <a:pos x="connsiteX0" y="connsiteY0"/>
+              </a:cxn>
+              <a:cxn ang="0">
+                <a:pos x="connsiteX1" y="connsiteY1"/>
+              </a:cxn>
+              <a:cxn ang="0">
+                <a:pos x="connsiteX2" y="connsiteY2"/>
+              </a:cxn>
+              <a:cxn ang="0">
+                <a:pos x="connsiteX3" y="connsiteY3"/>
+              </a:cxn>
+              <a:cxn ang="0">
+                <a:pos x="connsiteX4" y="connsiteY4"/>
+              </a:cxn>
+              <a:cxn ang="0">
+                <a:pos x="connsiteX5" y="connsiteY5"/>
+              </a:cxn>
+              <a:cxn ang="0">
+                <a:pos x="connsiteX6" y="connsiteY6"/>
+              </a:cxn>
+              <a:cxn ang="0">
+                <a:pos x="connsiteX7" y="connsiteY7"/>
+              </a:cxn>
+              <a:cxn ang="0">
+                <a:pos x="connsiteX8" y="connsiteY8"/>
+              </a:cxn>
+              <a:cxn ang="0">
+                <a:pos x="connsiteX9" y="connsiteY9"/>
+              </a:cxn>
+              <a:cxn ang="0">
+                <a:pos x="connsiteX10" y="connsiteY10"/>
+              </a:cxn>
+              <a:cxn ang="0">
+                <a:pos x="connsiteX11" y="connsiteY11"/>
+              </a:cxn>
+            </a:cxnLst>
+            <a:rect l="l" t="t" r="r" b="b"/>
+            <a:pathLst>
+              <a:path w="9496987" h="1316976">
+                <a:moveTo>
+                  <a:pt x="15627" y="346954"/>
+                </a:moveTo>
+                <a:cubicBezTo>
+                  <a:pt x="677981" y="352815"/>
+                  <a:pt x="1280597" y="-406254"/>
+                  <a:pt x="2364982" y="302992"/>
+                </a:cubicBezTo>
+                <a:cubicBezTo>
+                  <a:pt x="3590042" y="1000515"/>
+                  <a:pt x="4346637" y="58286"/>
+                  <a:pt x="5134381" y="115678"/>
+                </a:cubicBezTo>
+                <a:cubicBezTo>
+                  <a:pt x="5922125" y="173070"/>
+                  <a:pt x="6479894" y="562194"/>
+                  <a:pt x="7091448" y="647346"/>
+                </a:cubicBezTo>
+                <a:cubicBezTo>
+                  <a:pt x="7703002" y="732498"/>
+                  <a:pt x="8165556" y="766833"/>
+                  <a:pt x="8564472" y="716768"/>
+                </a:cubicBezTo>
+                <a:cubicBezTo>
+                  <a:pt x="8963388" y="666703"/>
+                  <a:pt x="9372868" y="242625"/>
+                  <a:pt x="9484942" y="346954"/>
+                </a:cubicBezTo>
+                <a:cubicBezTo>
+                  <a:pt x="9482011" y="648823"/>
+                  <a:pt x="9499587" y="1015107"/>
+                  <a:pt x="9496656" y="1316976"/>
+                </a:cubicBezTo>
+                <a:lnTo>
+                  <a:pt x="7246817" y="1308182"/>
+                </a:lnTo>
+                <a:lnTo>
+                  <a:pt x="4833811" y="1270146"/>
+                </a:lnTo>
+                <a:lnTo>
+                  <a:pt x="2779333" y="1300002"/>
+                </a:lnTo>
+                <a:lnTo>
+                  <a:pt x="0" y="1273013"/>
+                </a:lnTo>
+                <a:cubicBezTo>
+                  <a:pt x="2931" y="988728"/>
+                  <a:pt x="3903" y="648823"/>
+                  <a:pt x="15627" y="346954"/>
+                </a:cubicBezTo>
+                <a:close/>
+              </a:path>
+            </a:pathLst>
+          </a:custGeom>
+          <a:gradFill flip="none" rotWithShape="1">
+            <a:gsLst>
+              <a:gs pos="0">
+                <a:srgbClr val="0F9ED5">
+                  <a:lumMod val="20000"/>
+                  <a:lumOff val="80000"/>
+                </a:srgbClr>
+              </a:gs>
+              <a:gs pos="50000">
+                <a:sysClr val="window" lastClr="FFFFFF"/>
+              </a:gs>
+              <a:gs pos="100000">
+                <a:srgbClr val="0F9ED5">
+                  <a:lumMod val="20000"/>
+                  <a:lumOff val="80000"/>
+                </a:srgbClr>
+              </a:gs>
+            </a:gsLst>
+            <a:lin ang="0" scaled="1"/>
+            <a:tileRect/>
+          </a:gradFill>
+          <a:ln w="15875" cap="flat" cmpd="sng" algn="ctr">
+            <a:solidFill>
+              <a:srgbClr val="156082">
+                <a:alpha val="0"/>
+              </a:srgbClr>
+            </a:solidFill>
+            <a:prstDash val="solid"/>
+            <a:miter lim="800000"/>
+          </a:ln>
+          <a:effectLst>
+            <a:glow>
+              <a:srgbClr val="FFFF00"/>
+            </a:glow>
+            <a:outerShdw algn="ctr" rotWithShape="0">
+              <a:sysClr val="windowText" lastClr="000000"/>
+            </a:outerShdw>
+          </a:effectLst>
+          <a:scene3d>
+            <a:camera prst="orthographicFront"/>
+            <a:lightRig rig="threePt" dir="t"/>
+          </a:scene3d>
+          <a:sp3d>
+            <a:bevelT w="0"/>
+          </a:sp3d>
+        </p:spPr>
+        <p:txBody>
+          <a:bodyPr rtlCol="0" anchor="ctr"/>
+          <a:lstStyle/>
+          <a:p>
+            <a:pPr marL="0" marR="0" lvl="0" indent="0" algn="ctr" defTabSz="914400" eaLnBrk="1" fontAlgn="auto" latinLnBrk="0" hangingPunct="1">
+              <a:lnSpc>
+                <a:spcPct val="100000"/>
+              </a:lnSpc>
+              <a:spcBef>
+                <a:spcPts val="0"/>
+              </a:spcBef>
+              <a:spcAft>
+                <a:spcPts val="0"/>
+              </a:spcAft>
+              <a:buClrTx/>
+              <a:buSzTx/>
+              <a:buFontTx/>
+              <a:buNone/>
+              <a:tabLst/>
+              <a:defRPr/>
+            </a:pPr>
+            <a:endParaRPr kumimoji="0" lang="en-GB" sz="1800" b="0" i="0" u="none" strike="noStrike" kern="0" cap="none" spc="0" normalizeH="0" baseline="0" noProof="0">
+              <a:ln>
+                <a:noFill/>
+              </a:ln>
+              <a:solidFill>
+                <a:prstClr val="white"/>
+              </a:solidFill>
+              <a:effectLst/>
+              <a:uLnTx/>
+              <a:uFillTx/>
+              <a:latin typeface="Aptos" panose="02110004020202020204"/>
+              <a:ea typeface="+mn-ea"/>
+              <a:cs typeface="+mn-cs"/>
+            </a:endParaRPr>
+          </a:p>
+        </p:txBody>
+      </p:sp>
+      <p:pic>
+        <p:nvPicPr>
+          <p:cNvPr id="27" name="Picture 8" descr="Hochschule Flensburg (Fachhochschule) – Wikipedia">
+            <a:extLst>
+              <a:ext uri="{FF2B5EF4-FFF2-40B4-BE49-F238E27FC236}">
+                <a16:creationId xmlns:a16="http://schemas.microsoft.com/office/drawing/2014/main" id="{811EE0A2-7B7B-66E3-65D6-A7F1D9F140E2}"/>
+              </a:ext>
+            </a:extLst>
+          </p:cNvPr>
+          <p:cNvPicPr>
+            <a:picLocks noChangeAspect="1" noChangeArrowheads="1"/>
+          </p:cNvPicPr>
+          <p:nvPr userDrawn="1"/>
+        </p:nvPicPr>
+        <p:blipFill>
+          <a:blip r:embed="rId2">
+            <a:extLst>
+              <a:ext uri="{28A0092B-C50C-407E-A947-70E740481C1C}">
+                <a14:useLocalDpi xmlns:a14="http://schemas.microsoft.com/office/drawing/2010/main" val="0"/>
+              </a:ext>
+            </a:extLst>
+          </a:blip>
+          <a:stretch>
+            <a:fillRect/>
+          </a:stretch>
+        </p:blipFill>
+        <p:spPr bwMode="auto">
+          <a:xfrm>
+            <a:off x="370439" y="264131"/>
+            <a:ext cx="2518129" cy="1672124"/>
+          </a:xfrm>
+          <a:custGeom>
+            <a:avLst/>
+            <a:gdLst/>
+            <a:ahLst/>
+            <a:cxnLst/>
+            <a:rect l="l" t="t" r="r" b="b"/>
+            <a:pathLst>
+              <a:path w="2028107" h="1916009">
+                <a:moveTo>
+                  <a:pt x="35370" y="0"/>
+                </a:moveTo>
+                <a:lnTo>
+                  <a:pt x="1992737" y="0"/>
+                </a:lnTo>
+                <a:cubicBezTo>
+                  <a:pt x="2012271" y="0"/>
+                  <a:pt x="2028107" y="15836"/>
+                  <a:pt x="2028107" y="35370"/>
+                </a:cubicBezTo>
+                <a:lnTo>
+                  <a:pt x="2028107" y="1880639"/>
+                </a:lnTo>
+                <a:cubicBezTo>
+                  <a:pt x="2028107" y="1900173"/>
+                  <a:pt x="2012271" y="1916009"/>
+                  <a:pt x="1992737" y="1916009"/>
+                </a:cubicBezTo>
+                <a:lnTo>
+                  <a:pt x="35370" y="1916009"/>
+                </a:lnTo>
+                <a:cubicBezTo>
+                  <a:pt x="15836" y="1916009"/>
+                  <a:pt x="0" y="1900173"/>
+                  <a:pt x="0" y="1880639"/>
+                </a:cubicBezTo>
+                <a:lnTo>
+                  <a:pt x="0" y="35370"/>
+                </a:lnTo>
+                <a:cubicBezTo>
+                  <a:pt x="0" y="15836"/>
+                  <a:pt x="15836" y="0"/>
+                  <a:pt x="35370" y="0"/>
+                </a:cubicBezTo>
+                <a:close/>
+              </a:path>
+            </a:pathLst>
+          </a:custGeom>
+          <a:noFill/>
+          <a:extLst>
+            <a:ext uri="{909E8E84-426E-40DD-AFC4-6F175D3DCCD1}">
+              <a14:hiddenFill xmlns:a14="http://schemas.microsoft.com/office/drawing/2010/main">
+                <a:solidFill>
+                  <a:srgbClr val="FFFFFF"/>
+                </a:solidFill>
+              </a14:hiddenFill>
+            </a:ext>
+          </a:extLst>
+        </p:spPr>
+      </p:pic>
+      <p:pic>
+        <p:nvPicPr>
+          <p:cNvPr id="28" name="Picture 14" descr="A black background with blue text&#10;&#10;AI-generated content may be incorrect.">
+            <a:extLst>
+              <a:ext uri="{FF2B5EF4-FFF2-40B4-BE49-F238E27FC236}">
+                <a16:creationId xmlns:a16="http://schemas.microsoft.com/office/drawing/2014/main" id="{88A3D22E-A6EF-A83A-86D5-C96D877CA4BF}"/>
+              </a:ext>
+            </a:extLst>
+          </p:cNvPr>
+          <p:cNvPicPr>
+            <a:picLocks noChangeAspect="1" noChangeArrowheads="1"/>
+          </p:cNvPicPr>
+          <p:nvPr userDrawn="1"/>
+        </p:nvPicPr>
+        <p:blipFill>
+          <a:blip r:embed="rId3">
+            <a:extLst>
+              <a:ext uri="{28A0092B-C50C-407E-A947-70E740481C1C}">
+                <a14:useLocalDpi xmlns:a14="http://schemas.microsoft.com/office/drawing/2010/main" val="0"/>
+              </a:ext>
+            </a:extLst>
+          </a:blip>
+          <a:stretch>
+            <a:fillRect/>
+          </a:stretch>
+        </p:blipFill>
+        <p:spPr bwMode="auto">
+          <a:xfrm>
+            <a:off x="8445647" y="719916"/>
+            <a:ext cx="3586922" cy="1040207"/>
+          </a:xfrm>
+          <a:custGeom>
+            <a:avLst/>
+            <a:gdLst/>
+            <a:ahLst/>
+            <a:cxnLst/>
+            <a:rect l="l" t="t" r="r" b="b"/>
+            <a:pathLst>
+              <a:path w="2028107" h="1916009">
+                <a:moveTo>
+                  <a:pt x="35370" y="0"/>
+                </a:moveTo>
+                <a:lnTo>
+                  <a:pt x="1992737" y="0"/>
+                </a:lnTo>
+                <a:cubicBezTo>
+                  <a:pt x="2012271" y="0"/>
+                  <a:pt x="2028107" y="15836"/>
+                  <a:pt x="2028107" y="35370"/>
+                </a:cubicBezTo>
+                <a:lnTo>
+                  <a:pt x="2028107" y="1880639"/>
+                </a:lnTo>
+                <a:cubicBezTo>
+                  <a:pt x="2028107" y="1900173"/>
+                  <a:pt x="2012271" y="1916009"/>
+                  <a:pt x="1992737" y="1916009"/>
+                </a:cubicBezTo>
+                <a:lnTo>
+                  <a:pt x="35370" y="1916009"/>
+                </a:lnTo>
+                <a:cubicBezTo>
+                  <a:pt x="15836" y="1916009"/>
+                  <a:pt x="0" y="1900173"/>
+                  <a:pt x="0" y="1880639"/>
+                </a:cubicBezTo>
+                <a:lnTo>
+                  <a:pt x="0" y="35370"/>
+                </a:lnTo>
+                <a:cubicBezTo>
+                  <a:pt x="0" y="15836"/>
+                  <a:pt x="15836" y="0"/>
+                  <a:pt x="35370" y="0"/>
+                </a:cubicBezTo>
+                <a:close/>
+              </a:path>
+            </a:pathLst>
+          </a:custGeom>
+          <a:noFill/>
+          <a:extLst>
+            <a:ext uri="{909E8E84-426E-40DD-AFC4-6F175D3DCCD1}">
+              <a14:hiddenFill xmlns:a14="http://schemas.microsoft.com/office/drawing/2010/main">
+                <a:solidFill>
+                  <a:srgbClr val="FFFFFF"/>
+                </a:solidFill>
+              </a14:hiddenFill>
+            </a:ext>
+          </a:extLst>
+        </p:spPr>
+      </p:pic>
+      <p:pic>
+        <p:nvPicPr>
+          <p:cNvPr id="29" name="Grafik 28">
+            <a:extLst>
+              <a:ext uri="{FF2B5EF4-FFF2-40B4-BE49-F238E27FC236}">
+                <a16:creationId xmlns:a16="http://schemas.microsoft.com/office/drawing/2014/main" id="{427A8DB5-3232-D63A-5CDF-0D3AD6450C3C}"/>
+              </a:ext>
+            </a:extLst>
+          </p:cNvPr>
+          <p:cNvPicPr>
+            <a:picLocks noChangeAspect="1"/>
+          </p:cNvPicPr>
+          <p:nvPr userDrawn="1"/>
+        </p:nvPicPr>
+        <p:blipFill>
+          <a:blip r:embed="rId4"/>
+          <a:stretch>
+            <a:fillRect/>
+          </a:stretch>
+        </p:blipFill>
+        <p:spPr>
+          <a:xfrm>
+            <a:off x="3825103" y="243054"/>
+            <a:ext cx="3684008" cy="1703223"/>
+          </a:xfrm>
+          <a:prstGeom prst="rect">
+            <a:avLst/>
+          </a:prstGeom>
+        </p:spPr>
+      </p:pic>
+      <p:sp>
+        <p:nvSpPr>
+          <p:cNvPr id="30" name="Title 1">
+            <a:extLst>
+              <a:ext uri="{FF2B5EF4-FFF2-40B4-BE49-F238E27FC236}">
+                <a16:creationId xmlns:a16="http://schemas.microsoft.com/office/drawing/2014/main" id="{00FE6863-2F47-99AC-390A-A1BB2D1DD014}"/>
+              </a:ext>
+            </a:extLst>
+          </p:cNvPr>
+          <p:cNvSpPr>
+            <a:spLocks noGrp="1"/>
+          </p:cNvSpPr>
+          <p:nvPr>
+            <p:ph type="ctrTitle" hasCustomPrompt="1"/>
+          </p:nvPr>
+        </p:nvSpPr>
+        <p:spPr>
+          <a:xfrm>
+            <a:off x="1412841" y="2206093"/>
+            <a:ext cx="9144000" cy="912598"/>
+          </a:xfrm>
+        </p:spPr>
+        <p:txBody>
+          <a:bodyPr>
+            <a:noAutofit/>
+          </a:bodyPr>
+          <a:lstStyle>
+            <a:lvl1pPr algn="ctr">
+              <a:defRPr>
+                <a:latin typeface="Aptos (Textkörper)"/>
+              </a:defRPr>
+            </a:lvl1pPr>
+          </a:lstStyle>
+          <a:p>
+            <a:r>
+              <a:rPr lang="it-IT" sz="4000" dirty="0"/>
+              <a:t>Weekly report: Team X</a:t>
+            </a:r>
+            <a:endParaRPr lang="en-GB" sz="4000" dirty="0"/>
+          </a:p>
+        </p:txBody>
+      </p:sp>
+      <p:sp>
+        <p:nvSpPr>
+          <p:cNvPr id="31" name="Subtitle 2">
+            <a:extLst>
+              <a:ext uri="{FF2B5EF4-FFF2-40B4-BE49-F238E27FC236}">
+                <a16:creationId xmlns:a16="http://schemas.microsoft.com/office/drawing/2014/main" id="{05E4BCC5-2CED-6F6C-22B8-AF74FB7ECFF3}"/>
+              </a:ext>
+            </a:extLst>
+          </p:cNvPr>
+          <p:cNvSpPr>
+            <a:spLocks noGrp="1" noRot="1" noMove="1" noResize="1" noEditPoints="1" noAdjustHandles="1" noChangeArrowheads="1" noChangeShapeType="1"/>
+          </p:cNvSpPr>
+          <p:nvPr>
+            <p:ph type="subTitle" idx="1" hasCustomPrompt="1"/>
+          </p:nvPr>
+        </p:nvSpPr>
+        <p:spPr>
+          <a:xfrm>
+            <a:off x="1412841" y="3429000"/>
+            <a:ext cx="9144000" cy="1143000"/>
+          </a:xfrm>
+        </p:spPr>
+        <p:txBody>
+          <a:bodyPr vert="horz" lIns="91440" tIns="45720" rIns="91440" bIns="45720" rtlCol="0" anchor="t">
+            <a:normAutofit/>
+          </a:bodyPr>
+          <a:lstStyle>
+            <a:lvl1pPr marL="0" indent="0" algn="ctr">
+              <a:buNone/>
+              <a:defRPr sz="1400">
+                <a:latin typeface="Aptos (Textkörper)"/>
+              </a:defRPr>
+            </a:lvl1pPr>
+          </a:lstStyle>
+          <a:p>
+            <a:r>
+              <a:rPr lang="it-IT" sz="2000" dirty="0"/>
+              <a:t>Week </a:t>
+            </a:r>
+            <a:r>
+              <a:rPr lang="it-IT" sz="2000" dirty="0" err="1"/>
+              <a:t>number</a:t>
+            </a:r>
+            <a:r>
+              <a:rPr lang="it-IT" sz="2000" dirty="0"/>
+              <a:t>: X</a:t>
+            </a:r>
+          </a:p>
+          <a:p>
+            <a:r>
+              <a:rPr lang="it-IT" sz="2000" dirty="0"/>
+              <a:t>Date: DD/MM/20JJ</a:t>
+            </a:r>
+          </a:p>
+          <a:p>
+            <a:r>
+              <a:rPr lang="it-IT" sz="2000" dirty="0"/>
+              <a:t>Supervisor: X</a:t>
+            </a:r>
+          </a:p>
+        </p:txBody>
+      </p:sp>
+      <p:sp>
+        <p:nvSpPr>
+          <p:cNvPr id="4" name="Text Placeholder 2">
+            <a:extLst>
+              <a:ext uri="{FF2B5EF4-FFF2-40B4-BE49-F238E27FC236}">
+                <a16:creationId xmlns:a16="http://schemas.microsoft.com/office/drawing/2014/main" id="{05588F89-BF05-8BCF-9834-AE05DA2404B4}"/>
+              </a:ext>
+            </a:extLst>
+          </p:cNvPr>
+          <p:cNvSpPr>
+            <a:spLocks noGrp="1" noRot="1" noMove="1" noResize="1" noEditPoints="1" noAdjustHandles="1" noChangeArrowheads="1" noChangeShapeType="1"/>
+          </p:cNvSpPr>
+          <p:nvPr>
+            <p:ph type="body" idx="10" hasCustomPrompt="1"/>
+          </p:nvPr>
+        </p:nvSpPr>
+        <p:spPr>
+          <a:xfrm>
+            <a:off x="3316826" y="4882309"/>
+            <a:ext cx="5128821" cy="331717"/>
+          </a:xfrm>
+        </p:spPr>
+        <p:txBody>
+          <a:bodyPr anchor="b">
+            <a:noAutofit/>
+          </a:bodyPr>
+          <a:lstStyle>
+            <a:lvl1pPr marL="0" indent="0" algn="ctr">
+              <a:buNone/>
+              <a:defRPr sz="1400" b="0">
+                <a:latin typeface="Aptos (Textkörper)"/>
+              </a:defRPr>
+            </a:lvl1pPr>
+            <a:lvl2pPr marL="457200" indent="0">
+              <a:buNone/>
+              <a:defRPr sz="2000" b="1"/>
+            </a:lvl2pPr>
+            <a:lvl3pPr marL="914400" indent="0">
+              <a:buNone/>
+              <a:defRPr sz="1800" b="1"/>
+            </a:lvl3pPr>
+            <a:lvl4pPr marL="1371600" indent="0">
+              <a:buNone/>
+              <a:defRPr sz="1600" b="1"/>
+            </a:lvl4pPr>
+            <a:lvl5pPr marL="1828800" indent="0">
+              <a:buNone/>
+              <a:defRPr sz="1600" b="1"/>
+            </a:lvl5pPr>
+            <a:lvl6pPr marL="2286000" indent="0">
+              <a:buNone/>
+              <a:defRPr sz="1600" b="1"/>
+            </a:lvl6pPr>
+            <a:lvl7pPr marL="2743200" indent="0">
+              <a:buNone/>
+              <a:defRPr sz="1600" b="1"/>
+            </a:lvl7pPr>
+            <a:lvl8pPr marL="3200400" indent="0">
+              <a:buNone/>
+              <a:defRPr sz="1600" b="1"/>
+            </a:lvl8pPr>
+            <a:lvl9pPr marL="3657600" indent="0">
+              <a:buNone/>
+              <a:defRPr sz="1600" b="1"/>
+            </a:lvl9pPr>
+          </a:lstStyle>
+          <a:p>
+            <a:pPr lvl="0"/>
+            <a:r>
+              <a:rPr lang="de-DE" dirty="0"/>
+              <a:t>Group </a:t>
+            </a:r>
+            <a:r>
+              <a:rPr lang="de-DE" dirty="0" err="1"/>
+              <a:t>members</a:t>
+            </a:r>
+            <a:r>
+              <a:rPr lang="de-DE" dirty="0"/>
+              <a:t>: </a:t>
+            </a:r>
+          </a:p>
+        </p:txBody>
+      </p:sp>
+      <p:sp>
+        <p:nvSpPr>
+          <p:cNvPr id="9" name="Rechteck 8">
+            <a:extLst>
+              <a:ext uri="{FF2B5EF4-FFF2-40B4-BE49-F238E27FC236}">
+                <a16:creationId xmlns:a16="http://schemas.microsoft.com/office/drawing/2014/main" id="{83077A87-075C-C9F1-CF08-7A350F77E612}"/>
+              </a:ext>
+            </a:extLst>
+          </p:cNvPr>
+          <p:cNvSpPr/>
+          <p:nvPr userDrawn="1"/>
+        </p:nvSpPr>
+        <p:spPr>
+          <a:xfrm>
+            <a:off x="-4172" y="6542492"/>
+            <a:ext cx="12207494" cy="365126"/>
+          </a:xfrm>
+          <a:prstGeom prst="rect">
+            <a:avLst/>
+          </a:prstGeom>
+          <a:solidFill>
+            <a:srgbClr val="8ECEFA"/>
+          </a:solidFill>
+          <a:ln>
+            <a:solidFill>
+              <a:schemeClr val="bg1"/>
+            </a:solidFill>
+          </a:ln>
+        </p:spPr>
+        <p:style>
+          <a:lnRef idx="2">
+            <a:schemeClr val="accent1">
+              <a:shade val="15000"/>
+            </a:schemeClr>
+          </a:lnRef>
+          <a:fillRef idx="1">
+            <a:schemeClr val="accent1"/>
+          </a:fillRef>
+          <a:effectRef idx="0">
+            <a:schemeClr val="accent1"/>
+          </a:effectRef>
+          <a:fontRef idx="minor">
+            <a:schemeClr val="lt1"/>
+          </a:fontRef>
+        </p:style>
+        <p:txBody>
+          <a:bodyPr rtlCol="0" anchor="ctr"/>
+          <a:lstStyle/>
+          <a:p>
+            <a:pPr algn="ctr"/>
+            <a:endParaRPr lang="de-DE" dirty="0"/>
+          </a:p>
+        </p:txBody>
+      </p:sp>
+      <p:pic>
+        <p:nvPicPr>
+          <p:cNvPr id="26" name="Picture 18" descr="A white windmill with clouds in the background&#10;&#10;AI-generated content may be incorrect.">
+            <a:extLst>
+              <a:ext uri="{FF2B5EF4-FFF2-40B4-BE49-F238E27FC236}">
+                <a16:creationId xmlns:a16="http://schemas.microsoft.com/office/drawing/2014/main" id="{B8218494-1E39-5AB1-96DD-936404956E57}"/>
+              </a:ext>
+            </a:extLst>
+          </p:cNvPr>
+          <p:cNvPicPr>
+            <a:picLocks noChangeAspect="1"/>
+          </p:cNvPicPr>
+          <p:nvPr userDrawn="1"/>
+        </p:nvPicPr>
+        <p:blipFill>
+          <a:blip r:embed="rId5">
+            <a:extLst>
+              <a:ext uri="{28A0092B-C50C-407E-A947-70E740481C1C}">
+                <a14:useLocalDpi xmlns:a14="http://schemas.microsoft.com/office/drawing/2010/main" val="0"/>
+              </a:ext>
+            </a:extLst>
+          </a:blip>
+          <a:stretch>
+            <a:fillRect/>
+          </a:stretch>
+        </p:blipFill>
+        <p:spPr>
+          <a:xfrm>
+            <a:off x="9679950" y="5430021"/>
+            <a:ext cx="1753782" cy="1313633"/>
+          </a:xfrm>
+          <a:prstGeom prst="rect">
+            <a:avLst/>
+          </a:prstGeom>
+        </p:spPr>
+      </p:pic>
+      <p:sp>
+        <p:nvSpPr>
+          <p:cNvPr id="5" name="Datumsplatzhalter 4">
+            <a:extLst>
+              <a:ext uri="{FF2B5EF4-FFF2-40B4-BE49-F238E27FC236}">
+                <a16:creationId xmlns:a16="http://schemas.microsoft.com/office/drawing/2014/main" id="{DB3C889B-2F55-2C2F-122E-E89ABE6A2D95}"/>
+              </a:ext>
+            </a:extLst>
+          </p:cNvPr>
+          <p:cNvSpPr>
+            <a:spLocks noGrp="1"/>
+          </p:cNvSpPr>
+          <p:nvPr>
+            <p:ph type="dt" sz="half" idx="11"/>
+          </p:nvPr>
+        </p:nvSpPr>
+        <p:spPr/>
+        <p:txBody>
+          <a:bodyPr/>
+          <a:lstStyle/>
+          <a:p>
+            <a:fld id="{02AEE8E4-D792-40D2-B8D4-0007E21A0CF8}" type="datetime1">
+              <a:rPr lang="en-GB" smtClean="0"/>
+              <a:t>29/09/2025</a:t>
+            </a:fld>
+            <a:endParaRPr lang="en-GB" dirty="0"/>
+          </a:p>
+        </p:txBody>
+      </p:sp>
+      <p:sp>
+        <p:nvSpPr>
+          <p:cNvPr id="6" name="Fußzeilenplatzhalter 5">
+            <a:extLst>
+              <a:ext uri="{FF2B5EF4-FFF2-40B4-BE49-F238E27FC236}">
+                <a16:creationId xmlns:a16="http://schemas.microsoft.com/office/drawing/2014/main" id="{E2877DC7-CA1E-181B-77C7-99C60829ED57}"/>
+              </a:ext>
+            </a:extLst>
+          </p:cNvPr>
+          <p:cNvSpPr>
+            <a:spLocks noGrp="1"/>
+          </p:cNvSpPr>
+          <p:nvPr>
+            <p:ph type="ftr" sz="quarter" idx="12"/>
+          </p:nvPr>
+        </p:nvSpPr>
+        <p:spPr/>
+        <p:txBody>
+          <a:bodyPr/>
+          <a:lstStyle/>
+          <a:p>
+            <a:r>
+              <a:rPr lang="en-GB"/>
+              <a:t>Optimus Syria</a:t>
+            </a:r>
+            <a:endParaRPr lang="en-GB" dirty="0"/>
+          </a:p>
+        </p:txBody>
+      </p:sp>
+      <p:sp>
+        <p:nvSpPr>
+          <p:cNvPr id="7" name="Foliennummernplatzhalter 6">
+            <a:extLst>
+              <a:ext uri="{FF2B5EF4-FFF2-40B4-BE49-F238E27FC236}">
+                <a16:creationId xmlns:a16="http://schemas.microsoft.com/office/drawing/2014/main" id="{043E1ABD-9DAE-E035-8B0B-D41EFED3FC86}"/>
+              </a:ext>
+            </a:extLst>
+          </p:cNvPr>
+          <p:cNvSpPr>
+            <a:spLocks noGrp="1"/>
+          </p:cNvSpPr>
+          <p:nvPr>
+            <p:ph type="sldNum" sz="quarter" idx="13"/>
+          </p:nvPr>
+        </p:nvSpPr>
+        <p:spPr/>
+        <p:txBody>
+          <a:bodyPr/>
+          <a:lstStyle/>
+          <a:p>
+            <a:fld id="{013F6232-4F06-48BA-8F69-BF531F607829}" type="slidenum">
+              <a:rPr lang="en-GB" smtClean="0"/>
+              <a:pPr/>
+              <a:t>‹#›</a:t>
+            </a:fld>
+            <a:endParaRPr lang="en-GB" dirty="0"/>
+          </a:p>
+        </p:txBody>
+      </p:sp>
+    </p:spTree>
+    <p:extLst>
+      <p:ext uri="{BB962C8B-B14F-4D97-AF65-F5344CB8AC3E}">
+        <p14:creationId xmlns:p14="http://schemas.microsoft.com/office/powerpoint/2010/main" val="2737028903"/>
+      </p:ext>
+    </p:extLst>
+  </p:cSld>
+  <p:clrMapOvr>
+    <a:masterClrMapping/>
+  </p:clrMapOvr>
+</p:sldLayout>
+</file>
+
+<file path=ppt/slideLayouts/slideLayout13.xml><?xml version="1.0" encoding="utf-8"?>
 <p:sldLayout xmlns:a="http://schemas.openxmlformats.org/drawingml/2006/main" xmlns:r="http://schemas.openxmlformats.org/officeDocument/2006/relationships" xmlns:p="http://schemas.openxmlformats.org/presentationml/2006/main" type="title" preserve="1">
   <p:cSld name="Title Slide">
     <p:spTree>
@@ -1190,7 +3809,7 @@
 </p:sldLayout>
 </file>
 
-<file path=ppt/slideLayouts/slideLayout13.xml><?xml version="1.0" encoding="utf-8"?>
+<file path=ppt/slideLayouts/slideLayout14.xml><?xml version="1.0" encoding="utf-8"?>
 <p:sldLayout xmlns:a="http://schemas.openxmlformats.org/drawingml/2006/main" xmlns:r="http://schemas.openxmlformats.org/officeDocument/2006/relationships" xmlns:p="http://schemas.openxmlformats.org/presentationml/2006/main" type="obj" preserve="1">
   <p:cSld name="Title and Content">
     <p:spTree>
@@ -1353,7 +3972,7 @@
 </p:sldLayout>
 </file>
 
-<file path=ppt/slideLayouts/slideLayout14.xml><?xml version="1.0" encoding="utf-8"?>
+<file path=ppt/slideLayouts/slideLayout15.xml><?xml version="1.0" encoding="utf-8"?>
 <p:sldLayout xmlns:a="http://schemas.openxmlformats.org/drawingml/2006/main" xmlns:r="http://schemas.openxmlformats.org/officeDocument/2006/relationships" xmlns:p="http://schemas.openxmlformats.org/presentationml/2006/main" type="secHead" preserve="1">
   <p:cSld name="Section Header">
     <p:spTree>
@@ -1593,7 +4212,7 @@
 </p:sldLayout>
 </file>
 
-<file path=ppt/slideLayouts/slideLayout15.xml><?xml version="1.0" encoding="utf-8"?>
+<file path=ppt/slideLayouts/slideLayout16.xml><?xml version="1.0" encoding="utf-8"?>
 <p:sldLayout xmlns:a="http://schemas.openxmlformats.org/drawingml/2006/main" xmlns:r="http://schemas.openxmlformats.org/officeDocument/2006/relationships" xmlns:p="http://schemas.openxmlformats.org/presentationml/2006/main" type="twoObj" preserve="1">
   <p:cSld name="Two Content">
     <p:spTree>
@@ -1817,7 +4436,7 @@
 </p:sldLayout>
 </file>
 
-<file path=ppt/slideLayouts/slideLayout16.xml><?xml version="1.0" encoding="utf-8"?>
+<file path=ppt/slideLayouts/slideLayout17.xml><?xml version="1.0" encoding="utf-8"?>
 <p:sldLayout xmlns:a="http://schemas.openxmlformats.org/drawingml/2006/main" xmlns:r="http://schemas.openxmlformats.org/officeDocument/2006/relationships" xmlns:p="http://schemas.openxmlformats.org/presentationml/2006/main" type="twoTxTwoObj" preserve="1">
   <p:cSld name="Comparison">
     <p:spTree>
@@ -2176,7 +4795,7 @@
 </p:sldLayout>
 </file>
 
-<file path=ppt/slideLayouts/slideLayout17.xml><?xml version="1.0" encoding="utf-8"?>
+<file path=ppt/slideLayouts/slideLayout18.xml><?xml version="1.0" encoding="utf-8"?>
 <p:sldLayout xmlns:a="http://schemas.openxmlformats.org/drawingml/2006/main" xmlns:r="http://schemas.openxmlformats.org/officeDocument/2006/relationships" xmlns:p="http://schemas.openxmlformats.org/presentationml/2006/main" type="titleOnly" preserve="1">
   <p:cSld name="Title Only">
     <p:spTree>
@@ -2288,7 +4907,7 @@
 </p:sldLayout>
 </file>
 
-<file path=ppt/slideLayouts/slideLayout18.xml><?xml version="1.0" encoding="utf-8"?>
+<file path=ppt/slideLayouts/slideLayout19.xml><?xml version="1.0" encoding="utf-8"?>
 <p:sldLayout xmlns:a="http://schemas.openxmlformats.org/drawingml/2006/main" xmlns:r="http://schemas.openxmlformats.org/officeDocument/2006/relationships" xmlns:p="http://schemas.openxmlformats.org/presentationml/2006/main" type="blank" preserve="1">
   <p:cSld name="Blank">
     <p:spTree>
@@ -2378,7 +4997,156 @@
 </p:sldLayout>
 </file>
 
-<file path=ppt/slideLayouts/slideLayout19.xml><?xml version="1.0" encoding="utf-8"?>
+<file path=ppt/slideLayouts/slideLayout2.xml><?xml version="1.0" encoding="utf-8"?>
+<p:sldLayout xmlns:a="http://schemas.openxmlformats.org/drawingml/2006/main" xmlns:r="http://schemas.openxmlformats.org/officeDocument/2006/relationships" xmlns:p="http://schemas.openxmlformats.org/presentationml/2006/main" type="obj" preserve="1">
+  <p:cSld name="Title and Content">
+    <p:spTree>
+      <p:nvGrpSpPr>
+        <p:cNvPr id="1" name=""/>
+        <p:cNvGrpSpPr/>
+        <p:nvPr/>
+      </p:nvGrpSpPr>
+      <p:grpSpPr>
+        <a:xfrm>
+          <a:off x="0" y="0"/>
+          <a:ext cx="0" cy="0"/>
+          <a:chOff x="0" y="0"/>
+          <a:chExt cx="0" cy="0"/>
+        </a:xfrm>
+      </p:grpSpPr>
+      <p:sp>
+        <p:nvSpPr>
+          <p:cNvPr id="2" name="Title 1"/>
+          <p:cNvSpPr>
+            <a:spLocks noGrp="1"/>
+          </p:cNvSpPr>
+          <p:nvPr>
+            <p:ph type="title"/>
+          </p:nvPr>
+        </p:nvSpPr>
+        <p:spPr/>
+        <p:txBody>
+          <a:bodyPr/>
+          <a:lstStyle/>
+          <a:p>
+            <a:r>
+              <a:rPr lang="en-GB"/>
+              <a:t>Click to edit Master title style</a:t>
+            </a:r>
+          </a:p>
+        </p:txBody>
+      </p:sp>
+      <p:sp>
+        <p:nvSpPr>
+          <p:cNvPr id="3" name="Content Placeholder 2"/>
+          <p:cNvSpPr>
+            <a:spLocks noGrp="1"/>
+          </p:cNvSpPr>
+          <p:nvPr>
+            <p:ph idx="1"/>
+          </p:nvPr>
+        </p:nvSpPr>
+        <p:spPr/>
+        <p:txBody>
+          <a:bodyPr/>
+          <a:lstStyle/>
+          <a:p>
+            <a:pPr lvl="0"/>
+            <a:r>
+              <a:rPr lang="en-GB"/>
+              <a:t>Click to edit Master text styles</a:t>
+            </a:r>
+          </a:p>
+          <a:p>
+            <a:pPr lvl="1"/>
+            <a:r>
+              <a:rPr lang="en-GB"/>
+              <a:t>Second level</a:t>
+            </a:r>
+          </a:p>
+          <a:p>
+            <a:pPr lvl="2"/>
+            <a:r>
+              <a:rPr lang="en-GB"/>
+              <a:t>Third level</a:t>
+            </a:r>
+          </a:p>
+          <a:p>
+            <a:pPr lvl="3"/>
+            <a:r>
+              <a:rPr lang="en-GB"/>
+              <a:t>Fourth level</a:t>
+            </a:r>
+          </a:p>
+          <a:p>
+            <a:pPr lvl="4"/>
+            <a:r>
+              <a:rPr lang="en-GB"/>
+              <a:t>Fifth level</a:t>
+            </a:r>
+          </a:p>
+        </p:txBody>
+      </p:sp>
+      <p:sp>
+        <p:nvSpPr>
+          <p:cNvPr id="4" name="Date Placeholder 3"/>
+          <p:cNvSpPr>
+            <a:spLocks noGrp="1"/>
+          </p:cNvSpPr>
+          <p:nvPr>
+            <p:ph type="dt" sz="half" idx="10"/>
+          </p:nvPr>
+        </p:nvSpPr>
+        <p:spPr/>
+        <p:txBody>
+          <a:bodyPr/>
+          <a:lstStyle/>
+          <a:p>
+            <a:fld id="{2521100E-89DB-4D21-B66A-B5E24FA59FB2}" type="datetime1">
+              <a:rPr lang="en-GB" smtClean="0"/>
+              <a:t>29/09/2025</a:t>
+            </a:fld>
+            <a:endParaRPr lang="en-GB"/>
+          </a:p>
+        </p:txBody>
+      </p:sp>
+      <p:sp>
+        <p:nvSpPr>
+          <p:cNvPr id="6" name="Slide Number Placeholder 5"/>
+          <p:cNvSpPr>
+            <a:spLocks noGrp="1"/>
+          </p:cNvSpPr>
+          <p:nvPr>
+            <p:ph type="sldNum" sz="quarter" idx="12"/>
+          </p:nvPr>
+        </p:nvSpPr>
+        <p:spPr>
+          <a:xfrm>
+            <a:off x="5769428" y="6349546"/>
+            <a:ext cx="653143" cy="365125"/>
+          </a:xfrm>
+        </p:spPr>
+        <p:txBody>
+          <a:bodyPr/>
+          <a:lstStyle/>
+          <a:p>
+            <a:fld id="{013F6232-4F06-48BA-8F69-BF531F607829}" type="slidenum">
+              <a:rPr lang="en-GB" smtClean="0"/>
+              <a:t>‹#›</a:t>
+            </a:fld>
+            <a:endParaRPr lang="en-GB"/>
+          </a:p>
+        </p:txBody>
+      </p:sp>
+    </p:spTree>
+  </p:cSld>
+  <p:clrMapOvr>
+    <a:masterClrMapping/>
+  </p:clrMapOvr>
+</p:sldLayout>
+</file>
+
+<file path=ppt/slideLayouts/slideLayout20.xml><?xml version="1.0" encoding="utf-8"?>
 <p:sldLayout xmlns:a="http://schemas.openxmlformats.org/drawingml/2006/main" xmlns:r="http://schemas.openxmlformats.org/officeDocument/2006/relationships" xmlns:p="http://schemas.openxmlformats.org/presentationml/2006/main" type="objTx" preserve="1">
   <p:cSld name="Content with Caption">
     <p:spTree>
@@ -2648,156 +5416,7 @@
 </p:sldLayout>
 </file>
 
-<file path=ppt/slideLayouts/slideLayout2.xml><?xml version="1.0" encoding="utf-8"?>
-<p:sldLayout xmlns:a="http://schemas.openxmlformats.org/drawingml/2006/main" xmlns:r="http://schemas.openxmlformats.org/officeDocument/2006/relationships" xmlns:p="http://schemas.openxmlformats.org/presentationml/2006/main" type="obj" preserve="1">
-  <p:cSld name="Title and Content">
-    <p:spTree>
-      <p:nvGrpSpPr>
-        <p:cNvPr id="1" name=""/>
-        <p:cNvGrpSpPr/>
-        <p:nvPr/>
-      </p:nvGrpSpPr>
-      <p:grpSpPr>
-        <a:xfrm>
-          <a:off x="0" y="0"/>
-          <a:ext cx="0" cy="0"/>
-          <a:chOff x="0" y="0"/>
-          <a:chExt cx="0" cy="0"/>
-        </a:xfrm>
-      </p:grpSpPr>
-      <p:sp>
-        <p:nvSpPr>
-          <p:cNvPr id="2" name="Title 1"/>
-          <p:cNvSpPr>
-            <a:spLocks noGrp="1"/>
-          </p:cNvSpPr>
-          <p:nvPr>
-            <p:ph type="title"/>
-          </p:nvPr>
-        </p:nvSpPr>
-        <p:spPr/>
-        <p:txBody>
-          <a:bodyPr/>
-          <a:lstStyle/>
-          <a:p>
-            <a:r>
-              <a:rPr lang="en-GB"/>
-              <a:t>Click to edit Master title style</a:t>
-            </a:r>
-          </a:p>
-        </p:txBody>
-      </p:sp>
-      <p:sp>
-        <p:nvSpPr>
-          <p:cNvPr id="3" name="Content Placeholder 2"/>
-          <p:cNvSpPr>
-            <a:spLocks noGrp="1"/>
-          </p:cNvSpPr>
-          <p:nvPr>
-            <p:ph idx="1"/>
-          </p:nvPr>
-        </p:nvSpPr>
-        <p:spPr/>
-        <p:txBody>
-          <a:bodyPr/>
-          <a:lstStyle/>
-          <a:p>
-            <a:pPr lvl="0"/>
-            <a:r>
-              <a:rPr lang="en-GB"/>
-              <a:t>Click to edit Master text styles</a:t>
-            </a:r>
-          </a:p>
-          <a:p>
-            <a:pPr lvl="1"/>
-            <a:r>
-              <a:rPr lang="en-GB"/>
-              <a:t>Second level</a:t>
-            </a:r>
-          </a:p>
-          <a:p>
-            <a:pPr lvl="2"/>
-            <a:r>
-              <a:rPr lang="en-GB"/>
-              <a:t>Third level</a:t>
-            </a:r>
-          </a:p>
-          <a:p>
-            <a:pPr lvl="3"/>
-            <a:r>
-              <a:rPr lang="en-GB"/>
-              <a:t>Fourth level</a:t>
-            </a:r>
-          </a:p>
-          <a:p>
-            <a:pPr lvl="4"/>
-            <a:r>
-              <a:rPr lang="en-GB"/>
-              <a:t>Fifth level</a:t>
-            </a:r>
-          </a:p>
-        </p:txBody>
-      </p:sp>
-      <p:sp>
-        <p:nvSpPr>
-          <p:cNvPr id="4" name="Date Placeholder 3"/>
-          <p:cNvSpPr>
-            <a:spLocks noGrp="1"/>
-          </p:cNvSpPr>
-          <p:nvPr>
-            <p:ph type="dt" sz="half" idx="10"/>
-          </p:nvPr>
-        </p:nvSpPr>
-        <p:spPr/>
-        <p:txBody>
-          <a:bodyPr/>
-          <a:lstStyle/>
-          <a:p>
-            <a:fld id="{2521100E-89DB-4D21-B66A-B5E24FA59FB2}" type="datetime1">
-              <a:rPr lang="en-GB" smtClean="0"/>
-              <a:t>29/09/2025</a:t>
-            </a:fld>
-            <a:endParaRPr lang="en-GB"/>
-          </a:p>
-        </p:txBody>
-      </p:sp>
-      <p:sp>
-        <p:nvSpPr>
-          <p:cNvPr id="6" name="Slide Number Placeholder 5"/>
-          <p:cNvSpPr>
-            <a:spLocks noGrp="1"/>
-          </p:cNvSpPr>
-          <p:nvPr>
-            <p:ph type="sldNum" sz="quarter" idx="12"/>
-          </p:nvPr>
-        </p:nvSpPr>
-        <p:spPr>
-          <a:xfrm>
-            <a:off x="5769428" y="6349546"/>
-            <a:ext cx="653143" cy="365125"/>
-          </a:xfrm>
-        </p:spPr>
-        <p:txBody>
-          <a:bodyPr/>
-          <a:lstStyle/>
-          <a:p>
-            <a:fld id="{013F6232-4F06-48BA-8F69-BF531F607829}" type="slidenum">
-              <a:rPr lang="en-GB" smtClean="0"/>
-              <a:t>‹#›</a:t>
-            </a:fld>
-            <a:endParaRPr lang="en-GB"/>
-          </a:p>
-        </p:txBody>
-      </p:sp>
-    </p:spTree>
-  </p:cSld>
-  <p:clrMapOvr>
-    <a:masterClrMapping/>
-  </p:clrMapOvr>
-</p:sldLayout>
-</file>
-
-<file path=ppt/slideLayouts/slideLayout20.xml><?xml version="1.0" encoding="utf-8"?>
+<file path=ppt/slideLayouts/slideLayout21.xml><?xml version="1.0" encoding="utf-8"?>
 <p:sldLayout xmlns:a="http://schemas.openxmlformats.org/drawingml/2006/main" xmlns:r="http://schemas.openxmlformats.org/officeDocument/2006/relationships" xmlns:p="http://schemas.openxmlformats.org/presentationml/2006/main" type="picTx" preserve="1">
   <p:cSld name="Picture with Caption">
     <p:spTree>
@@ -3044,7 +5663,7 @@
 </p:sldLayout>
 </file>
 
-<file path=ppt/slideLayouts/slideLayout21.xml><?xml version="1.0" encoding="utf-8"?>
+<file path=ppt/slideLayouts/slideLayout22.xml><?xml version="1.0" encoding="utf-8"?>
 <p:sldLayout xmlns:a="http://schemas.openxmlformats.org/drawingml/2006/main" xmlns:r="http://schemas.openxmlformats.org/officeDocument/2006/relationships" xmlns:p="http://schemas.openxmlformats.org/presentationml/2006/main" type="vertTx" preserve="1">
   <p:cSld name="Title and Vertical Text">
     <p:spTree>
@@ -3207,7 +5826,7 @@
 </p:sldLayout>
 </file>
 
-<file path=ppt/slideLayouts/slideLayout22.xml><?xml version="1.0" encoding="utf-8"?>
+<file path=ppt/slideLayouts/slideLayout23.xml><?xml version="1.0" encoding="utf-8"?>
 <p:sldLayout xmlns:a="http://schemas.openxmlformats.org/drawingml/2006/main" xmlns:r="http://schemas.openxmlformats.org/officeDocument/2006/relationships" xmlns:p="http://schemas.openxmlformats.org/presentationml/2006/main" type="vertTitleAndTx" preserve="1">
   <p:cSld name="Vertical Title and Text">
     <p:spTree>
@@ -5171,6 +7790,7 @@
     <p:sldLayoutId id="2147483657" r:id="rId9"/>
     <p:sldLayoutId id="2147483658" r:id="rId10"/>
     <p:sldLayoutId id="2147483659" r:id="rId11"/>
+    <p:sldLayoutId id="2147483672" r:id="rId12"/>
   </p:sldLayoutIdLst>
   <p:hf hdr="0" ftr="0" dt="0"/>
   <p:txStyles>
@@ -5990,6 +8610,222 @@
 </file>
 
 <file path=ppt/slides/slide1.xml><?xml version="1.0" encoding="utf-8"?>
+<p:sld xmlns:a="http://schemas.openxmlformats.org/drawingml/2006/main" xmlns:r="http://schemas.openxmlformats.org/officeDocument/2006/relationships" xmlns:p="http://schemas.openxmlformats.org/presentationml/2006/main">
+  <p:cSld>
+    <p:spTree>
+      <p:nvGrpSpPr>
+        <p:cNvPr id="1" name=""/>
+        <p:cNvGrpSpPr/>
+        <p:nvPr/>
+      </p:nvGrpSpPr>
+      <p:grpSpPr>
+        <a:xfrm>
+          <a:off x="0" y="0"/>
+          <a:ext cx="0" cy="0"/>
+          <a:chOff x="0" y="0"/>
+          <a:chExt cx="0" cy="0"/>
+        </a:xfrm>
+      </p:grpSpPr>
+      <p:sp>
+        <p:nvSpPr>
+          <p:cNvPr id="11" name="Titel 10">
+            <a:extLst>
+              <a:ext uri="{FF2B5EF4-FFF2-40B4-BE49-F238E27FC236}">
+                <a16:creationId xmlns:a16="http://schemas.microsoft.com/office/drawing/2014/main" id="{FEA9E435-1738-7D95-8565-A990E44382F3}"/>
+              </a:ext>
+            </a:extLst>
+          </p:cNvPr>
+          <p:cNvSpPr>
+            <a:spLocks noGrp="1"/>
+          </p:cNvSpPr>
+          <p:nvPr>
+            <p:ph type="ctrTitle"/>
+          </p:nvPr>
+        </p:nvSpPr>
+        <p:spPr/>
+        <p:txBody>
+          <a:bodyPr/>
+          <a:lstStyle/>
+          <a:p>
+            <a:r>
+              <a:rPr lang="it-IT" dirty="0"/>
+              <a:t>Weekly report: Storage system</a:t>
+            </a:r>
+            <a:endParaRPr lang="en-GB" dirty="0"/>
+          </a:p>
+        </p:txBody>
+      </p:sp>
+      <p:sp>
+        <p:nvSpPr>
+          <p:cNvPr id="9" name="Untertitel 8">
+            <a:extLst>
+              <a:ext uri="{FF2B5EF4-FFF2-40B4-BE49-F238E27FC236}">
+                <a16:creationId xmlns:a16="http://schemas.microsoft.com/office/drawing/2014/main" id="{35B7C05A-5A3A-2794-54B6-815F6C48B0FB}"/>
+              </a:ext>
+            </a:extLst>
+          </p:cNvPr>
+          <p:cNvSpPr>
+            <a:spLocks noGrp="1"/>
+          </p:cNvSpPr>
+          <p:nvPr>
+            <p:ph type="subTitle" idx="1"/>
+          </p:nvPr>
+        </p:nvSpPr>
+        <p:spPr/>
+        <p:txBody>
+          <a:bodyPr/>
+          <a:lstStyle/>
+          <a:p>
+            <a:r>
+              <a:rPr lang="en-GB" dirty="0"/>
+              <a:t>Week 1</a:t>
+            </a:r>
+          </a:p>
+        </p:txBody>
+      </p:sp>
+      <p:sp>
+        <p:nvSpPr>
+          <p:cNvPr id="12" name="Textplatzhalter 11">
+            <a:extLst>
+              <a:ext uri="{FF2B5EF4-FFF2-40B4-BE49-F238E27FC236}">
+                <a16:creationId xmlns:a16="http://schemas.microsoft.com/office/drawing/2014/main" id="{163E18F3-41FB-B5AE-43D3-9203434B5F01}"/>
+              </a:ext>
+            </a:extLst>
+          </p:cNvPr>
+          <p:cNvSpPr>
+            <a:spLocks noGrp="1"/>
+          </p:cNvSpPr>
+          <p:nvPr>
+            <p:ph type="body" idx="10"/>
+          </p:nvPr>
+        </p:nvSpPr>
+        <p:spPr/>
+        <p:txBody>
+          <a:bodyPr/>
+          <a:lstStyle/>
+          <a:p>
+            <a:r>
+              <a:rPr lang="it-IT" dirty="0"/>
+              <a:t>Mohammed Shaaban, </a:t>
+            </a:r>
+            <a:r>
+              <a:rPr lang="it-IT" dirty="0" err="1"/>
+              <a:t>Sikandar</a:t>
+            </a:r>
+            <a:r>
+              <a:rPr lang="it-IT" dirty="0"/>
+              <a:t> </a:t>
+            </a:r>
+            <a:r>
+              <a:rPr lang="it-IT" dirty="0" err="1"/>
+              <a:t>Bhai</a:t>
+            </a:r>
+            <a:endParaRPr lang="en-GB" dirty="0"/>
+          </a:p>
+        </p:txBody>
+      </p:sp>
+      <p:sp>
+        <p:nvSpPr>
+          <p:cNvPr id="5" name="Datumsplatzhalter 4">
+            <a:extLst>
+              <a:ext uri="{FF2B5EF4-FFF2-40B4-BE49-F238E27FC236}">
+                <a16:creationId xmlns:a16="http://schemas.microsoft.com/office/drawing/2014/main" id="{626B2514-13D3-FEE4-A76A-25778AA00477}"/>
+              </a:ext>
+            </a:extLst>
+          </p:cNvPr>
+          <p:cNvSpPr>
+            <a:spLocks noGrp="1"/>
+          </p:cNvSpPr>
+          <p:nvPr>
+            <p:ph type="dt" sz="half" idx="11"/>
+          </p:nvPr>
+        </p:nvSpPr>
+        <p:spPr/>
+        <p:txBody>
+          <a:bodyPr/>
+          <a:lstStyle/>
+          <a:p>
+            <a:fld id="{02AEE8E4-D792-40D2-B8D4-0007E21A0CF8}" type="datetime1">
+              <a:rPr lang="en-GB" smtClean="0"/>
+              <a:t>29/09/2025</a:t>
+            </a:fld>
+            <a:endParaRPr lang="en-GB" dirty="0"/>
+          </a:p>
+        </p:txBody>
+      </p:sp>
+      <p:sp>
+        <p:nvSpPr>
+          <p:cNvPr id="6" name="Fußzeilenplatzhalter 5">
+            <a:extLst>
+              <a:ext uri="{FF2B5EF4-FFF2-40B4-BE49-F238E27FC236}">
+                <a16:creationId xmlns:a16="http://schemas.microsoft.com/office/drawing/2014/main" id="{8F11D7F1-39D2-6CD0-A45E-2199A3CF9435}"/>
+              </a:ext>
+            </a:extLst>
+          </p:cNvPr>
+          <p:cNvSpPr>
+            <a:spLocks noGrp="1"/>
+          </p:cNvSpPr>
+          <p:nvPr>
+            <p:ph type="ftr" sz="quarter" idx="12"/>
+          </p:nvPr>
+        </p:nvSpPr>
+        <p:spPr/>
+        <p:txBody>
+          <a:bodyPr/>
+          <a:lstStyle/>
+          <a:p>
+            <a:r>
+              <a:rPr lang="en-GB"/>
+              <a:t>Optimus Syria</a:t>
+            </a:r>
+            <a:endParaRPr lang="en-GB" dirty="0"/>
+          </a:p>
+        </p:txBody>
+      </p:sp>
+      <p:sp>
+        <p:nvSpPr>
+          <p:cNvPr id="7" name="Foliennummernplatzhalter 6">
+            <a:extLst>
+              <a:ext uri="{FF2B5EF4-FFF2-40B4-BE49-F238E27FC236}">
+                <a16:creationId xmlns:a16="http://schemas.microsoft.com/office/drawing/2014/main" id="{4E7ED1BF-5D66-636D-5730-97FE37F44811}"/>
+              </a:ext>
+            </a:extLst>
+          </p:cNvPr>
+          <p:cNvSpPr>
+            <a:spLocks noGrp="1"/>
+          </p:cNvSpPr>
+          <p:nvPr>
+            <p:ph type="sldNum" sz="quarter" idx="13"/>
+          </p:nvPr>
+        </p:nvSpPr>
+        <p:spPr/>
+        <p:txBody>
+          <a:bodyPr/>
+          <a:lstStyle/>
+          <a:p>
+            <a:fld id="{013F6232-4F06-48BA-8F69-BF531F607829}" type="slidenum">
+              <a:rPr lang="en-GB" smtClean="0"/>
+              <a:pPr/>
+              <a:t>1</a:t>
+            </a:fld>
+            <a:endParaRPr lang="en-GB" dirty="0"/>
+          </a:p>
+        </p:txBody>
+      </p:sp>
+    </p:spTree>
+    <p:extLst>
+      <p:ext uri="{BB962C8B-B14F-4D97-AF65-F5344CB8AC3E}">
+        <p14:creationId xmlns:p14="http://schemas.microsoft.com/office/powerpoint/2010/main" val="1515102388"/>
+      </p:ext>
+    </p:extLst>
+  </p:cSld>
+  <p:clrMapOvr>
+    <a:masterClrMapping/>
+  </p:clrMapOvr>
+</p:sld>
+</file>
+
+<file path=ppt/slides/slide10.xml><?xml version="1.0" encoding="utf-8"?>
 <p:sld xmlns:a="http://schemas.openxmlformats.org/drawingml/2006/main" xmlns:r="http://schemas.openxmlformats.org/officeDocument/2006/relationships" xmlns:p="http://schemas.openxmlformats.org/presentationml/2006/main">
   <p:cSld>
     <p:spTree>
@@ -6730,6 +9566,468 @@
       </p:sp>
       <p:sp>
         <p:nvSpPr>
+          <p:cNvPr id="10" name="Free-form: Shape 13"/>
+          <p:cNvSpPr/>
+          <p:nvPr/>
+        </p:nvSpPr>
+        <p:spPr>
+          <a:xfrm rot="10800000">
+            <a:off x="-2090" y="-10376"/>
+            <a:ext cx="12192000" cy="898826"/>
+          </a:xfrm>
+          <a:custGeom>
+            <a:avLst/>
+            <a:gdLst>
+              <a:gd name="connsiteX0" fmla="*/ 17585 w 9486900"/>
+              <a:gd name="connsiteY0" fmla="*/ 8792 h 931984"/>
+              <a:gd name="connsiteX1" fmla="*/ 2004646 w 9486900"/>
+              <a:gd name="connsiteY1" fmla="*/ 26376 h 931984"/>
+              <a:gd name="connsiteX2" fmla="*/ 4466492 w 9486900"/>
+              <a:gd name="connsiteY2" fmla="*/ 35169 h 931984"/>
+              <a:gd name="connsiteX3" fmla="*/ 7025054 w 9486900"/>
+              <a:gd name="connsiteY3" fmla="*/ 0 h 931984"/>
+              <a:gd name="connsiteX4" fmla="*/ 9486900 w 9486900"/>
+              <a:gd name="connsiteY4" fmla="*/ 8792 h 931984"/>
+              <a:gd name="connsiteX5" fmla="*/ 9478108 w 9486900"/>
+              <a:gd name="connsiteY5" fmla="*/ 914400 h 931984"/>
+              <a:gd name="connsiteX6" fmla="*/ 7262446 w 9486900"/>
+              <a:gd name="connsiteY6" fmla="*/ 905607 h 931984"/>
+              <a:gd name="connsiteX7" fmla="*/ 4835769 w 9486900"/>
+              <a:gd name="connsiteY7" fmla="*/ 931984 h 931984"/>
+              <a:gd name="connsiteX8" fmla="*/ 2760785 w 9486900"/>
+              <a:gd name="connsiteY8" fmla="*/ 923192 h 931984"/>
+              <a:gd name="connsiteX9" fmla="*/ 0 w 9486900"/>
+              <a:gd name="connsiteY9" fmla="*/ 879230 h 931984"/>
+              <a:gd name="connsiteX10" fmla="*/ 17585 w 9486900"/>
+              <a:gd name="connsiteY10" fmla="*/ 8792 h 931984"/>
+              <a:gd name="connsiteX0-1" fmla="*/ 17585 w 9486900"/>
+              <a:gd name="connsiteY0-2" fmla="*/ 168095 h 1091287"/>
+              <a:gd name="connsiteX1-3" fmla="*/ 2004646 w 9486900"/>
+              <a:gd name="connsiteY1-4" fmla="*/ 185679 h 1091287"/>
+              <a:gd name="connsiteX2-5" fmla="*/ 4466492 w 9486900"/>
+              <a:gd name="connsiteY2-6" fmla="*/ 194472 h 1091287"/>
+              <a:gd name="connsiteX3-7" fmla="*/ 7025054 w 9486900"/>
+              <a:gd name="connsiteY3-8" fmla="*/ 159303 h 1091287"/>
+              <a:gd name="connsiteX4-9" fmla="*/ 9486900 w 9486900"/>
+              <a:gd name="connsiteY4-10" fmla="*/ 168095 h 1091287"/>
+              <a:gd name="connsiteX5-11" fmla="*/ 9478108 w 9486900"/>
+              <a:gd name="connsiteY5-12" fmla="*/ 1073703 h 1091287"/>
+              <a:gd name="connsiteX6-13" fmla="*/ 7262446 w 9486900"/>
+              <a:gd name="connsiteY6-14" fmla="*/ 1064910 h 1091287"/>
+              <a:gd name="connsiteX7-15" fmla="*/ 4835769 w 9486900"/>
+              <a:gd name="connsiteY7-16" fmla="*/ 1091287 h 1091287"/>
+              <a:gd name="connsiteX8-17" fmla="*/ 2760785 w 9486900"/>
+              <a:gd name="connsiteY8-18" fmla="*/ 1082495 h 1091287"/>
+              <a:gd name="connsiteX9-19" fmla="*/ 0 w 9486900"/>
+              <a:gd name="connsiteY9-20" fmla="*/ 1038533 h 1091287"/>
+              <a:gd name="connsiteX10-21" fmla="*/ 17585 w 9486900"/>
+              <a:gd name="connsiteY10-22" fmla="*/ 168095 h 1091287"/>
+              <a:gd name="connsiteX0-23" fmla="*/ 17585 w 9486900"/>
+              <a:gd name="connsiteY0-24" fmla="*/ 234508 h 1157700"/>
+              <a:gd name="connsiteX1-25" fmla="*/ 2004646 w 9486900"/>
+              <a:gd name="connsiteY1-26" fmla="*/ 252092 h 1157700"/>
+              <a:gd name="connsiteX2-27" fmla="*/ 4466492 w 9486900"/>
+              <a:gd name="connsiteY2-28" fmla="*/ 260885 h 1157700"/>
+              <a:gd name="connsiteX3-29" fmla="*/ 7025054 w 9486900"/>
+              <a:gd name="connsiteY3-30" fmla="*/ 225716 h 1157700"/>
+              <a:gd name="connsiteX4-31" fmla="*/ 9486900 w 9486900"/>
+              <a:gd name="connsiteY4-32" fmla="*/ 234508 h 1157700"/>
+              <a:gd name="connsiteX5-33" fmla="*/ 9478108 w 9486900"/>
+              <a:gd name="connsiteY5-34" fmla="*/ 1140116 h 1157700"/>
+              <a:gd name="connsiteX6-35" fmla="*/ 7262446 w 9486900"/>
+              <a:gd name="connsiteY6-36" fmla="*/ 1131323 h 1157700"/>
+              <a:gd name="connsiteX7-37" fmla="*/ 4835769 w 9486900"/>
+              <a:gd name="connsiteY7-38" fmla="*/ 1157700 h 1157700"/>
+              <a:gd name="connsiteX8-39" fmla="*/ 2760785 w 9486900"/>
+              <a:gd name="connsiteY8-40" fmla="*/ 1148908 h 1157700"/>
+              <a:gd name="connsiteX9-41" fmla="*/ 0 w 9486900"/>
+              <a:gd name="connsiteY9-42" fmla="*/ 1104946 h 1157700"/>
+              <a:gd name="connsiteX10-43" fmla="*/ 17585 w 9486900"/>
+              <a:gd name="connsiteY10-44" fmla="*/ 234508 h 1157700"/>
+              <a:gd name="connsiteX0-45" fmla="*/ 17585 w 9486900"/>
+              <a:gd name="connsiteY0-46" fmla="*/ 375168 h 1298360"/>
+              <a:gd name="connsiteX1-47" fmla="*/ 2004646 w 9486900"/>
+              <a:gd name="connsiteY1-48" fmla="*/ 392752 h 1298360"/>
+              <a:gd name="connsiteX2-49" fmla="*/ 4466492 w 9486900"/>
+              <a:gd name="connsiteY2-50" fmla="*/ 401545 h 1298360"/>
+              <a:gd name="connsiteX3-51" fmla="*/ 7025054 w 9486900"/>
+              <a:gd name="connsiteY3-52" fmla="*/ 366376 h 1298360"/>
+              <a:gd name="connsiteX4-53" fmla="*/ 9486900 w 9486900"/>
+              <a:gd name="connsiteY4-54" fmla="*/ 375168 h 1298360"/>
+              <a:gd name="connsiteX5-55" fmla="*/ 9478108 w 9486900"/>
+              <a:gd name="connsiteY5-56" fmla="*/ 1280776 h 1298360"/>
+              <a:gd name="connsiteX6-57" fmla="*/ 7262446 w 9486900"/>
+              <a:gd name="connsiteY6-58" fmla="*/ 1271983 h 1298360"/>
+              <a:gd name="connsiteX7-59" fmla="*/ 4835769 w 9486900"/>
+              <a:gd name="connsiteY7-60" fmla="*/ 1298360 h 1298360"/>
+              <a:gd name="connsiteX8-61" fmla="*/ 2760785 w 9486900"/>
+              <a:gd name="connsiteY8-62" fmla="*/ 1289568 h 1298360"/>
+              <a:gd name="connsiteX9-63" fmla="*/ 0 w 9486900"/>
+              <a:gd name="connsiteY9-64" fmla="*/ 1245606 h 1298360"/>
+              <a:gd name="connsiteX10-65" fmla="*/ 17585 w 9486900"/>
+              <a:gd name="connsiteY10-66" fmla="*/ 375168 h 1298360"/>
+              <a:gd name="connsiteX0-67" fmla="*/ 17585 w 9486900"/>
+              <a:gd name="connsiteY0-68" fmla="*/ 375168 h 1298360"/>
+              <a:gd name="connsiteX1-69" fmla="*/ 2004646 w 9486900"/>
+              <a:gd name="connsiteY1-70" fmla="*/ 392752 h 1298360"/>
+              <a:gd name="connsiteX2-71" fmla="*/ 4466492 w 9486900"/>
+              <a:gd name="connsiteY2-72" fmla="*/ 401545 h 1298360"/>
+              <a:gd name="connsiteX3-73" fmla="*/ 7025054 w 9486900"/>
+              <a:gd name="connsiteY3-74" fmla="*/ 366376 h 1298360"/>
+              <a:gd name="connsiteX4-75" fmla="*/ 9486900 w 9486900"/>
+              <a:gd name="connsiteY4-76" fmla="*/ 375168 h 1298360"/>
+              <a:gd name="connsiteX5-77" fmla="*/ 9478108 w 9486900"/>
+              <a:gd name="connsiteY5-78" fmla="*/ 1280776 h 1298360"/>
+              <a:gd name="connsiteX6-79" fmla="*/ 7262446 w 9486900"/>
+              <a:gd name="connsiteY6-80" fmla="*/ 1271983 h 1298360"/>
+              <a:gd name="connsiteX7-81" fmla="*/ 4835769 w 9486900"/>
+              <a:gd name="connsiteY7-82" fmla="*/ 1298360 h 1298360"/>
+              <a:gd name="connsiteX8-83" fmla="*/ 2760785 w 9486900"/>
+              <a:gd name="connsiteY8-84" fmla="*/ 1289568 h 1298360"/>
+              <a:gd name="connsiteX9-85" fmla="*/ 0 w 9486900"/>
+              <a:gd name="connsiteY9-86" fmla="*/ 1245606 h 1298360"/>
+              <a:gd name="connsiteX10-87" fmla="*/ 17585 w 9486900"/>
+              <a:gd name="connsiteY10-88" fmla="*/ 375168 h 1298360"/>
+              <a:gd name="connsiteX0-89" fmla="*/ 17585 w 9486900"/>
+              <a:gd name="connsiteY0-90" fmla="*/ 375168 h 1298360"/>
+              <a:gd name="connsiteX1-91" fmla="*/ 2004646 w 9486900"/>
+              <a:gd name="connsiteY1-92" fmla="*/ 392752 h 1298360"/>
+              <a:gd name="connsiteX2-93" fmla="*/ 4466492 w 9486900"/>
+              <a:gd name="connsiteY2-94" fmla="*/ 401545 h 1298360"/>
+              <a:gd name="connsiteX3-95" fmla="*/ 7025054 w 9486900"/>
+              <a:gd name="connsiteY3-96" fmla="*/ 366376 h 1298360"/>
+              <a:gd name="connsiteX4-97" fmla="*/ 9486900 w 9486900"/>
+              <a:gd name="connsiteY4-98" fmla="*/ 375168 h 1298360"/>
+              <a:gd name="connsiteX5-99" fmla="*/ 9478108 w 9486900"/>
+              <a:gd name="connsiteY5-100" fmla="*/ 1280776 h 1298360"/>
+              <a:gd name="connsiteX6-101" fmla="*/ 7262446 w 9486900"/>
+              <a:gd name="connsiteY6-102" fmla="*/ 1271983 h 1298360"/>
+              <a:gd name="connsiteX7-103" fmla="*/ 4835769 w 9486900"/>
+              <a:gd name="connsiteY7-104" fmla="*/ 1298360 h 1298360"/>
+              <a:gd name="connsiteX8-105" fmla="*/ 2760785 w 9486900"/>
+              <a:gd name="connsiteY8-106" fmla="*/ 1289568 h 1298360"/>
+              <a:gd name="connsiteX9-107" fmla="*/ 0 w 9486900"/>
+              <a:gd name="connsiteY9-108" fmla="*/ 1245606 h 1298360"/>
+              <a:gd name="connsiteX10-109" fmla="*/ 17585 w 9486900"/>
+              <a:gd name="connsiteY10-110" fmla="*/ 375168 h 1298360"/>
+              <a:gd name="connsiteX0-111" fmla="*/ 17585 w 9486900"/>
+              <a:gd name="connsiteY0-112" fmla="*/ 375168 h 1298360"/>
+              <a:gd name="connsiteX1-113" fmla="*/ 2004646 w 9486900"/>
+              <a:gd name="connsiteY1-114" fmla="*/ 392752 h 1298360"/>
+              <a:gd name="connsiteX2-115" fmla="*/ 4466492 w 9486900"/>
+              <a:gd name="connsiteY2-116" fmla="*/ 401545 h 1298360"/>
+              <a:gd name="connsiteX3-117" fmla="*/ 7025054 w 9486900"/>
+              <a:gd name="connsiteY3-118" fmla="*/ 366376 h 1298360"/>
+              <a:gd name="connsiteX4-119" fmla="*/ 9486900 w 9486900"/>
+              <a:gd name="connsiteY4-120" fmla="*/ 375168 h 1298360"/>
+              <a:gd name="connsiteX5-121" fmla="*/ 9478108 w 9486900"/>
+              <a:gd name="connsiteY5-122" fmla="*/ 1280776 h 1298360"/>
+              <a:gd name="connsiteX6-123" fmla="*/ 7262446 w 9486900"/>
+              <a:gd name="connsiteY6-124" fmla="*/ 1271983 h 1298360"/>
+              <a:gd name="connsiteX7-125" fmla="*/ 4835769 w 9486900"/>
+              <a:gd name="connsiteY7-126" fmla="*/ 1298360 h 1298360"/>
+              <a:gd name="connsiteX8-127" fmla="*/ 2760785 w 9486900"/>
+              <a:gd name="connsiteY8-128" fmla="*/ 1289568 h 1298360"/>
+              <a:gd name="connsiteX9-129" fmla="*/ 0 w 9486900"/>
+              <a:gd name="connsiteY9-130" fmla="*/ 1245606 h 1298360"/>
+              <a:gd name="connsiteX10-131" fmla="*/ 17585 w 9486900"/>
+              <a:gd name="connsiteY10-132" fmla="*/ 375168 h 1298360"/>
+              <a:gd name="connsiteX0-133" fmla="*/ 17585 w 9486900"/>
+              <a:gd name="connsiteY0-134" fmla="*/ 375168 h 1298360"/>
+              <a:gd name="connsiteX1-135" fmla="*/ 2004646 w 9486900"/>
+              <a:gd name="connsiteY1-136" fmla="*/ 392752 h 1298360"/>
+              <a:gd name="connsiteX2-137" fmla="*/ 4466492 w 9486900"/>
+              <a:gd name="connsiteY2-138" fmla="*/ 401545 h 1298360"/>
+              <a:gd name="connsiteX3-139" fmla="*/ 7025054 w 9486900"/>
+              <a:gd name="connsiteY3-140" fmla="*/ 366376 h 1298360"/>
+              <a:gd name="connsiteX4-141" fmla="*/ 9486900 w 9486900"/>
+              <a:gd name="connsiteY4-142" fmla="*/ 375168 h 1298360"/>
+              <a:gd name="connsiteX5-143" fmla="*/ 9478108 w 9486900"/>
+              <a:gd name="connsiteY5-144" fmla="*/ 1280776 h 1298360"/>
+              <a:gd name="connsiteX6-145" fmla="*/ 7262446 w 9486900"/>
+              <a:gd name="connsiteY6-146" fmla="*/ 1271983 h 1298360"/>
+              <a:gd name="connsiteX7-147" fmla="*/ 4835769 w 9486900"/>
+              <a:gd name="connsiteY7-148" fmla="*/ 1298360 h 1298360"/>
+              <a:gd name="connsiteX8-149" fmla="*/ 2760785 w 9486900"/>
+              <a:gd name="connsiteY8-150" fmla="*/ 1289568 h 1298360"/>
+              <a:gd name="connsiteX9-151" fmla="*/ 0 w 9486900"/>
+              <a:gd name="connsiteY9-152" fmla="*/ 1245606 h 1298360"/>
+              <a:gd name="connsiteX10-153" fmla="*/ 17585 w 9486900"/>
+              <a:gd name="connsiteY10-154" fmla="*/ 375168 h 1298360"/>
+              <a:gd name="connsiteX0-155" fmla="*/ 17585 w 9486900"/>
+              <a:gd name="connsiteY0-156" fmla="*/ 375168 h 1298360"/>
+              <a:gd name="connsiteX1-157" fmla="*/ 2004646 w 9486900"/>
+              <a:gd name="connsiteY1-158" fmla="*/ 392752 h 1298360"/>
+              <a:gd name="connsiteX2-159" fmla="*/ 4466492 w 9486900"/>
+              <a:gd name="connsiteY2-160" fmla="*/ 401545 h 1298360"/>
+              <a:gd name="connsiteX3-161" fmla="*/ 7025054 w 9486900"/>
+              <a:gd name="connsiteY3-162" fmla="*/ 366376 h 1298360"/>
+              <a:gd name="connsiteX4-163" fmla="*/ 9486900 w 9486900"/>
+              <a:gd name="connsiteY4-164" fmla="*/ 375168 h 1298360"/>
+              <a:gd name="connsiteX5-165" fmla="*/ 9478108 w 9486900"/>
+              <a:gd name="connsiteY5-166" fmla="*/ 1280776 h 1298360"/>
+              <a:gd name="connsiteX6-167" fmla="*/ 7262446 w 9486900"/>
+              <a:gd name="connsiteY6-168" fmla="*/ 1271983 h 1298360"/>
+              <a:gd name="connsiteX7-169" fmla="*/ 4835769 w 9486900"/>
+              <a:gd name="connsiteY7-170" fmla="*/ 1298360 h 1298360"/>
+              <a:gd name="connsiteX8-171" fmla="*/ 2760785 w 9486900"/>
+              <a:gd name="connsiteY8-172" fmla="*/ 1289568 h 1298360"/>
+              <a:gd name="connsiteX9-173" fmla="*/ 0 w 9486900"/>
+              <a:gd name="connsiteY9-174" fmla="*/ 1245606 h 1298360"/>
+              <a:gd name="connsiteX10-175" fmla="*/ 17585 w 9486900"/>
+              <a:gd name="connsiteY10-176" fmla="*/ 375168 h 1298360"/>
+              <a:gd name="connsiteX0-177" fmla="*/ 8792 w 9478107"/>
+              <a:gd name="connsiteY0-178" fmla="*/ 375168 h 1298360"/>
+              <a:gd name="connsiteX1-179" fmla="*/ 1995853 w 9478107"/>
+              <a:gd name="connsiteY1-180" fmla="*/ 392752 h 1298360"/>
+              <a:gd name="connsiteX2-181" fmla="*/ 4457699 w 9478107"/>
+              <a:gd name="connsiteY2-182" fmla="*/ 401545 h 1298360"/>
+              <a:gd name="connsiteX3-183" fmla="*/ 7016261 w 9478107"/>
+              <a:gd name="connsiteY3-184" fmla="*/ 366376 h 1298360"/>
+              <a:gd name="connsiteX4-185" fmla="*/ 9478107 w 9478107"/>
+              <a:gd name="connsiteY4-186" fmla="*/ 375168 h 1298360"/>
+              <a:gd name="connsiteX5-187" fmla="*/ 9469315 w 9478107"/>
+              <a:gd name="connsiteY5-188" fmla="*/ 1280776 h 1298360"/>
+              <a:gd name="connsiteX6-189" fmla="*/ 7253653 w 9478107"/>
+              <a:gd name="connsiteY6-190" fmla="*/ 1271983 h 1298360"/>
+              <a:gd name="connsiteX7-191" fmla="*/ 4826976 w 9478107"/>
+              <a:gd name="connsiteY7-192" fmla="*/ 1298360 h 1298360"/>
+              <a:gd name="connsiteX8-193" fmla="*/ 2751992 w 9478107"/>
+              <a:gd name="connsiteY8-194" fmla="*/ 1289568 h 1298360"/>
+              <a:gd name="connsiteX9-195" fmla="*/ 0 w 9478107"/>
+              <a:gd name="connsiteY9-196" fmla="*/ 1236814 h 1298360"/>
+              <a:gd name="connsiteX10-197" fmla="*/ 8792 w 9478107"/>
+              <a:gd name="connsiteY10-198" fmla="*/ 375168 h 1298360"/>
+              <a:gd name="connsiteX0-199" fmla="*/ 8792 w 9478107"/>
+              <a:gd name="connsiteY0-200" fmla="*/ 421112 h 1344304"/>
+              <a:gd name="connsiteX1-201" fmla="*/ 2057399 w 9478107"/>
+              <a:gd name="connsiteY1-202" fmla="*/ 377150 h 1344304"/>
+              <a:gd name="connsiteX2-203" fmla="*/ 4457699 w 9478107"/>
+              <a:gd name="connsiteY2-204" fmla="*/ 447489 h 1344304"/>
+              <a:gd name="connsiteX3-205" fmla="*/ 7016261 w 9478107"/>
+              <a:gd name="connsiteY3-206" fmla="*/ 412320 h 1344304"/>
+              <a:gd name="connsiteX4-207" fmla="*/ 9478107 w 9478107"/>
+              <a:gd name="connsiteY4-208" fmla="*/ 421112 h 1344304"/>
+              <a:gd name="connsiteX5-209" fmla="*/ 9469315 w 9478107"/>
+              <a:gd name="connsiteY5-210" fmla="*/ 1326720 h 1344304"/>
+              <a:gd name="connsiteX6-211" fmla="*/ 7253653 w 9478107"/>
+              <a:gd name="connsiteY6-212" fmla="*/ 1317927 h 1344304"/>
+              <a:gd name="connsiteX7-213" fmla="*/ 4826976 w 9478107"/>
+              <a:gd name="connsiteY7-214" fmla="*/ 1344304 h 1344304"/>
+              <a:gd name="connsiteX8-215" fmla="*/ 2751992 w 9478107"/>
+              <a:gd name="connsiteY8-216" fmla="*/ 1335512 h 1344304"/>
+              <a:gd name="connsiteX9-217" fmla="*/ 0 w 9478107"/>
+              <a:gd name="connsiteY9-218" fmla="*/ 1282758 h 1344304"/>
+              <a:gd name="connsiteX10-219" fmla="*/ 8792 w 9478107"/>
+              <a:gd name="connsiteY10-220" fmla="*/ 421112 h 1344304"/>
+              <a:gd name="connsiteX0-221" fmla="*/ 8792 w 9478107"/>
+              <a:gd name="connsiteY0-222" fmla="*/ 350485 h 1273677"/>
+              <a:gd name="connsiteX1-223" fmla="*/ 2057399 w 9478107"/>
+              <a:gd name="connsiteY1-224" fmla="*/ 306523 h 1273677"/>
+              <a:gd name="connsiteX2-225" fmla="*/ 4457699 w 9478107"/>
+              <a:gd name="connsiteY2-226" fmla="*/ 376862 h 1273677"/>
+              <a:gd name="connsiteX3-227" fmla="*/ 7016261 w 9478107"/>
+              <a:gd name="connsiteY3-228" fmla="*/ 341693 h 1273677"/>
+              <a:gd name="connsiteX4-229" fmla="*/ 9478107 w 9478107"/>
+              <a:gd name="connsiteY4-230" fmla="*/ 350485 h 1273677"/>
+              <a:gd name="connsiteX5-231" fmla="*/ 9469315 w 9478107"/>
+              <a:gd name="connsiteY5-232" fmla="*/ 1256093 h 1273677"/>
+              <a:gd name="connsiteX6-233" fmla="*/ 7253653 w 9478107"/>
+              <a:gd name="connsiteY6-234" fmla="*/ 1247300 h 1273677"/>
+              <a:gd name="connsiteX7-235" fmla="*/ 4826976 w 9478107"/>
+              <a:gd name="connsiteY7-236" fmla="*/ 1273677 h 1273677"/>
+              <a:gd name="connsiteX8-237" fmla="*/ 2751992 w 9478107"/>
+              <a:gd name="connsiteY8-238" fmla="*/ 1264885 h 1273677"/>
+              <a:gd name="connsiteX9-239" fmla="*/ 0 w 9478107"/>
+              <a:gd name="connsiteY9-240" fmla="*/ 1212131 h 1273677"/>
+              <a:gd name="connsiteX10-241" fmla="*/ 8792 w 9478107"/>
+              <a:gd name="connsiteY10-242" fmla="*/ 350485 h 1273677"/>
+              <a:gd name="connsiteX0-243" fmla="*/ 8792 w 9478107"/>
+              <a:gd name="connsiteY0-244" fmla="*/ 350485 h 1273677"/>
+              <a:gd name="connsiteX1-245" fmla="*/ 2057399 w 9478107"/>
+              <a:gd name="connsiteY1-246" fmla="*/ 306523 h 1273677"/>
+              <a:gd name="connsiteX2-247" fmla="*/ 4457699 w 9478107"/>
+              <a:gd name="connsiteY2-248" fmla="*/ 376862 h 1273677"/>
+              <a:gd name="connsiteX3-249" fmla="*/ 7016261 w 9478107"/>
+              <a:gd name="connsiteY3-250" fmla="*/ 341693 h 1273677"/>
+              <a:gd name="connsiteX4-251" fmla="*/ 9478107 w 9478107"/>
+              <a:gd name="connsiteY4-252" fmla="*/ 350485 h 1273677"/>
+              <a:gd name="connsiteX5-253" fmla="*/ 9469315 w 9478107"/>
+              <a:gd name="connsiteY5-254" fmla="*/ 1256093 h 1273677"/>
+              <a:gd name="connsiteX6-255" fmla="*/ 7253653 w 9478107"/>
+              <a:gd name="connsiteY6-256" fmla="*/ 1247300 h 1273677"/>
+              <a:gd name="connsiteX7-257" fmla="*/ 4826976 w 9478107"/>
+              <a:gd name="connsiteY7-258" fmla="*/ 1273677 h 1273677"/>
+              <a:gd name="connsiteX8-259" fmla="*/ 2751992 w 9478107"/>
+              <a:gd name="connsiteY8-260" fmla="*/ 1264885 h 1273677"/>
+              <a:gd name="connsiteX9-261" fmla="*/ 0 w 9478107"/>
+              <a:gd name="connsiteY9-262" fmla="*/ 1212131 h 1273677"/>
+              <a:gd name="connsiteX10-263" fmla="*/ 8792 w 9478107"/>
+              <a:gd name="connsiteY10-264" fmla="*/ 350485 h 1273677"/>
+            </a:gdLst>
+            <a:ahLst/>
+            <a:cxnLst>
+              <a:cxn ang="0">
+                <a:pos x="connsiteX0-1" y="connsiteY0-2"/>
+              </a:cxn>
+              <a:cxn ang="0">
+                <a:pos x="connsiteX1-3" y="connsiteY1-4"/>
+              </a:cxn>
+              <a:cxn ang="0">
+                <a:pos x="connsiteX2-5" y="connsiteY2-6"/>
+              </a:cxn>
+              <a:cxn ang="0">
+                <a:pos x="connsiteX3-7" y="connsiteY3-8"/>
+              </a:cxn>
+              <a:cxn ang="0">
+                <a:pos x="connsiteX4-9" y="connsiteY4-10"/>
+              </a:cxn>
+              <a:cxn ang="0">
+                <a:pos x="connsiteX5-11" y="connsiteY5-12"/>
+              </a:cxn>
+              <a:cxn ang="0">
+                <a:pos x="connsiteX6-13" y="connsiteY6-14"/>
+              </a:cxn>
+              <a:cxn ang="0">
+                <a:pos x="connsiteX7-15" y="connsiteY7-16"/>
+              </a:cxn>
+              <a:cxn ang="0">
+                <a:pos x="connsiteX8-17" y="connsiteY8-18"/>
+              </a:cxn>
+              <a:cxn ang="0">
+                <a:pos x="connsiteX9-19" y="connsiteY9-20"/>
+              </a:cxn>
+              <a:cxn ang="0">
+                <a:pos x="connsiteX10-21" y="connsiteY10-22"/>
+              </a:cxn>
+            </a:cxnLst>
+            <a:rect l="l" t="t" r="r" b="b"/>
+            <a:pathLst>
+              <a:path w="9478107" h="1273677">
+                <a:moveTo>
+                  <a:pt x="8792" y="350485"/>
+                </a:moveTo>
+                <a:cubicBezTo>
+                  <a:pt x="671146" y="356346"/>
+                  <a:pt x="973014" y="-402723"/>
+                  <a:pt x="2057399" y="306523"/>
+                </a:cubicBezTo>
+                <a:cubicBezTo>
+                  <a:pt x="3282459" y="1004046"/>
+                  <a:pt x="3979984" y="611323"/>
+                  <a:pt x="4457699" y="376862"/>
+                </a:cubicBezTo>
+                <a:cubicBezTo>
+                  <a:pt x="5723792" y="-223945"/>
+                  <a:pt x="6216161" y="-7069"/>
+                  <a:pt x="7016261" y="341693"/>
+                </a:cubicBezTo>
+                <a:cubicBezTo>
+                  <a:pt x="8672145" y="977671"/>
+                  <a:pt x="8657492" y="347554"/>
+                  <a:pt x="9478107" y="350485"/>
+                </a:cubicBezTo>
+                <a:cubicBezTo>
+                  <a:pt x="9475176" y="652354"/>
+                  <a:pt x="9472246" y="954224"/>
+                  <a:pt x="9469315" y="1256093"/>
+                </a:cubicBezTo>
+                <a:lnTo>
+                  <a:pt x="7253653" y="1247300"/>
+                </a:lnTo>
+                <a:lnTo>
+                  <a:pt x="4826976" y="1273677"/>
+                </a:lnTo>
+                <a:lnTo>
+                  <a:pt x="2751992" y="1264885"/>
+                </a:lnTo>
+                <a:lnTo>
+                  <a:pt x="0" y="1212131"/>
+                </a:lnTo>
+                <a:cubicBezTo>
+                  <a:pt x="2931" y="927846"/>
+                  <a:pt x="-2932" y="652354"/>
+                  <a:pt x="8792" y="350485"/>
+                </a:cubicBezTo>
+                <a:close/>
+              </a:path>
+            </a:pathLst>
+          </a:custGeom>
+          <a:gradFill>
+            <a:gsLst>
+              <a:gs pos="0">
+                <a:schemeClr val="accent1">
+                  <a:lumMod val="5000"/>
+                  <a:lumOff val="95000"/>
+                </a:schemeClr>
+              </a:gs>
+              <a:gs pos="74000">
+                <a:schemeClr val="accent1">
+                  <a:lumMod val="45000"/>
+                  <a:lumOff val="55000"/>
+                </a:schemeClr>
+              </a:gs>
+              <a:gs pos="83000">
+                <a:schemeClr val="accent1">
+                  <a:lumMod val="45000"/>
+                  <a:lumOff val="55000"/>
+                </a:schemeClr>
+              </a:gs>
+              <a:gs pos="100000">
+                <a:schemeClr val="accent1">
+                  <a:lumMod val="30000"/>
+                  <a:lumOff val="70000"/>
+                </a:schemeClr>
+              </a:gs>
+            </a:gsLst>
+            <a:lin ang="5400000" scaled="1"/>
+          </a:gradFill>
+          <a:ln>
+            <a:noFill/>
+          </a:ln>
+          <a:effectLst>
+            <a:glow>
+              <a:srgbClr val="FFFF00"/>
+            </a:glow>
+            <a:outerShdw algn="ctr" rotWithShape="0">
+              <a:schemeClr val="tx1"/>
+            </a:outerShdw>
+          </a:effectLst>
+          <a:scene3d>
+            <a:camera prst="orthographicFront"/>
+            <a:lightRig rig="threePt" dir="t"/>
+          </a:scene3d>
+          <a:sp3d>
+            <a:bevelT w="0"/>
+          </a:sp3d>
+        </p:spPr>
+        <p:style>
+          <a:lnRef idx="2">
+            <a:schemeClr val="accent1">
+              <a:shade val="15000"/>
+            </a:schemeClr>
+          </a:lnRef>
+          <a:fillRef idx="1">
+            <a:schemeClr val="accent1"/>
+          </a:fillRef>
+          <a:effectRef idx="0">
+            <a:schemeClr val="accent1"/>
+          </a:effectRef>
+          <a:fontRef idx="minor">
+            <a:schemeClr val="lt1"/>
+          </a:fontRef>
+        </p:style>
+        <p:txBody>
+          <a:bodyPr rtlCol="0" anchor="ctr"/>
+          <a:lstStyle/>
+          <a:p>
+            <a:pPr algn="ctr"/>
+            <a:endParaRPr lang="en-GB"/>
+          </a:p>
+        </p:txBody>
+      </p:sp>
+      <p:sp>
+        <p:nvSpPr>
           <p:cNvPr id="9" name="Free-form: Shape 13"/>
           <p:cNvSpPr/>
           <p:nvPr/>
@@ -7466,145 +10764,6 @@
       </p:sp>
       <p:sp>
         <p:nvSpPr>
-          <p:cNvPr id="19" name="TextBox 18"/>
-          <p:cNvSpPr txBox="1"/>
-          <p:nvPr/>
-        </p:nvSpPr>
-        <p:spPr>
-          <a:xfrm>
-            <a:off x="342900" y="1609971"/>
-            <a:ext cx="11218984" cy="4385816"/>
-          </a:xfrm>
-          <a:prstGeom prst="rect">
-            <a:avLst/>
-          </a:prstGeom>
-          <a:noFill/>
-        </p:spPr>
-        <p:txBody>
-          <a:bodyPr wrap="square" rtlCol="0">
-            <a:spAutoFit/>
-          </a:bodyPr>
-          <a:lstStyle/>
-          <a:p>
-            <a:pPr marL="342900" indent="-342900">
-              <a:lnSpc>
-                <a:spcPct val="150000"/>
-              </a:lnSpc>
-              <a:buFont typeface="Arial" panose="020B0604020202020204" pitchFamily="34" charset="0"/>
-              <a:buChar char="•"/>
-            </a:pPr>
-            <a:r>
-              <a:rPr lang="en-US" sz="2800" b="1" dirty="0" smtClean="0">
-                <a:cs typeface="+mj-cs"/>
-              </a:rPr>
-              <a:t>Introduction</a:t>
-            </a:r>
-            <a:endParaRPr lang="en-US" sz="2800" b="1" dirty="0">
-              <a:cs typeface="+mj-cs"/>
-            </a:endParaRPr>
-          </a:p>
-          <a:p>
-            <a:pPr marL="285750" indent="-285750">
-              <a:lnSpc>
-                <a:spcPct val="150000"/>
-              </a:lnSpc>
-              <a:buFont typeface="Arial" panose="020B0604020202020204" pitchFamily="34" charset="0"/>
-              <a:buChar char="•"/>
-            </a:pPr>
-            <a:r>
-              <a:rPr lang="en-US" sz="2000" dirty="0">
-                <a:cs typeface="+mj-cs"/>
-              </a:rPr>
-              <a:t>Syria has diverse climate zones: Mediterranean coast, desert, and mountains.</a:t>
-            </a:r>
-          </a:p>
-          <a:p>
-            <a:pPr marL="342900" indent="-342900">
-              <a:lnSpc>
-                <a:spcPct val="150000"/>
-              </a:lnSpc>
-              <a:buFont typeface="Arial" panose="020B0604020202020204" pitchFamily="34" charset="0"/>
-              <a:buChar char="•"/>
-            </a:pPr>
-            <a:r>
-              <a:rPr lang="en-US" sz="2000" dirty="0">
-                <a:cs typeface="+mj-cs"/>
-              </a:rPr>
-              <a:t>Coastal: hot dry summers, mild wet winters</a:t>
-            </a:r>
-            <a:r>
-              <a:rPr lang="en-US" sz="2000" dirty="0" smtClean="0">
-                <a:cs typeface="+mj-cs"/>
-              </a:rPr>
-              <a:t>.</a:t>
-            </a:r>
-          </a:p>
-          <a:p>
-            <a:pPr marL="342900" indent="-342900">
-              <a:lnSpc>
-                <a:spcPct val="150000"/>
-              </a:lnSpc>
-              <a:buFont typeface="Arial" panose="020B0604020202020204" pitchFamily="34" charset="0"/>
-              <a:buChar char="•"/>
-            </a:pPr>
-            <a:r>
-              <a:rPr lang="en-US" sz="2000" dirty="0">
-                <a:cs typeface="+mj-cs"/>
-              </a:rPr>
-              <a:t>Inland deserts: extreme heat in summer, cold winters, large variations</a:t>
-            </a:r>
-            <a:r>
-              <a:rPr lang="en-US" sz="2000" dirty="0" smtClean="0">
-                <a:cs typeface="+mj-cs"/>
-              </a:rPr>
-              <a:t>.</a:t>
-            </a:r>
-          </a:p>
-          <a:p>
-            <a:pPr marL="342900" indent="-342900">
-              <a:lnSpc>
-                <a:spcPct val="150000"/>
-              </a:lnSpc>
-              <a:buFont typeface="Arial" panose="020B0604020202020204" pitchFamily="34" charset="0"/>
-              <a:buChar char="•"/>
-            </a:pPr>
-            <a:r>
-              <a:rPr lang="en-US" sz="2000" dirty="0">
-                <a:cs typeface="+mj-cs"/>
-              </a:rPr>
-              <a:t>High solar potential &amp; moderate wind resources.</a:t>
-            </a:r>
-          </a:p>
-          <a:p>
-            <a:pPr marL="342900" indent="-342900">
-              <a:lnSpc>
-                <a:spcPct val="150000"/>
-              </a:lnSpc>
-              <a:buFont typeface="Arial" panose="020B0604020202020204" pitchFamily="34" charset="0"/>
-              <a:buChar char="•"/>
-            </a:pPr>
-            <a:r>
-              <a:rPr lang="en-US" sz="2000" dirty="0">
-                <a:cs typeface="+mj-cs"/>
-              </a:rPr>
-              <a:t>Climate strongly affects performance &amp; lifetime of storage systems.</a:t>
-            </a:r>
-            <a:r>
-              <a:rPr lang="en-US" dirty="0" smtClean="0"/>
-              <a:t/>
-            </a:r>
-            <a:br>
-              <a:rPr lang="en-US" dirty="0" smtClean="0"/>
-            </a:br>
-            <a:endParaRPr lang="it-IT" dirty="0">
-              <a:latin typeface="Times New Roman" panose="02020603050405020304" pitchFamily="18" charset="0"/>
-              <a:cs typeface="Times New Roman" panose="02020603050405020304" pitchFamily="18" charset="0"/>
-            </a:endParaRPr>
-          </a:p>
-        </p:txBody>
-      </p:sp>
-      <p:sp>
-        <p:nvSpPr>
           <p:cNvPr id="5" name="Slide Number Placeholder 5"/>
           <p:cNvSpPr>
             <a:spLocks noGrp="1"/>
@@ -7616,7 +10775,7 @@
         <p:spPr>
           <a:xfrm>
             <a:off x="5952392" y="6513969"/>
-            <a:ext cx="287215" cy="365125"/>
+            <a:ext cx="401274" cy="365125"/>
           </a:xfrm>
         </p:spPr>
         <p:txBody>
@@ -7629,7 +10788,7 @@
                   <a:schemeClr val="bg1"/>
                 </a:solidFill>
               </a:rPr>
-              <a:t>1</a:t>
+              <a:t>10</a:t>
             </a:fld>
             <a:endParaRPr lang="en-GB" sz="1400" dirty="0">
               <a:solidFill>
@@ -7651,8 +10810,8 @@
         </p:nvSpPr>
         <p:spPr>
           <a:xfrm>
-            <a:off x="484418" y="1160559"/>
-            <a:ext cx="7982574" cy="55021"/>
+            <a:off x="197151" y="1613002"/>
+            <a:ext cx="7982574" cy="159085"/>
           </a:xfrm>
         </p:spPr>
         <p:txBody>
@@ -7663,22 +10822,21 @@
           <a:p>
             <a:r>
               <a:rPr lang="en-US" dirty="0"/>
-              <a:t>Impact of Syrian Climate on Energy Storage Systems</a:t>
+              <a:t>References</a:t>
             </a:r>
             <a:br>
               <a:rPr lang="en-US" dirty="0"/>
             </a:br>
-            <a:r>
-              <a:rPr lang="de-DE" dirty="0" smtClean="0"/>
-              <a:t/>
-            </a:r>
             <a:br>
-              <a:rPr lang="de-DE" dirty="0" smtClean="0"/>
+              <a:rPr lang="de-DE" dirty="0"/>
             </a:br>
-            <a:endParaRPr lang="de-DE" b="1" dirty="0">
-              <a:latin typeface="Times New Roman" panose="02020603050405020304" pitchFamily="18" charset="0"/>
-              <a:cs typeface="Times New Roman" panose="02020603050405020304" pitchFamily="18" charset="0"/>
-            </a:endParaRPr>
+            <a:br>
+              <a:rPr lang="de-DE" kern="100" dirty="0">
+                <a:ea typeface="Aptos" panose="020B0004020202020204" pitchFamily="34" charset="0"/>
+                <a:cs typeface="Arial" panose="020B0604020202020204" pitchFamily="34" charset="0"/>
+              </a:rPr>
+            </a:br>
+            <a:endParaRPr lang="de-DE" dirty="0"/>
           </a:p>
         </p:txBody>
       </p:sp>
@@ -7717,18 +10875,80 @@
           </a:fontRef>
         </p:style>
       </p:cxnSp>
+      <p:sp>
+        <p:nvSpPr>
+          <p:cNvPr id="4" name="TextBox 3"/>
+          <p:cNvSpPr txBox="1"/>
+          <p:nvPr/>
+        </p:nvSpPr>
+        <p:spPr>
+          <a:xfrm>
+            <a:off x="289932" y="1404226"/>
+            <a:ext cx="11541512" cy="5124480"/>
+          </a:xfrm>
+          <a:prstGeom prst="rect">
+            <a:avLst/>
+          </a:prstGeom>
+          <a:noFill/>
+        </p:spPr>
+        <p:txBody>
+          <a:bodyPr wrap="square" rtlCol="0">
+            <a:spAutoFit/>
+          </a:bodyPr>
+          <a:lstStyle/>
+          <a:p>
+            <a:br>
+              <a:rPr lang="en-US" sz="1100" b="1" dirty="0"/>
+            </a:br>
+            <a:r>
+              <a:rPr lang="en-US" sz="3600" dirty="0"/>
+              <a:t>• IRENA – Renewable Energy &amp; Storage Reports.</a:t>
+            </a:r>
+          </a:p>
+          <a:p>
+            <a:r>
+              <a:rPr lang="en-US" sz="3600" dirty="0"/>
+              <a:t>• World Bank Climate Data (Syria).</a:t>
+            </a:r>
+          </a:p>
+          <a:p>
+            <a:r>
+              <a:rPr lang="en-US" sz="3600" dirty="0"/>
+              <a:t>• UN ESCWA – Energy in the Arab Region.</a:t>
+            </a:r>
+          </a:p>
+          <a:p>
+            <a:r>
+              <a:rPr lang="en-US" sz="3600" dirty="0"/>
+              <a:t>• Academic studies on Syrian solar potential.</a:t>
+            </a:r>
+          </a:p>
+          <a:p>
+            <a:pPr>
+              <a:lnSpc>
+                <a:spcPct val="200000"/>
+              </a:lnSpc>
+            </a:pPr>
+            <a:endParaRPr lang="en-US" sz="3200" dirty="0"/>
+          </a:p>
+          <a:p>
+            <a:endParaRPr lang="en-US" dirty="0"/>
+          </a:p>
+          <a:p>
+            <a:endParaRPr lang="en-US" dirty="0"/>
+          </a:p>
+        </p:txBody>
+      </p:sp>
     </p:spTree>
+    <p:extLst>
+      <p:ext uri="{BB962C8B-B14F-4D97-AF65-F5344CB8AC3E}">
+        <p14:creationId xmlns:p14="http://schemas.microsoft.com/office/powerpoint/2010/main" val="2875405992"/>
+      </p:ext>
+    </p:extLst>
   </p:cSld>
   <p:clrMapOvr>
     <a:masterClrMapping/>
   </p:clrMapOvr>
-  <p:timing>
-    <p:tnLst>
-      <p:par>
-        <p:cTn id="1" dur="indefinite" restart="never" nodeType="tmRoot"/>
-      </p:par>
-    </p:tnLst>
-  </p:timing>
 </p:sld>
 </file>
 
@@ -8473,468 +11693,6 @@
       </p:sp>
       <p:sp>
         <p:nvSpPr>
-          <p:cNvPr id="10" name="Free-form: Shape 13"/>
-          <p:cNvSpPr/>
-          <p:nvPr/>
-        </p:nvSpPr>
-        <p:spPr>
-          <a:xfrm rot="10800000">
-            <a:off x="-2090" y="-10376"/>
-            <a:ext cx="12192000" cy="898826"/>
-          </a:xfrm>
-          <a:custGeom>
-            <a:avLst/>
-            <a:gdLst>
-              <a:gd name="connsiteX0" fmla="*/ 17585 w 9486900"/>
-              <a:gd name="connsiteY0" fmla="*/ 8792 h 931984"/>
-              <a:gd name="connsiteX1" fmla="*/ 2004646 w 9486900"/>
-              <a:gd name="connsiteY1" fmla="*/ 26376 h 931984"/>
-              <a:gd name="connsiteX2" fmla="*/ 4466492 w 9486900"/>
-              <a:gd name="connsiteY2" fmla="*/ 35169 h 931984"/>
-              <a:gd name="connsiteX3" fmla="*/ 7025054 w 9486900"/>
-              <a:gd name="connsiteY3" fmla="*/ 0 h 931984"/>
-              <a:gd name="connsiteX4" fmla="*/ 9486900 w 9486900"/>
-              <a:gd name="connsiteY4" fmla="*/ 8792 h 931984"/>
-              <a:gd name="connsiteX5" fmla="*/ 9478108 w 9486900"/>
-              <a:gd name="connsiteY5" fmla="*/ 914400 h 931984"/>
-              <a:gd name="connsiteX6" fmla="*/ 7262446 w 9486900"/>
-              <a:gd name="connsiteY6" fmla="*/ 905607 h 931984"/>
-              <a:gd name="connsiteX7" fmla="*/ 4835769 w 9486900"/>
-              <a:gd name="connsiteY7" fmla="*/ 931984 h 931984"/>
-              <a:gd name="connsiteX8" fmla="*/ 2760785 w 9486900"/>
-              <a:gd name="connsiteY8" fmla="*/ 923192 h 931984"/>
-              <a:gd name="connsiteX9" fmla="*/ 0 w 9486900"/>
-              <a:gd name="connsiteY9" fmla="*/ 879230 h 931984"/>
-              <a:gd name="connsiteX10" fmla="*/ 17585 w 9486900"/>
-              <a:gd name="connsiteY10" fmla="*/ 8792 h 931984"/>
-              <a:gd name="connsiteX0-1" fmla="*/ 17585 w 9486900"/>
-              <a:gd name="connsiteY0-2" fmla="*/ 168095 h 1091287"/>
-              <a:gd name="connsiteX1-3" fmla="*/ 2004646 w 9486900"/>
-              <a:gd name="connsiteY1-4" fmla="*/ 185679 h 1091287"/>
-              <a:gd name="connsiteX2-5" fmla="*/ 4466492 w 9486900"/>
-              <a:gd name="connsiteY2-6" fmla="*/ 194472 h 1091287"/>
-              <a:gd name="connsiteX3-7" fmla="*/ 7025054 w 9486900"/>
-              <a:gd name="connsiteY3-8" fmla="*/ 159303 h 1091287"/>
-              <a:gd name="connsiteX4-9" fmla="*/ 9486900 w 9486900"/>
-              <a:gd name="connsiteY4-10" fmla="*/ 168095 h 1091287"/>
-              <a:gd name="connsiteX5-11" fmla="*/ 9478108 w 9486900"/>
-              <a:gd name="connsiteY5-12" fmla="*/ 1073703 h 1091287"/>
-              <a:gd name="connsiteX6-13" fmla="*/ 7262446 w 9486900"/>
-              <a:gd name="connsiteY6-14" fmla="*/ 1064910 h 1091287"/>
-              <a:gd name="connsiteX7-15" fmla="*/ 4835769 w 9486900"/>
-              <a:gd name="connsiteY7-16" fmla="*/ 1091287 h 1091287"/>
-              <a:gd name="connsiteX8-17" fmla="*/ 2760785 w 9486900"/>
-              <a:gd name="connsiteY8-18" fmla="*/ 1082495 h 1091287"/>
-              <a:gd name="connsiteX9-19" fmla="*/ 0 w 9486900"/>
-              <a:gd name="connsiteY9-20" fmla="*/ 1038533 h 1091287"/>
-              <a:gd name="connsiteX10-21" fmla="*/ 17585 w 9486900"/>
-              <a:gd name="connsiteY10-22" fmla="*/ 168095 h 1091287"/>
-              <a:gd name="connsiteX0-23" fmla="*/ 17585 w 9486900"/>
-              <a:gd name="connsiteY0-24" fmla="*/ 234508 h 1157700"/>
-              <a:gd name="connsiteX1-25" fmla="*/ 2004646 w 9486900"/>
-              <a:gd name="connsiteY1-26" fmla="*/ 252092 h 1157700"/>
-              <a:gd name="connsiteX2-27" fmla="*/ 4466492 w 9486900"/>
-              <a:gd name="connsiteY2-28" fmla="*/ 260885 h 1157700"/>
-              <a:gd name="connsiteX3-29" fmla="*/ 7025054 w 9486900"/>
-              <a:gd name="connsiteY3-30" fmla="*/ 225716 h 1157700"/>
-              <a:gd name="connsiteX4-31" fmla="*/ 9486900 w 9486900"/>
-              <a:gd name="connsiteY4-32" fmla="*/ 234508 h 1157700"/>
-              <a:gd name="connsiteX5-33" fmla="*/ 9478108 w 9486900"/>
-              <a:gd name="connsiteY5-34" fmla="*/ 1140116 h 1157700"/>
-              <a:gd name="connsiteX6-35" fmla="*/ 7262446 w 9486900"/>
-              <a:gd name="connsiteY6-36" fmla="*/ 1131323 h 1157700"/>
-              <a:gd name="connsiteX7-37" fmla="*/ 4835769 w 9486900"/>
-              <a:gd name="connsiteY7-38" fmla="*/ 1157700 h 1157700"/>
-              <a:gd name="connsiteX8-39" fmla="*/ 2760785 w 9486900"/>
-              <a:gd name="connsiteY8-40" fmla="*/ 1148908 h 1157700"/>
-              <a:gd name="connsiteX9-41" fmla="*/ 0 w 9486900"/>
-              <a:gd name="connsiteY9-42" fmla="*/ 1104946 h 1157700"/>
-              <a:gd name="connsiteX10-43" fmla="*/ 17585 w 9486900"/>
-              <a:gd name="connsiteY10-44" fmla="*/ 234508 h 1157700"/>
-              <a:gd name="connsiteX0-45" fmla="*/ 17585 w 9486900"/>
-              <a:gd name="connsiteY0-46" fmla="*/ 375168 h 1298360"/>
-              <a:gd name="connsiteX1-47" fmla="*/ 2004646 w 9486900"/>
-              <a:gd name="connsiteY1-48" fmla="*/ 392752 h 1298360"/>
-              <a:gd name="connsiteX2-49" fmla="*/ 4466492 w 9486900"/>
-              <a:gd name="connsiteY2-50" fmla="*/ 401545 h 1298360"/>
-              <a:gd name="connsiteX3-51" fmla="*/ 7025054 w 9486900"/>
-              <a:gd name="connsiteY3-52" fmla="*/ 366376 h 1298360"/>
-              <a:gd name="connsiteX4-53" fmla="*/ 9486900 w 9486900"/>
-              <a:gd name="connsiteY4-54" fmla="*/ 375168 h 1298360"/>
-              <a:gd name="connsiteX5-55" fmla="*/ 9478108 w 9486900"/>
-              <a:gd name="connsiteY5-56" fmla="*/ 1280776 h 1298360"/>
-              <a:gd name="connsiteX6-57" fmla="*/ 7262446 w 9486900"/>
-              <a:gd name="connsiteY6-58" fmla="*/ 1271983 h 1298360"/>
-              <a:gd name="connsiteX7-59" fmla="*/ 4835769 w 9486900"/>
-              <a:gd name="connsiteY7-60" fmla="*/ 1298360 h 1298360"/>
-              <a:gd name="connsiteX8-61" fmla="*/ 2760785 w 9486900"/>
-              <a:gd name="connsiteY8-62" fmla="*/ 1289568 h 1298360"/>
-              <a:gd name="connsiteX9-63" fmla="*/ 0 w 9486900"/>
-              <a:gd name="connsiteY9-64" fmla="*/ 1245606 h 1298360"/>
-              <a:gd name="connsiteX10-65" fmla="*/ 17585 w 9486900"/>
-              <a:gd name="connsiteY10-66" fmla="*/ 375168 h 1298360"/>
-              <a:gd name="connsiteX0-67" fmla="*/ 17585 w 9486900"/>
-              <a:gd name="connsiteY0-68" fmla="*/ 375168 h 1298360"/>
-              <a:gd name="connsiteX1-69" fmla="*/ 2004646 w 9486900"/>
-              <a:gd name="connsiteY1-70" fmla="*/ 392752 h 1298360"/>
-              <a:gd name="connsiteX2-71" fmla="*/ 4466492 w 9486900"/>
-              <a:gd name="connsiteY2-72" fmla="*/ 401545 h 1298360"/>
-              <a:gd name="connsiteX3-73" fmla="*/ 7025054 w 9486900"/>
-              <a:gd name="connsiteY3-74" fmla="*/ 366376 h 1298360"/>
-              <a:gd name="connsiteX4-75" fmla="*/ 9486900 w 9486900"/>
-              <a:gd name="connsiteY4-76" fmla="*/ 375168 h 1298360"/>
-              <a:gd name="connsiteX5-77" fmla="*/ 9478108 w 9486900"/>
-              <a:gd name="connsiteY5-78" fmla="*/ 1280776 h 1298360"/>
-              <a:gd name="connsiteX6-79" fmla="*/ 7262446 w 9486900"/>
-              <a:gd name="connsiteY6-80" fmla="*/ 1271983 h 1298360"/>
-              <a:gd name="connsiteX7-81" fmla="*/ 4835769 w 9486900"/>
-              <a:gd name="connsiteY7-82" fmla="*/ 1298360 h 1298360"/>
-              <a:gd name="connsiteX8-83" fmla="*/ 2760785 w 9486900"/>
-              <a:gd name="connsiteY8-84" fmla="*/ 1289568 h 1298360"/>
-              <a:gd name="connsiteX9-85" fmla="*/ 0 w 9486900"/>
-              <a:gd name="connsiteY9-86" fmla="*/ 1245606 h 1298360"/>
-              <a:gd name="connsiteX10-87" fmla="*/ 17585 w 9486900"/>
-              <a:gd name="connsiteY10-88" fmla="*/ 375168 h 1298360"/>
-              <a:gd name="connsiteX0-89" fmla="*/ 17585 w 9486900"/>
-              <a:gd name="connsiteY0-90" fmla="*/ 375168 h 1298360"/>
-              <a:gd name="connsiteX1-91" fmla="*/ 2004646 w 9486900"/>
-              <a:gd name="connsiteY1-92" fmla="*/ 392752 h 1298360"/>
-              <a:gd name="connsiteX2-93" fmla="*/ 4466492 w 9486900"/>
-              <a:gd name="connsiteY2-94" fmla="*/ 401545 h 1298360"/>
-              <a:gd name="connsiteX3-95" fmla="*/ 7025054 w 9486900"/>
-              <a:gd name="connsiteY3-96" fmla="*/ 366376 h 1298360"/>
-              <a:gd name="connsiteX4-97" fmla="*/ 9486900 w 9486900"/>
-              <a:gd name="connsiteY4-98" fmla="*/ 375168 h 1298360"/>
-              <a:gd name="connsiteX5-99" fmla="*/ 9478108 w 9486900"/>
-              <a:gd name="connsiteY5-100" fmla="*/ 1280776 h 1298360"/>
-              <a:gd name="connsiteX6-101" fmla="*/ 7262446 w 9486900"/>
-              <a:gd name="connsiteY6-102" fmla="*/ 1271983 h 1298360"/>
-              <a:gd name="connsiteX7-103" fmla="*/ 4835769 w 9486900"/>
-              <a:gd name="connsiteY7-104" fmla="*/ 1298360 h 1298360"/>
-              <a:gd name="connsiteX8-105" fmla="*/ 2760785 w 9486900"/>
-              <a:gd name="connsiteY8-106" fmla="*/ 1289568 h 1298360"/>
-              <a:gd name="connsiteX9-107" fmla="*/ 0 w 9486900"/>
-              <a:gd name="connsiteY9-108" fmla="*/ 1245606 h 1298360"/>
-              <a:gd name="connsiteX10-109" fmla="*/ 17585 w 9486900"/>
-              <a:gd name="connsiteY10-110" fmla="*/ 375168 h 1298360"/>
-              <a:gd name="connsiteX0-111" fmla="*/ 17585 w 9486900"/>
-              <a:gd name="connsiteY0-112" fmla="*/ 375168 h 1298360"/>
-              <a:gd name="connsiteX1-113" fmla="*/ 2004646 w 9486900"/>
-              <a:gd name="connsiteY1-114" fmla="*/ 392752 h 1298360"/>
-              <a:gd name="connsiteX2-115" fmla="*/ 4466492 w 9486900"/>
-              <a:gd name="connsiteY2-116" fmla="*/ 401545 h 1298360"/>
-              <a:gd name="connsiteX3-117" fmla="*/ 7025054 w 9486900"/>
-              <a:gd name="connsiteY3-118" fmla="*/ 366376 h 1298360"/>
-              <a:gd name="connsiteX4-119" fmla="*/ 9486900 w 9486900"/>
-              <a:gd name="connsiteY4-120" fmla="*/ 375168 h 1298360"/>
-              <a:gd name="connsiteX5-121" fmla="*/ 9478108 w 9486900"/>
-              <a:gd name="connsiteY5-122" fmla="*/ 1280776 h 1298360"/>
-              <a:gd name="connsiteX6-123" fmla="*/ 7262446 w 9486900"/>
-              <a:gd name="connsiteY6-124" fmla="*/ 1271983 h 1298360"/>
-              <a:gd name="connsiteX7-125" fmla="*/ 4835769 w 9486900"/>
-              <a:gd name="connsiteY7-126" fmla="*/ 1298360 h 1298360"/>
-              <a:gd name="connsiteX8-127" fmla="*/ 2760785 w 9486900"/>
-              <a:gd name="connsiteY8-128" fmla="*/ 1289568 h 1298360"/>
-              <a:gd name="connsiteX9-129" fmla="*/ 0 w 9486900"/>
-              <a:gd name="connsiteY9-130" fmla="*/ 1245606 h 1298360"/>
-              <a:gd name="connsiteX10-131" fmla="*/ 17585 w 9486900"/>
-              <a:gd name="connsiteY10-132" fmla="*/ 375168 h 1298360"/>
-              <a:gd name="connsiteX0-133" fmla="*/ 17585 w 9486900"/>
-              <a:gd name="connsiteY0-134" fmla="*/ 375168 h 1298360"/>
-              <a:gd name="connsiteX1-135" fmla="*/ 2004646 w 9486900"/>
-              <a:gd name="connsiteY1-136" fmla="*/ 392752 h 1298360"/>
-              <a:gd name="connsiteX2-137" fmla="*/ 4466492 w 9486900"/>
-              <a:gd name="connsiteY2-138" fmla="*/ 401545 h 1298360"/>
-              <a:gd name="connsiteX3-139" fmla="*/ 7025054 w 9486900"/>
-              <a:gd name="connsiteY3-140" fmla="*/ 366376 h 1298360"/>
-              <a:gd name="connsiteX4-141" fmla="*/ 9486900 w 9486900"/>
-              <a:gd name="connsiteY4-142" fmla="*/ 375168 h 1298360"/>
-              <a:gd name="connsiteX5-143" fmla="*/ 9478108 w 9486900"/>
-              <a:gd name="connsiteY5-144" fmla="*/ 1280776 h 1298360"/>
-              <a:gd name="connsiteX6-145" fmla="*/ 7262446 w 9486900"/>
-              <a:gd name="connsiteY6-146" fmla="*/ 1271983 h 1298360"/>
-              <a:gd name="connsiteX7-147" fmla="*/ 4835769 w 9486900"/>
-              <a:gd name="connsiteY7-148" fmla="*/ 1298360 h 1298360"/>
-              <a:gd name="connsiteX8-149" fmla="*/ 2760785 w 9486900"/>
-              <a:gd name="connsiteY8-150" fmla="*/ 1289568 h 1298360"/>
-              <a:gd name="connsiteX9-151" fmla="*/ 0 w 9486900"/>
-              <a:gd name="connsiteY9-152" fmla="*/ 1245606 h 1298360"/>
-              <a:gd name="connsiteX10-153" fmla="*/ 17585 w 9486900"/>
-              <a:gd name="connsiteY10-154" fmla="*/ 375168 h 1298360"/>
-              <a:gd name="connsiteX0-155" fmla="*/ 17585 w 9486900"/>
-              <a:gd name="connsiteY0-156" fmla="*/ 375168 h 1298360"/>
-              <a:gd name="connsiteX1-157" fmla="*/ 2004646 w 9486900"/>
-              <a:gd name="connsiteY1-158" fmla="*/ 392752 h 1298360"/>
-              <a:gd name="connsiteX2-159" fmla="*/ 4466492 w 9486900"/>
-              <a:gd name="connsiteY2-160" fmla="*/ 401545 h 1298360"/>
-              <a:gd name="connsiteX3-161" fmla="*/ 7025054 w 9486900"/>
-              <a:gd name="connsiteY3-162" fmla="*/ 366376 h 1298360"/>
-              <a:gd name="connsiteX4-163" fmla="*/ 9486900 w 9486900"/>
-              <a:gd name="connsiteY4-164" fmla="*/ 375168 h 1298360"/>
-              <a:gd name="connsiteX5-165" fmla="*/ 9478108 w 9486900"/>
-              <a:gd name="connsiteY5-166" fmla="*/ 1280776 h 1298360"/>
-              <a:gd name="connsiteX6-167" fmla="*/ 7262446 w 9486900"/>
-              <a:gd name="connsiteY6-168" fmla="*/ 1271983 h 1298360"/>
-              <a:gd name="connsiteX7-169" fmla="*/ 4835769 w 9486900"/>
-              <a:gd name="connsiteY7-170" fmla="*/ 1298360 h 1298360"/>
-              <a:gd name="connsiteX8-171" fmla="*/ 2760785 w 9486900"/>
-              <a:gd name="connsiteY8-172" fmla="*/ 1289568 h 1298360"/>
-              <a:gd name="connsiteX9-173" fmla="*/ 0 w 9486900"/>
-              <a:gd name="connsiteY9-174" fmla="*/ 1245606 h 1298360"/>
-              <a:gd name="connsiteX10-175" fmla="*/ 17585 w 9486900"/>
-              <a:gd name="connsiteY10-176" fmla="*/ 375168 h 1298360"/>
-              <a:gd name="connsiteX0-177" fmla="*/ 8792 w 9478107"/>
-              <a:gd name="connsiteY0-178" fmla="*/ 375168 h 1298360"/>
-              <a:gd name="connsiteX1-179" fmla="*/ 1995853 w 9478107"/>
-              <a:gd name="connsiteY1-180" fmla="*/ 392752 h 1298360"/>
-              <a:gd name="connsiteX2-181" fmla="*/ 4457699 w 9478107"/>
-              <a:gd name="connsiteY2-182" fmla="*/ 401545 h 1298360"/>
-              <a:gd name="connsiteX3-183" fmla="*/ 7016261 w 9478107"/>
-              <a:gd name="connsiteY3-184" fmla="*/ 366376 h 1298360"/>
-              <a:gd name="connsiteX4-185" fmla="*/ 9478107 w 9478107"/>
-              <a:gd name="connsiteY4-186" fmla="*/ 375168 h 1298360"/>
-              <a:gd name="connsiteX5-187" fmla="*/ 9469315 w 9478107"/>
-              <a:gd name="connsiteY5-188" fmla="*/ 1280776 h 1298360"/>
-              <a:gd name="connsiteX6-189" fmla="*/ 7253653 w 9478107"/>
-              <a:gd name="connsiteY6-190" fmla="*/ 1271983 h 1298360"/>
-              <a:gd name="connsiteX7-191" fmla="*/ 4826976 w 9478107"/>
-              <a:gd name="connsiteY7-192" fmla="*/ 1298360 h 1298360"/>
-              <a:gd name="connsiteX8-193" fmla="*/ 2751992 w 9478107"/>
-              <a:gd name="connsiteY8-194" fmla="*/ 1289568 h 1298360"/>
-              <a:gd name="connsiteX9-195" fmla="*/ 0 w 9478107"/>
-              <a:gd name="connsiteY9-196" fmla="*/ 1236814 h 1298360"/>
-              <a:gd name="connsiteX10-197" fmla="*/ 8792 w 9478107"/>
-              <a:gd name="connsiteY10-198" fmla="*/ 375168 h 1298360"/>
-              <a:gd name="connsiteX0-199" fmla="*/ 8792 w 9478107"/>
-              <a:gd name="connsiteY0-200" fmla="*/ 421112 h 1344304"/>
-              <a:gd name="connsiteX1-201" fmla="*/ 2057399 w 9478107"/>
-              <a:gd name="connsiteY1-202" fmla="*/ 377150 h 1344304"/>
-              <a:gd name="connsiteX2-203" fmla="*/ 4457699 w 9478107"/>
-              <a:gd name="connsiteY2-204" fmla="*/ 447489 h 1344304"/>
-              <a:gd name="connsiteX3-205" fmla="*/ 7016261 w 9478107"/>
-              <a:gd name="connsiteY3-206" fmla="*/ 412320 h 1344304"/>
-              <a:gd name="connsiteX4-207" fmla="*/ 9478107 w 9478107"/>
-              <a:gd name="connsiteY4-208" fmla="*/ 421112 h 1344304"/>
-              <a:gd name="connsiteX5-209" fmla="*/ 9469315 w 9478107"/>
-              <a:gd name="connsiteY5-210" fmla="*/ 1326720 h 1344304"/>
-              <a:gd name="connsiteX6-211" fmla="*/ 7253653 w 9478107"/>
-              <a:gd name="connsiteY6-212" fmla="*/ 1317927 h 1344304"/>
-              <a:gd name="connsiteX7-213" fmla="*/ 4826976 w 9478107"/>
-              <a:gd name="connsiteY7-214" fmla="*/ 1344304 h 1344304"/>
-              <a:gd name="connsiteX8-215" fmla="*/ 2751992 w 9478107"/>
-              <a:gd name="connsiteY8-216" fmla="*/ 1335512 h 1344304"/>
-              <a:gd name="connsiteX9-217" fmla="*/ 0 w 9478107"/>
-              <a:gd name="connsiteY9-218" fmla="*/ 1282758 h 1344304"/>
-              <a:gd name="connsiteX10-219" fmla="*/ 8792 w 9478107"/>
-              <a:gd name="connsiteY10-220" fmla="*/ 421112 h 1344304"/>
-              <a:gd name="connsiteX0-221" fmla="*/ 8792 w 9478107"/>
-              <a:gd name="connsiteY0-222" fmla="*/ 350485 h 1273677"/>
-              <a:gd name="connsiteX1-223" fmla="*/ 2057399 w 9478107"/>
-              <a:gd name="connsiteY1-224" fmla="*/ 306523 h 1273677"/>
-              <a:gd name="connsiteX2-225" fmla="*/ 4457699 w 9478107"/>
-              <a:gd name="connsiteY2-226" fmla="*/ 376862 h 1273677"/>
-              <a:gd name="connsiteX3-227" fmla="*/ 7016261 w 9478107"/>
-              <a:gd name="connsiteY3-228" fmla="*/ 341693 h 1273677"/>
-              <a:gd name="connsiteX4-229" fmla="*/ 9478107 w 9478107"/>
-              <a:gd name="connsiteY4-230" fmla="*/ 350485 h 1273677"/>
-              <a:gd name="connsiteX5-231" fmla="*/ 9469315 w 9478107"/>
-              <a:gd name="connsiteY5-232" fmla="*/ 1256093 h 1273677"/>
-              <a:gd name="connsiteX6-233" fmla="*/ 7253653 w 9478107"/>
-              <a:gd name="connsiteY6-234" fmla="*/ 1247300 h 1273677"/>
-              <a:gd name="connsiteX7-235" fmla="*/ 4826976 w 9478107"/>
-              <a:gd name="connsiteY7-236" fmla="*/ 1273677 h 1273677"/>
-              <a:gd name="connsiteX8-237" fmla="*/ 2751992 w 9478107"/>
-              <a:gd name="connsiteY8-238" fmla="*/ 1264885 h 1273677"/>
-              <a:gd name="connsiteX9-239" fmla="*/ 0 w 9478107"/>
-              <a:gd name="connsiteY9-240" fmla="*/ 1212131 h 1273677"/>
-              <a:gd name="connsiteX10-241" fmla="*/ 8792 w 9478107"/>
-              <a:gd name="connsiteY10-242" fmla="*/ 350485 h 1273677"/>
-              <a:gd name="connsiteX0-243" fmla="*/ 8792 w 9478107"/>
-              <a:gd name="connsiteY0-244" fmla="*/ 350485 h 1273677"/>
-              <a:gd name="connsiteX1-245" fmla="*/ 2057399 w 9478107"/>
-              <a:gd name="connsiteY1-246" fmla="*/ 306523 h 1273677"/>
-              <a:gd name="connsiteX2-247" fmla="*/ 4457699 w 9478107"/>
-              <a:gd name="connsiteY2-248" fmla="*/ 376862 h 1273677"/>
-              <a:gd name="connsiteX3-249" fmla="*/ 7016261 w 9478107"/>
-              <a:gd name="connsiteY3-250" fmla="*/ 341693 h 1273677"/>
-              <a:gd name="connsiteX4-251" fmla="*/ 9478107 w 9478107"/>
-              <a:gd name="connsiteY4-252" fmla="*/ 350485 h 1273677"/>
-              <a:gd name="connsiteX5-253" fmla="*/ 9469315 w 9478107"/>
-              <a:gd name="connsiteY5-254" fmla="*/ 1256093 h 1273677"/>
-              <a:gd name="connsiteX6-255" fmla="*/ 7253653 w 9478107"/>
-              <a:gd name="connsiteY6-256" fmla="*/ 1247300 h 1273677"/>
-              <a:gd name="connsiteX7-257" fmla="*/ 4826976 w 9478107"/>
-              <a:gd name="connsiteY7-258" fmla="*/ 1273677 h 1273677"/>
-              <a:gd name="connsiteX8-259" fmla="*/ 2751992 w 9478107"/>
-              <a:gd name="connsiteY8-260" fmla="*/ 1264885 h 1273677"/>
-              <a:gd name="connsiteX9-261" fmla="*/ 0 w 9478107"/>
-              <a:gd name="connsiteY9-262" fmla="*/ 1212131 h 1273677"/>
-              <a:gd name="connsiteX10-263" fmla="*/ 8792 w 9478107"/>
-              <a:gd name="connsiteY10-264" fmla="*/ 350485 h 1273677"/>
-            </a:gdLst>
-            <a:ahLst/>
-            <a:cxnLst>
-              <a:cxn ang="0">
-                <a:pos x="connsiteX0-1" y="connsiteY0-2"/>
-              </a:cxn>
-              <a:cxn ang="0">
-                <a:pos x="connsiteX1-3" y="connsiteY1-4"/>
-              </a:cxn>
-              <a:cxn ang="0">
-                <a:pos x="connsiteX2-5" y="connsiteY2-6"/>
-              </a:cxn>
-              <a:cxn ang="0">
-                <a:pos x="connsiteX3-7" y="connsiteY3-8"/>
-              </a:cxn>
-              <a:cxn ang="0">
-                <a:pos x="connsiteX4-9" y="connsiteY4-10"/>
-              </a:cxn>
-              <a:cxn ang="0">
-                <a:pos x="connsiteX5-11" y="connsiteY5-12"/>
-              </a:cxn>
-              <a:cxn ang="0">
-                <a:pos x="connsiteX6-13" y="connsiteY6-14"/>
-              </a:cxn>
-              <a:cxn ang="0">
-                <a:pos x="connsiteX7-15" y="connsiteY7-16"/>
-              </a:cxn>
-              <a:cxn ang="0">
-                <a:pos x="connsiteX8-17" y="connsiteY8-18"/>
-              </a:cxn>
-              <a:cxn ang="0">
-                <a:pos x="connsiteX9-19" y="connsiteY9-20"/>
-              </a:cxn>
-              <a:cxn ang="0">
-                <a:pos x="connsiteX10-21" y="connsiteY10-22"/>
-              </a:cxn>
-            </a:cxnLst>
-            <a:rect l="l" t="t" r="r" b="b"/>
-            <a:pathLst>
-              <a:path w="9478107" h="1273677">
-                <a:moveTo>
-                  <a:pt x="8792" y="350485"/>
-                </a:moveTo>
-                <a:cubicBezTo>
-                  <a:pt x="671146" y="356346"/>
-                  <a:pt x="973014" y="-402723"/>
-                  <a:pt x="2057399" y="306523"/>
-                </a:cubicBezTo>
-                <a:cubicBezTo>
-                  <a:pt x="3282459" y="1004046"/>
-                  <a:pt x="3979984" y="611323"/>
-                  <a:pt x="4457699" y="376862"/>
-                </a:cubicBezTo>
-                <a:cubicBezTo>
-                  <a:pt x="5723792" y="-223945"/>
-                  <a:pt x="6216161" y="-7069"/>
-                  <a:pt x="7016261" y="341693"/>
-                </a:cubicBezTo>
-                <a:cubicBezTo>
-                  <a:pt x="8672145" y="977671"/>
-                  <a:pt x="8657492" y="347554"/>
-                  <a:pt x="9478107" y="350485"/>
-                </a:cubicBezTo>
-                <a:cubicBezTo>
-                  <a:pt x="9475176" y="652354"/>
-                  <a:pt x="9472246" y="954224"/>
-                  <a:pt x="9469315" y="1256093"/>
-                </a:cubicBezTo>
-                <a:lnTo>
-                  <a:pt x="7253653" y="1247300"/>
-                </a:lnTo>
-                <a:lnTo>
-                  <a:pt x="4826976" y="1273677"/>
-                </a:lnTo>
-                <a:lnTo>
-                  <a:pt x="2751992" y="1264885"/>
-                </a:lnTo>
-                <a:lnTo>
-                  <a:pt x="0" y="1212131"/>
-                </a:lnTo>
-                <a:cubicBezTo>
-                  <a:pt x="2931" y="927846"/>
-                  <a:pt x="-2932" y="652354"/>
-                  <a:pt x="8792" y="350485"/>
-                </a:cubicBezTo>
-                <a:close/>
-              </a:path>
-            </a:pathLst>
-          </a:custGeom>
-          <a:gradFill>
-            <a:gsLst>
-              <a:gs pos="0">
-                <a:schemeClr val="accent1">
-                  <a:lumMod val="5000"/>
-                  <a:lumOff val="95000"/>
-                </a:schemeClr>
-              </a:gs>
-              <a:gs pos="74000">
-                <a:schemeClr val="accent1">
-                  <a:lumMod val="45000"/>
-                  <a:lumOff val="55000"/>
-                </a:schemeClr>
-              </a:gs>
-              <a:gs pos="83000">
-                <a:schemeClr val="accent1">
-                  <a:lumMod val="45000"/>
-                  <a:lumOff val="55000"/>
-                </a:schemeClr>
-              </a:gs>
-              <a:gs pos="100000">
-                <a:schemeClr val="accent1">
-                  <a:lumMod val="30000"/>
-                  <a:lumOff val="70000"/>
-                </a:schemeClr>
-              </a:gs>
-            </a:gsLst>
-            <a:lin ang="5400000" scaled="1"/>
-          </a:gradFill>
-          <a:ln>
-            <a:noFill/>
-          </a:ln>
-          <a:effectLst>
-            <a:glow>
-              <a:srgbClr val="FFFF00"/>
-            </a:glow>
-            <a:outerShdw algn="ctr" rotWithShape="0">
-              <a:schemeClr val="tx1"/>
-            </a:outerShdw>
-          </a:effectLst>
-          <a:scene3d>
-            <a:camera prst="orthographicFront"/>
-            <a:lightRig rig="threePt" dir="t"/>
-          </a:scene3d>
-          <a:sp3d>
-            <a:bevelT w="0"/>
-          </a:sp3d>
-        </p:spPr>
-        <p:style>
-          <a:lnRef idx="2">
-            <a:schemeClr val="accent1">
-              <a:shade val="15000"/>
-            </a:schemeClr>
-          </a:lnRef>
-          <a:fillRef idx="1">
-            <a:schemeClr val="accent1"/>
-          </a:fillRef>
-          <a:effectRef idx="0">
-            <a:schemeClr val="accent1"/>
-          </a:effectRef>
-          <a:fontRef idx="minor">
-            <a:schemeClr val="lt1"/>
-          </a:fontRef>
-        </p:style>
-        <p:txBody>
-          <a:bodyPr rtlCol="0" anchor="ctr"/>
-          <a:lstStyle/>
-          <a:p>
-            <a:pPr algn="ctr"/>
-            <a:endParaRPr lang="en-GB"/>
-          </a:p>
-        </p:txBody>
-      </p:sp>
-      <p:sp>
-        <p:nvSpPr>
           <p:cNvPr id="9" name="Free-form: Shape 13"/>
           <p:cNvSpPr/>
           <p:nvPr/>
@@ -9671,6 +12429,126 @@
       </p:sp>
       <p:sp>
         <p:nvSpPr>
+          <p:cNvPr id="19" name="TextBox 18"/>
+          <p:cNvSpPr txBox="1"/>
+          <p:nvPr/>
+        </p:nvSpPr>
+        <p:spPr>
+          <a:xfrm>
+            <a:off x="342900" y="1609971"/>
+            <a:ext cx="11218984" cy="4385816"/>
+          </a:xfrm>
+          <a:prstGeom prst="rect">
+            <a:avLst/>
+          </a:prstGeom>
+          <a:noFill/>
+        </p:spPr>
+        <p:txBody>
+          <a:bodyPr wrap="square" rtlCol="0">
+            <a:spAutoFit/>
+          </a:bodyPr>
+          <a:lstStyle/>
+          <a:p>
+            <a:pPr marL="342900" indent="-342900">
+              <a:lnSpc>
+                <a:spcPct val="150000"/>
+              </a:lnSpc>
+              <a:buFont typeface="Arial" panose="020B0604020202020204" pitchFamily="34" charset="0"/>
+              <a:buChar char="•"/>
+            </a:pPr>
+            <a:r>
+              <a:rPr lang="en-US" sz="2800" b="1" dirty="0">
+                <a:cs typeface="+mj-cs"/>
+              </a:rPr>
+              <a:t>Introduction</a:t>
+            </a:r>
+          </a:p>
+          <a:p>
+            <a:pPr marL="285750" indent="-285750">
+              <a:lnSpc>
+                <a:spcPct val="150000"/>
+              </a:lnSpc>
+              <a:buFont typeface="Arial" panose="020B0604020202020204" pitchFamily="34" charset="0"/>
+              <a:buChar char="•"/>
+            </a:pPr>
+            <a:r>
+              <a:rPr lang="en-US" sz="2000" dirty="0">
+                <a:cs typeface="+mj-cs"/>
+              </a:rPr>
+              <a:t>Syria has diverse climate zones: Mediterranean coast, desert, and mountains.</a:t>
+            </a:r>
+          </a:p>
+          <a:p>
+            <a:pPr marL="342900" indent="-342900">
+              <a:lnSpc>
+                <a:spcPct val="150000"/>
+              </a:lnSpc>
+              <a:buFont typeface="Arial" panose="020B0604020202020204" pitchFamily="34" charset="0"/>
+              <a:buChar char="•"/>
+            </a:pPr>
+            <a:r>
+              <a:rPr lang="en-US" sz="2000" dirty="0">
+                <a:cs typeface="+mj-cs"/>
+              </a:rPr>
+              <a:t>Coastal: hot dry summers, mild wet winters.</a:t>
+            </a:r>
+          </a:p>
+          <a:p>
+            <a:pPr marL="342900" indent="-342900">
+              <a:lnSpc>
+                <a:spcPct val="150000"/>
+              </a:lnSpc>
+              <a:buFont typeface="Arial" panose="020B0604020202020204" pitchFamily="34" charset="0"/>
+              <a:buChar char="•"/>
+            </a:pPr>
+            <a:r>
+              <a:rPr lang="en-US" sz="2000" dirty="0">
+                <a:cs typeface="+mj-cs"/>
+              </a:rPr>
+              <a:t>Inland deserts: extreme heat in summer, cold winters, large variations.</a:t>
+            </a:r>
+          </a:p>
+          <a:p>
+            <a:pPr marL="342900" indent="-342900">
+              <a:lnSpc>
+                <a:spcPct val="150000"/>
+              </a:lnSpc>
+              <a:buFont typeface="Arial" panose="020B0604020202020204" pitchFamily="34" charset="0"/>
+              <a:buChar char="•"/>
+            </a:pPr>
+            <a:r>
+              <a:rPr lang="en-US" sz="2000" dirty="0">
+                <a:cs typeface="+mj-cs"/>
+              </a:rPr>
+              <a:t>High solar potential &amp; moderate wind resources.</a:t>
+            </a:r>
+          </a:p>
+          <a:p>
+            <a:pPr marL="342900" indent="-342900">
+              <a:lnSpc>
+                <a:spcPct val="150000"/>
+              </a:lnSpc>
+              <a:buFont typeface="Arial" panose="020B0604020202020204" pitchFamily="34" charset="0"/>
+              <a:buChar char="•"/>
+            </a:pPr>
+            <a:r>
+              <a:rPr lang="en-US" sz="2000" dirty="0">
+                <a:cs typeface="+mj-cs"/>
+              </a:rPr>
+              <a:t>Climate strongly affects performance &amp; lifetime of storage systems.</a:t>
+            </a:r>
+            <a:br>
+              <a:rPr lang="en-US" dirty="0"/>
+            </a:br>
+            <a:endParaRPr lang="it-IT" dirty="0">
+              <a:latin typeface="Times New Roman" panose="02020603050405020304" pitchFamily="18" charset="0"/>
+              <a:cs typeface="Times New Roman" panose="02020603050405020304" pitchFamily="18" charset="0"/>
+            </a:endParaRPr>
+          </a:p>
+        </p:txBody>
+      </p:sp>
+      <p:sp>
+        <p:nvSpPr>
           <p:cNvPr id="5" name="Slide Number Placeholder 5"/>
           <p:cNvSpPr>
             <a:spLocks noGrp="1"/>
@@ -9682,7 +12560,7 @@
         <p:spPr>
           <a:xfrm>
             <a:off x="5952392" y="6513969"/>
-            <a:ext cx="429554" cy="365125"/>
+            <a:ext cx="287215" cy="365125"/>
           </a:xfrm>
         </p:spPr>
         <p:txBody>
@@ -9717,8 +12595,8 @@
         </p:nvSpPr>
         <p:spPr>
           <a:xfrm>
-            <a:off x="484418" y="892114"/>
-            <a:ext cx="7982574" cy="45719"/>
+            <a:off x="484418" y="1160559"/>
+            <a:ext cx="7982574" cy="55021"/>
           </a:xfrm>
         </p:spPr>
         <p:txBody>
@@ -9729,16 +12607,18 @@
           <a:p>
             <a:r>
               <a:rPr lang="en-US" dirty="0"/>
-              <a:t>Key Climate Factors in Syria</a:t>
-            </a:r>
-            <a:r>
-              <a:rPr lang="en-US" b="1" dirty="0"/>
-              <a:t/>
+              <a:t>Impact of Syrian Climate on Energy Storage Systems</a:t>
             </a:r>
             <a:br>
-              <a:rPr lang="en-US" b="1" dirty="0"/>
+              <a:rPr lang="en-US" dirty="0"/>
             </a:br>
-            <a:endParaRPr lang="de-DE" dirty="0"/>
+            <a:br>
+              <a:rPr lang="de-DE" dirty="0"/>
+            </a:br>
+            <a:endParaRPr lang="de-DE" b="1" dirty="0">
+              <a:latin typeface="Times New Roman" panose="02020603050405020304" pitchFamily="18" charset="0"/>
+              <a:cs typeface="Times New Roman" panose="02020603050405020304" pitchFamily="18" charset="0"/>
+            </a:endParaRPr>
           </a:p>
         </p:txBody>
       </p:sp>
@@ -9777,128 +12657,11 @@
           </a:fontRef>
         </p:style>
       </p:cxnSp>
-      <p:sp>
-        <p:nvSpPr>
-          <p:cNvPr id="16" name="TextBox 15"/>
-          <p:cNvSpPr txBox="1"/>
-          <p:nvPr/>
-        </p:nvSpPr>
-        <p:spPr>
-          <a:xfrm>
-            <a:off x="245327" y="1496990"/>
-            <a:ext cx="10961648" cy="3782061"/>
-          </a:xfrm>
-          <a:prstGeom prst="rect">
-            <a:avLst/>
-          </a:prstGeom>
-          <a:noFill/>
-        </p:spPr>
-        <p:txBody>
-          <a:bodyPr wrap="square" rtlCol="0">
-            <a:spAutoFit/>
-          </a:bodyPr>
-          <a:lstStyle/>
-          <a:p>
-            <a:pPr marL="285750" indent="-285750">
-              <a:lnSpc>
-                <a:spcPct val="150000"/>
-              </a:lnSpc>
-              <a:buFont typeface="Arial" panose="020B0604020202020204" pitchFamily="34" charset="0"/>
-              <a:buChar char="•"/>
-            </a:pPr>
-            <a:r>
-              <a:rPr lang="en-US" sz="2400" dirty="0"/>
-              <a:t>Temperature extremes: 0°C in winter to 40+°C in summer</a:t>
-            </a:r>
-            <a:r>
-              <a:rPr lang="en-US" sz="2400" dirty="0" smtClean="0"/>
-              <a:t>.</a:t>
-            </a:r>
-          </a:p>
-          <a:p>
-            <a:pPr marL="285750" indent="-285750">
-              <a:lnSpc>
-                <a:spcPct val="150000"/>
-              </a:lnSpc>
-              <a:buFont typeface="Arial" panose="020B0604020202020204" pitchFamily="34" charset="0"/>
-              <a:buChar char="•"/>
-            </a:pPr>
-            <a:r>
-              <a:rPr lang="en-US" sz="2400" dirty="0"/>
-              <a:t>Humidity: High on coast, very low inland.</a:t>
-            </a:r>
-          </a:p>
-          <a:p>
-            <a:pPr marL="285750" indent="-285750">
-              <a:lnSpc>
-                <a:spcPct val="150000"/>
-              </a:lnSpc>
-              <a:buFont typeface="Arial" panose="020B0604020202020204" pitchFamily="34" charset="0"/>
-              <a:buChar char="•"/>
-            </a:pPr>
-            <a:r>
-              <a:rPr lang="en-US" sz="2400" dirty="0"/>
-              <a:t>Dust storms in desert regions affect equipment</a:t>
-            </a:r>
-            <a:r>
-              <a:rPr lang="en-US" sz="2400" dirty="0" smtClean="0"/>
-              <a:t>.</a:t>
-            </a:r>
-          </a:p>
-          <a:p>
-            <a:pPr marL="285750" indent="-285750">
-              <a:lnSpc>
-                <a:spcPct val="150000"/>
-              </a:lnSpc>
-              <a:buFont typeface="Arial" panose="020B0604020202020204" pitchFamily="34" charset="0"/>
-              <a:buChar char="•"/>
-            </a:pPr>
-            <a:r>
-              <a:rPr lang="en-US" sz="2400" dirty="0"/>
-              <a:t>Solar irradiation: 2000–2300 kWh/m² annually → excellent solar potential.</a:t>
-            </a:r>
-          </a:p>
-          <a:p>
-            <a:pPr marL="285750" indent="-285750">
-              <a:lnSpc>
-                <a:spcPct val="150000"/>
-              </a:lnSpc>
-              <a:buFont typeface="Arial" panose="020B0604020202020204" pitchFamily="34" charset="0"/>
-              <a:buChar char="•"/>
-            </a:pPr>
-            <a:r>
-              <a:rPr lang="en-US" sz="2400" dirty="0"/>
-              <a:t>Water scarcity: challenge for hydro-based storage.</a:t>
-            </a:r>
-            <a:r>
-              <a:rPr lang="en-US" dirty="0" smtClean="0"/>
-              <a:t/>
-            </a:r>
-            <a:br>
-              <a:rPr lang="en-US" dirty="0" smtClean="0"/>
-            </a:br>
-            <a:endParaRPr lang="en-US" dirty="0">
-              <a:solidFill>
-                <a:prstClr val="black"/>
-              </a:solidFill>
-              <a:latin typeface="Times New Roman" panose="02020603050405020304" pitchFamily="18" charset="0"/>
-              <a:cs typeface="Times New Roman" panose="02020603050405020304" pitchFamily="18" charset="0"/>
-            </a:endParaRPr>
-          </a:p>
-        </p:txBody>
-      </p:sp>
     </p:spTree>
   </p:cSld>
   <p:clrMapOvr>
     <a:masterClrMapping/>
   </p:clrMapOvr>
-  <p:timing>
-    <p:tnLst>
-      <p:par>
-        <p:cTn id="1" dur="indefinite" restart="never" nodeType="tmRoot"/>
-      </p:par>
-    </p:tnLst>
-  </p:timing>
 </p:sld>
 </file>
 
@@ -9927,8 +12690,8 @@
         </p:nvSpPr>
         <p:spPr>
           <a:xfrm rot="10800000">
-            <a:off x="-35168" y="360927"/>
-            <a:ext cx="12216286" cy="815842"/>
+            <a:off x="-35168" y="277945"/>
+            <a:ext cx="12216286" cy="898824"/>
           </a:xfrm>
           <a:custGeom>
             <a:avLst/>
@@ -11852,7 +14615,7 @@
         <p:spPr>
           <a:xfrm>
             <a:off x="5952392" y="6513969"/>
-            <a:ext cx="391847" cy="365125"/>
+            <a:ext cx="429554" cy="365125"/>
           </a:xfrm>
         </p:spPr>
         <p:txBody>
@@ -11887,8 +14650,8 @@
         </p:nvSpPr>
         <p:spPr>
           <a:xfrm>
-            <a:off x="484418" y="815515"/>
-            <a:ext cx="7982574" cy="712728"/>
+            <a:off x="484418" y="892114"/>
+            <a:ext cx="7982574" cy="45719"/>
           </a:xfrm>
         </p:spPr>
         <p:txBody>
@@ -11899,14 +14662,7 @@
           <a:p>
             <a:r>
               <a:rPr lang="en-US" dirty="0"/>
-              <a:t>Battery Energy Storage Systems (BESS)</a:t>
-            </a:r>
-            <a:br>
-              <a:rPr lang="en-US" dirty="0"/>
-            </a:br>
-            <a:r>
-              <a:rPr lang="en-US" b="1" dirty="0"/>
-              <a:t/>
+              <a:t>Key Climate Factors in Syria</a:t>
             </a:r>
             <a:br>
               <a:rPr lang="en-US" b="1" dirty="0"/>
@@ -11950,102 +14706,16 @@
           </a:fontRef>
         </p:style>
       </p:cxnSp>
-      <p:grpSp>
-        <p:nvGrpSpPr>
-          <p:cNvPr id="3" name="Group 2"/>
-          <p:cNvGrpSpPr/>
-          <p:nvPr/>
-        </p:nvGrpSpPr>
-        <p:grpSpPr>
-          <a:xfrm>
-            <a:off x="390853" y="1499010"/>
-            <a:ext cx="11123078" cy="3876876"/>
-            <a:chOff x="971550" y="1356712"/>
-            <a:chExt cx="7820025" cy="784091"/>
-          </a:xfrm>
-        </p:grpSpPr>
-        <p:sp>
-          <p:nvSpPr>
-            <p:cNvPr id="8" name="TextBox 7"/>
-            <p:cNvSpPr txBox="1"/>
-            <p:nvPr/>
-          </p:nvSpPr>
-          <p:spPr>
-            <a:xfrm>
-              <a:off x="1149453" y="1356712"/>
-              <a:ext cx="6181725" cy="369332"/>
-            </a:xfrm>
-            <a:prstGeom prst="rect">
-              <a:avLst/>
-            </a:prstGeom>
-            <a:noFill/>
-          </p:spPr>
-          <p:txBody>
-            <a:bodyPr wrap="square" rtlCol="0">
-              <a:spAutoFit/>
-            </a:bodyPr>
-            <a:lstStyle/>
-            <a:p>
-              <a:pPr marL="285750" indent="-285750">
-                <a:buFont typeface="Wingdings" panose="05000000000000000000" pitchFamily="2" charset="2"/>
-                <a:buChar char="§"/>
-              </a:pPr>
-              <a:endParaRPr lang="en-US" dirty="0">
-                <a:solidFill>
-                  <a:prstClr val="black"/>
-                </a:solidFill>
-                <a:cs typeface="Times New Roman" panose="02020603050405020304" pitchFamily="18" charset="0"/>
-              </a:endParaRPr>
-            </a:p>
-          </p:txBody>
-        </p:sp>
-        <p:sp>
-          <p:nvSpPr>
-            <p:cNvPr id="12" name="TextBox 11"/>
-            <p:cNvSpPr txBox="1"/>
-            <p:nvPr/>
-          </p:nvSpPr>
-          <p:spPr>
-            <a:xfrm>
-              <a:off x="971550" y="1771471"/>
-              <a:ext cx="7820025" cy="369332"/>
-            </a:xfrm>
-            <a:prstGeom prst="rect">
-              <a:avLst/>
-            </a:prstGeom>
-            <a:noFill/>
-          </p:spPr>
-          <p:txBody>
-            <a:bodyPr wrap="square" rtlCol="0">
-              <a:spAutoFit/>
-            </a:bodyPr>
-            <a:lstStyle/>
-            <a:p>
-              <a:pPr marL="285750" indent="-285750">
-                <a:buFont typeface="Wingdings" panose="05000000000000000000" pitchFamily="2" charset="2"/>
-                <a:buChar char="§"/>
-              </a:pPr>
-              <a:endParaRPr lang="en-US" dirty="0">
-                <a:solidFill>
-                  <a:prstClr val="black"/>
-                </a:solidFill>
-                <a:latin typeface="Times New Roman" panose="02020603050405020304" pitchFamily="18" charset="0"/>
-                <a:cs typeface="Times New Roman" panose="02020603050405020304" pitchFamily="18" charset="0"/>
-              </a:endParaRPr>
-            </a:p>
-          </p:txBody>
-        </p:sp>
-      </p:grpSp>
       <p:sp>
         <p:nvSpPr>
-          <p:cNvPr id="15" name="TextBox 14"/>
+          <p:cNvPr id="16" name="TextBox 15"/>
           <p:cNvSpPr txBox="1"/>
           <p:nvPr/>
         </p:nvSpPr>
         <p:spPr>
           <a:xfrm>
-            <a:off x="79312" y="1494120"/>
-            <a:ext cx="11884088" cy="5309146"/>
+            <a:off x="245327" y="1496990"/>
+            <a:ext cx="10961648" cy="3782061"/>
           </a:xfrm>
           <a:prstGeom prst="rect">
             <a:avLst/>
@@ -12062,12 +14732,12 @@
               <a:lnSpc>
                 <a:spcPct val="150000"/>
               </a:lnSpc>
-              <a:buFont typeface="Wingdings" panose="05000000000000000000" pitchFamily="2" charset="2"/>
-              <a:buChar char="q"/>
+              <a:buFont typeface="Arial" panose="020B0604020202020204" pitchFamily="34" charset="0"/>
+              <a:buChar char="•"/>
             </a:pPr>
             <a:r>
-              <a:rPr lang="en-US" sz="2800" dirty="0"/>
-              <a:t>Challenges in Syria:</a:t>
+              <a:rPr lang="en-US" sz="2400" dirty="0"/>
+              <a:t>Temperature extremes: 0°C in winter to 40+°C in summer.</a:t>
             </a:r>
           </a:p>
           <a:p>
@@ -12079,12 +14749,8 @@
               <a:buChar char="•"/>
             </a:pPr>
             <a:r>
-              <a:rPr lang="en-US" sz="2800" dirty="0"/>
-              <a:t>High summer heat reduces lifespan &amp; efficiency</a:t>
-            </a:r>
-            <a:r>
-              <a:rPr lang="en-US" sz="2800" dirty="0" smtClean="0"/>
-              <a:t>.</a:t>
+              <a:rPr lang="en-US" sz="2400" dirty="0"/>
+              <a:t>Humidity: High on coast, very low inland.</a:t>
             </a:r>
           </a:p>
           <a:p>
@@ -12096,29 +14762,8 @@
               <a:buChar char="•"/>
             </a:pPr>
             <a:r>
-              <a:rPr lang="en-US" sz="2800" dirty="0"/>
-              <a:t>Dust and humidity affect safety</a:t>
-            </a:r>
-            <a:r>
-              <a:rPr lang="en-US" sz="2800" dirty="0" smtClean="0"/>
-              <a:t>.</a:t>
-            </a:r>
-          </a:p>
-          <a:p>
-            <a:pPr marL="285750" indent="-285750">
-              <a:lnSpc>
-                <a:spcPct val="150000"/>
-              </a:lnSpc>
-              <a:buFont typeface="Wingdings" panose="05000000000000000000" pitchFamily="2" charset="2"/>
-              <a:buChar char="q"/>
-            </a:pPr>
-            <a:r>
-              <a:rPr lang="en-US" sz="2800" dirty="0"/>
-              <a:t>Opportunities</a:t>
-            </a:r>
-            <a:r>
-              <a:rPr lang="en-US" sz="2800" dirty="0" smtClean="0"/>
-              <a:t>:</a:t>
+              <a:rPr lang="en-US" sz="2400" dirty="0"/>
+              <a:t>Dust storms in desert regions affect equipment.</a:t>
             </a:r>
           </a:p>
           <a:p>
@@ -12130,8 +14775,8 @@
               <a:buChar char="•"/>
             </a:pPr>
             <a:r>
-              <a:rPr lang="en-US" sz="2800" dirty="0"/>
-              <a:t>Suitable for urban areas &amp; solar PV integration.</a:t>
+              <a:rPr lang="en-US" sz="2400" dirty="0"/>
+              <a:t>Solar irradiation: 2000–2300 kWh/m² annually → excellent solar potential.</a:t>
             </a:r>
           </a:p>
           <a:p>
@@ -12143,27 +14788,17 @@
               <a:buChar char="•"/>
             </a:pPr>
             <a:r>
-              <a:rPr lang="en-US" sz="2800" dirty="0"/>
-              <a:t>Lithium-ion &amp; Flow batteries are viable with cooling systems.</a:t>
-            </a:r>
-            <a:r>
-              <a:rPr lang="en-US" dirty="0" smtClean="0"/>
-              <a:t/>
+              <a:rPr lang="en-US" sz="2400" dirty="0"/>
+              <a:t>Water scarcity: challenge for hydro-based storage.</a:t>
             </a:r>
             <a:br>
-              <a:rPr lang="en-US" dirty="0" smtClean="0"/>
+              <a:rPr lang="en-US" dirty="0"/>
             </a:br>
-            <a:endParaRPr lang="en-US" dirty="0" smtClean="0"/>
-          </a:p>
-          <a:p>
-            <a:pPr marL="285750" indent="-285750">
-              <a:buFont typeface="Arial" panose="020B0604020202020204" pitchFamily="34" charset="0"/>
-              <a:buChar char="•"/>
-            </a:pPr>
-            <a:endParaRPr lang="en-US" b="1" dirty="0">
+            <a:endParaRPr lang="en-US" dirty="0">
               <a:solidFill>
                 <a:prstClr val="black"/>
               </a:solidFill>
+              <a:latin typeface="Times New Roman" panose="02020603050405020304" pitchFamily="18" charset="0"/>
               <a:cs typeface="Times New Roman" panose="02020603050405020304" pitchFamily="18" charset="0"/>
             </a:endParaRPr>
           </a:p>
@@ -12174,13 +14809,6 @@
   <p:clrMapOvr>
     <a:masterClrMapping/>
   </p:clrMapOvr>
-  <p:timing>
-    <p:tnLst>
-      <p:par>
-        <p:cTn id="1" dur="indefinite" restart="never" nodeType="tmRoot"/>
-      </p:par>
-    </p:tnLst>
-  </p:timing>
 </p:sld>
 </file>
 
@@ -14169,7 +16797,7 @@
         </p:nvSpPr>
         <p:spPr>
           <a:xfrm>
-            <a:off x="305998" y="1408647"/>
+            <a:off x="484418" y="815515"/>
             <a:ext cx="7982574" cy="712728"/>
           </a:xfrm>
         </p:spPr>
@@ -14181,22 +16809,11 @@
           <a:p>
             <a:r>
               <a:rPr lang="en-US" dirty="0"/>
-              <a:t>Pumped Hydro Storage</a:t>
+              <a:t>Battery Energy Storage Systems (BESS)</a:t>
             </a:r>
             <a:br>
               <a:rPr lang="en-US" dirty="0"/>
             </a:br>
-            <a:r>
-              <a:rPr lang="en-US" dirty="0"/>
-              <a:t/>
-            </a:r>
-            <a:br>
-              <a:rPr lang="en-US" dirty="0"/>
-            </a:br>
-            <a:r>
-              <a:rPr lang="en-US" b="1" dirty="0"/>
-              <a:t/>
-            </a:r>
             <a:br>
               <a:rPr lang="en-US" b="1" dirty="0"/>
             </a:br>
@@ -14334,7 +16951,7 @@
         <p:spPr>
           <a:xfrm>
             <a:off x="79312" y="1494120"/>
-            <a:ext cx="11884088" cy="5078313"/>
+            <a:ext cx="11884088" cy="5309146"/>
           </a:xfrm>
           <a:prstGeom prst="rect">
             <a:avLst/>
@@ -14348,104 +16965,85 @@
           <a:lstStyle/>
           <a:p>
             <a:pPr marL="285750" indent="-285750">
+              <a:lnSpc>
+                <a:spcPct val="150000"/>
+              </a:lnSpc>
               <a:buFont typeface="Wingdings" panose="05000000000000000000" pitchFamily="2" charset="2"/>
               <a:buChar char="q"/>
             </a:pPr>
             <a:r>
-              <a:rPr lang="en-US" sz="2800" dirty="0">
-                <a:cs typeface="+mj-cs"/>
-              </a:rPr>
-              <a:t>Requirements: elevation difference &amp; reliable water supply.</a:t>
+              <a:rPr lang="en-US" sz="2800" dirty="0"/>
+              <a:t>Challenges in Syria:</a:t>
             </a:r>
           </a:p>
           <a:p>
-            <a:endParaRPr lang="en-US" sz="2800" dirty="0">
-              <a:cs typeface="+mj-cs"/>
-            </a:endParaRPr>
-          </a:p>
-          <a:p>
             <a:pPr marL="285750" indent="-285750">
+              <a:lnSpc>
+                <a:spcPct val="150000"/>
+              </a:lnSpc>
+              <a:buFont typeface="Arial" panose="020B0604020202020204" pitchFamily="34" charset="0"/>
+              <a:buChar char="•"/>
+            </a:pPr>
+            <a:r>
+              <a:rPr lang="en-US" sz="2800" dirty="0"/>
+              <a:t>High summer heat reduces lifespan &amp; efficiency.</a:t>
+            </a:r>
+          </a:p>
+          <a:p>
+            <a:pPr marL="285750" indent="-285750">
+              <a:lnSpc>
+                <a:spcPct val="150000"/>
+              </a:lnSpc>
+              <a:buFont typeface="Arial" panose="020B0604020202020204" pitchFamily="34" charset="0"/>
+              <a:buChar char="•"/>
+            </a:pPr>
+            <a:r>
+              <a:rPr lang="en-US" sz="2800" dirty="0"/>
+              <a:t>Dust and humidity affect safety.</a:t>
+            </a:r>
+          </a:p>
+          <a:p>
+            <a:pPr marL="285750" indent="-285750">
+              <a:lnSpc>
+                <a:spcPct val="150000"/>
+              </a:lnSpc>
               <a:buFont typeface="Wingdings" panose="05000000000000000000" pitchFamily="2" charset="2"/>
               <a:buChar char="q"/>
             </a:pPr>
             <a:r>
-              <a:rPr lang="en-US" sz="2800" dirty="0">
-                <a:cs typeface="+mj-cs"/>
-              </a:rPr>
-              <a:t>Syrian Context:</a:t>
+              <a:rPr lang="en-US" sz="2800" dirty="0"/>
+              <a:t>Opportunities:</a:t>
             </a:r>
           </a:p>
           <a:p>
-            <a:r>
-              <a:rPr lang="en-US" sz="2800" dirty="0">
-                <a:cs typeface="+mj-cs"/>
-              </a:rPr>
-              <a:t>• Euphrates River dams (</a:t>
-            </a:r>
-            <a:r>
-              <a:rPr lang="en-US" sz="2800" dirty="0" err="1">
-                <a:cs typeface="+mj-cs"/>
-              </a:rPr>
-              <a:t>Tabqa</a:t>
-            </a:r>
-            <a:r>
-              <a:rPr lang="en-US" sz="2800" dirty="0">
-                <a:cs typeface="+mj-cs"/>
-              </a:rPr>
-              <a:t>, </a:t>
-            </a:r>
-            <a:r>
-              <a:rPr lang="en-US" sz="2800" dirty="0" err="1">
-                <a:cs typeface="+mj-cs"/>
-              </a:rPr>
-              <a:t>Tishreen</a:t>
-            </a:r>
-            <a:r>
-              <a:rPr lang="en-US" sz="2800" dirty="0">
-                <a:cs typeface="+mj-cs"/>
-              </a:rPr>
-              <a:t>) have some potential.</a:t>
-            </a:r>
-          </a:p>
-          <a:p>
-            <a:r>
-              <a:rPr lang="en-US" sz="2800" dirty="0">
-                <a:cs typeface="+mj-cs"/>
-              </a:rPr>
-              <a:t>• Drought &amp; climate change reduce water reliability.</a:t>
-            </a:r>
-          </a:p>
-          <a:p>
-            <a:endParaRPr lang="en-US" sz="2800" dirty="0">
-              <a:cs typeface="+mj-cs"/>
-            </a:endParaRPr>
-          </a:p>
-          <a:p>
             <a:pPr marL="285750" indent="-285750">
-              <a:buFont typeface="Wingdings" panose="05000000000000000000" pitchFamily="2" charset="2"/>
-              <a:buChar char="q"/>
-            </a:pPr>
-            <a:r>
-              <a:rPr lang="en-US" sz="2800" dirty="0">
-                <a:cs typeface="+mj-cs"/>
-              </a:rPr>
-              <a:t>Suitability: Limited compared to other regions.</a:t>
-            </a:r>
-          </a:p>
-          <a:p>
-            <a:pPr>
               <a:lnSpc>
                 <a:spcPct val="150000"/>
               </a:lnSpc>
+              <a:buFont typeface="Arial" panose="020B0604020202020204" pitchFamily="34" charset="0"/>
+              <a:buChar char="•"/>
             </a:pPr>
             <a:r>
-              <a:rPr lang="en-US" dirty="0" smtClean="0"/>
-              <a:t/>
+              <a:rPr lang="en-US" sz="2800" dirty="0"/>
+              <a:t>Suitable for urban areas &amp; solar PV integration.</a:t>
+            </a:r>
+          </a:p>
+          <a:p>
+            <a:pPr marL="285750" indent="-285750">
+              <a:lnSpc>
+                <a:spcPct val="150000"/>
+              </a:lnSpc>
+              <a:buFont typeface="Arial" panose="020B0604020202020204" pitchFamily="34" charset="0"/>
+              <a:buChar char="•"/>
+            </a:pPr>
+            <a:r>
+              <a:rPr lang="en-US" sz="2800" dirty="0"/>
+              <a:t>Lithium-ion &amp; Flow batteries are viable with cooling systems.</a:t>
             </a:r>
             <a:br>
-              <a:rPr lang="en-US" dirty="0" smtClean="0"/>
+              <a:rPr lang="en-US" dirty="0"/>
             </a:br>
-            <a:endParaRPr lang="en-US" dirty="0" smtClean="0"/>
+            <a:endParaRPr lang="en-US" dirty="0"/>
           </a:p>
           <a:p>
             <a:pPr marL="285750" indent="-285750">
@@ -14462,22 +17060,10 @@
         </p:txBody>
       </p:sp>
     </p:spTree>
-    <p:extLst>
-      <p:ext uri="{BB962C8B-B14F-4D97-AF65-F5344CB8AC3E}">
-        <p14:creationId xmlns:p14="http://schemas.microsoft.com/office/powerpoint/2010/main" val="4172705629"/>
-      </p:ext>
-    </p:extLst>
   </p:cSld>
   <p:clrMapOvr>
     <a:masterClrMapping/>
   </p:clrMapOvr>
-  <p:timing>
-    <p:tnLst>
-      <p:par>
-        <p:cTn id="1" dur="indefinite" restart="never" nodeType="tmRoot"/>
-      </p:par>
-    </p:tnLst>
-  </p:timing>
 </p:sld>
 </file>
 
@@ -16466,7 +19052,7 @@
         </p:nvSpPr>
         <p:spPr>
           <a:xfrm>
-            <a:off x="205637" y="1663999"/>
+            <a:off x="305998" y="1408647"/>
             <a:ext cx="7982574" cy="712728"/>
           </a:xfrm>
         </p:spPr>
@@ -16478,37 +19064,14 @@
           <a:p>
             <a:r>
               <a:rPr lang="en-US" dirty="0"/>
-              <a:t>Thermal Energy </a:t>
-            </a:r>
-            <a:r>
-              <a:rPr lang="en-US" dirty="0" smtClean="0"/>
-              <a:t>Storage</a:t>
-            </a:r>
-            <a:r>
-              <a:rPr lang="en-US" dirty="0"/>
-              <a:t/>
+              <a:t>Pumped Hydro Storage</a:t>
             </a:r>
             <a:br>
               <a:rPr lang="en-US" dirty="0"/>
             </a:br>
-            <a:r>
-              <a:rPr lang="en-US" dirty="0"/>
-              <a:t/>
-            </a:r>
             <a:br>
               <a:rPr lang="en-US" dirty="0"/>
             </a:br>
-            <a:r>
-              <a:rPr lang="en-US" dirty="0"/>
-              <a:t/>
-            </a:r>
-            <a:br>
-              <a:rPr lang="en-US" dirty="0"/>
-            </a:br>
-            <a:r>
-              <a:rPr lang="en-US" b="1" dirty="0"/>
-              <a:t/>
-            </a:r>
             <a:br>
               <a:rPr lang="en-US" b="1" dirty="0"/>
             </a:br>
@@ -16646,7 +19209,7 @@
         <p:spPr>
           <a:xfrm>
             <a:off x="79312" y="1494120"/>
-            <a:ext cx="11884088" cy="4647426"/>
+            <a:ext cx="11884088" cy="5078313"/>
           </a:xfrm>
           <a:prstGeom prst="rect">
             <a:avLst/>
@@ -16659,67 +19222,89 @@
           </a:bodyPr>
           <a:lstStyle/>
           <a:p>
-            <a:pPr marL="457200" indent="-457200">
+            <a:pPr marL="285750" indent="-285750">
               <a:buFont typeface="Wingdings" panose="05000000000000000000" pitchFamily="2" charset="2"/>
               <a:buChar char="q"/>
             </a:pPr>
             <a:r>
-              <a:rPr lang="en-US" sz="2800" dirty="0"/>
-              <a:t>How it works: stores heat from solar thermal plants.</a:t>
+              <a:rPr lang="en-US" sz="2800" dirty="0">
+                <a:cs typeface="+mj-cs"/>
+              </a:rPr>
+              <a:t>Requirements: elevation difference &amp; reliable water supply.</a:t>
             </a:r>
           </a:p>
           <a:p>
-            <a:endParaRPr lang="en-US" sz="2800" dirty="0"/>
-          </a:p>
-          <a:p>
-            <a:pPr marL="457200" indent="-457200">
+            <a:endParaRPr lang="en-US" sz="2800" dirty="0">
+              <a:cs typeface="+mj-cs"/>
+            </a:endParaRPr>
+          </a:p>
+          <a:p>
+            <a:pPr marL="285750" indent="-285750">
               <a:buFont typeface="Wingdings" panose="05000000000000000000" pitchFamily="2" charset="2"/>
               <a:buChar char="q"/>
             </a:pPr>
             <a:r>
-              <a:rPr lang="en-US" sz="2800" dirty="0"/>
+              <a:rPr lang="en-US" sz="2800" dirty="0">
+                <a:cs typeface="+mj-cs"/>
+              </a:rPr>
               <a:t>Syrian Context:</a:t>
             </a:r>
           </a:p>
           <a:p>
             <a:r>
-              <a:rPr lang="en-US" sz="2800" dirty="0"/>
-              <a:t>• Abundant solar radiation = excellent for CSP with TES.</a:t>
-            </a:r>
-          </a:p>
-          <a:p>
-            <a:r>
-              <a:rPr lang="en-US" sz="2800" dirty="0"/>
-              <a:t>• Works well in desert regions (Palmyra, </a:t>
+              <a:rPr lang="en-US" sz="2800" dirty="0">
+                <a:cs typeface="+mj-cs"/>
+              </a:rPr>
+              <a:t>• Euphrates River dams (</a:t>
             </a:r>
             <a:r>
-              <a:rPr lang="en-US" sz="2800" dirty="0" err="1"/>
-              <a:t>Deir</a:t>
+              <a:rPr lang="en-US" sz="2800" dirty="0" err="1">
+                <a:cs typeface="+mj-cs"/>
+              </a:rPr>
+              <a:t>Tabqa</a:t>
             </a:r>
             <a:r>
-              <a:rPr lang="en-US" sz="2800" dirty="0"/>
-              <a:t> </a:t>
+              <a:rPr lang="en-US" sz="2800" dirty="0">
+                <a:cs typeface="+mj-cs"/>
+              </a:rPr>
+              <a:t>, </a:t>
             </a:r>
             <a:r>
-              <a:rPr lang="en-US" sz="2800" dirty="0" err="1"/>
-              <a:t>Ezzor</a:t>
+              <a:rPr lang="en-US" sz="2800" dirty="0" err="1">
+                <a:cs typeface="+mj-cs"/>
+              </a:rPr>
+              <a:t>Tishreen</a:t>
             </a:r>
             <a:r>
-              <a:rPr lang="en-US" sz="2800" dirty="0"/>
-              <a:t>).</a:t>
+              <a:rPr lang="en-US" sz="2800" dirty="0">
+                <a:cs typeface="+mj-cs"/>
+              </a:rPr>
+              <a:t>) have some potential.</a:t>
             </a:r>
           </a:p>
           <a:p>
-            <a:endParaRPr lang="en-US" sz="2800" dirty="0"/>
-          </a:p>
-          <a:p>
-            <a:pPr marL="457200" indent="-457200">
+            <a:r>
+              <a:rPr lang="en-US" sz="2800" dirty="0">
+                <a:cs typeface="+mj-cs"/>
+              </a:rPr>
+              <a:t>• Drought &amp; climate change reduce water reliability.</a:t>
+            </a:r>
+          </a:p>
+          <a:p>
+            <a:endParaRPr lang="en-US" sz="2800" dirty="0">
+              <a:cs typeface="+mj-cs"/>
+            </a:endParaRPr>
+          </a:p>
+          <a:p>
+            <a:pPr marL="285750" indent="-285750">
               <a:buFont typeface="Wingdings" panose="05000000000000000000" pitchFamily="2" charset="2"/>
               <a:buChar char="q"/>
             </a:pPr>
             <a:r>
-              <a:rPr lang="en-US" sz="2800" dirty="0"/>
-              <a:t>Suitability: Very high potential.</a:t>
+              <a:rPr lang="en-US" sz="2800" dirty="0">
+                <a:cs typeface="+mj-cs"/>
+              </a:rPr>
+              <a:t>Suitability: Limited compared to other regions.</a:t>
             </a:r>
           </a:p>
           <a:p>
@@ -16728,14 +19313,10 @@
                 <a:spcPct val="150000"/>
               </a:lnSpc>
             </a:pPr>
-            <a:r>
-              <a:rPr lang="en-US" dirty="0" smtClean="0"/>
-              <a:t/>
-            </a:r>
             <a:br>
-              <a:rPr lang="en-US" dirty="0" smtClean="0"/>
+              <a:rPr lang="en-US" dirty="0"/>
             </a:br>
-            <a:endParaRPr lang="en-US" dirty="0" smtClean="0"/>
+            <a:endParaRPr lang="en-US" dirty="0"/>
           </a:p>
           <a:p>
             <a:pPr marL="285750" indent="-285750">
@@ -16754,20 +19335,13 @@
     </p:spTree>
     <p:extLst>
       <p:ext uri="{BB962C8B-B14F-4D97-AF65-F5344CB8AC3E}">
-        <p14:creationId xmlns:p14="http://schemas.microsoft.com/office/powerpoint/2010/main" val="2189382246"/>
+        <p14:creationId xmlns:p14="http://schemas.microsoft.com/office/powerpoint/2010/main" val="4172705629"/>
       </p:ext>
     </p:extLst>
   </p:cSld>
   <p:clrMapOvr>
     <a:masterClrMapping/>
   </p:clrMapOvr>
-  <p:timing>
-    <p:tnLst>
-      <p:par>
-        <p:cTn id="1" dur="indefinite" restart="never" nodeType="tmRoot"/>
-      </p:par>
-    </p:tnLst>
-  </p:timing>
 </p:sld>
 </file>
 
@@ -16796,8 +19370,8 @@
         </p:nvSpPr>
         <p:spPr>
           <a:xfrm rot="10800000">
-            <a:off x="-35168" y="277945"/>
-            <a:ext cx="12216286" cy="898824"/>
+            <a:off x="-35168" y="360927"/>
+            <a:ext cx="12216286" cy="815842"/>
           </a:xfrm>
           <a:custGeom>
             <a:avLst/>
@@ -18721,7 +21295,7 @@
         <p:spPr>
           <a:xfrm>
             <a:off x="5952392" y="6513969"/>
-            <a:ext cx="401274" cy="365125"/>
+            <a:ext cx="391847" cy="365125"/>
           </a:xfrm>
         </p:spPr>
         <p:txBody>
@@ -18756,20 +21330,33 @@
         </p:nvSpPr>
         <p:spPr>
           <a:xfrm>
-            <a:off x="217094" y="506538"/>
+            <a:off x="205637" y="1663999"/>
             <a:ext cx="7982574" cy="712728"/>
           </a:xfrm>
         </p:spPr>
         <p:txBody>
           <a:bodyPr>
-            <a:normAutofit/>
+            <a:normAutofit fontScale="90000"/>
           </a:bodyPr>
           <a:lstStyle/>
           <a:p>
             <a:r>
               <a:rPr lang="en-US" dirty="0"/>
-              <a:t>Power-to-Gas (Hydrogen)</a:t>
+              <a:t>Thermal Energy Storage</a:t>
             </a:r>
+            <a:br>
+              <a:rPr lang="en-US" dirty="0"/>
+            </a:br>
+            <a:br>
+              <a:rPr lang="en-US" dirty="0"/>
+            </a:br>
+            <a:br>
+              <a:rPr lang="en-US" dirty="0"/>
+            </a:br>
+            <a:br>
+              <a:rPr lang="en-US" b="1" dirty="0"/>
+            </a:br>
+            <a:endParaRPr lang="de-DE" dirty="0"/>
           </a:p>
         </p:txBody>
       </p:sp>
@@ -18808,16 +21395,102 @@
           </a:fontRef>
         </p:style>
       </p:cxnSp>
+      <p:grpSp>
+        <p:nvGrpSpPr>
+          <p:cNvPr id="3" name="Group 2"/>
+          <p:cNvGrpSpPr/>
+          <p:nvPr/>
+        </p:nvGrpSpPr>
+        <p:grpSpPr>
+          <a:xfrm>
+            <a:off x="390853" y="1499010"/>
+            <a:ext cx="11123078" cy="3876876"/>
+            <a:chOff x="971550" y="1356712"/>
+            <a:chExt cx="7820025" cy="784091"/>
+          </a:xfrm>
+        </p:grpSpPr>
+        <p:sp>
+          <p:nvSpPr>
+            <p:cNvPr id="8" name="TextBox 7"/>
+            <p:cNvSpPr txBox="1"/>
+            <p:nvPr/>
+          </p:nvSpPr>
+          <p:spPr>
+            <a:xfrm>
+              <a:off x="1149453" y="1356712"/>
+              <a:ext cx="6181725" cy="369332"/>
+            </a:xfrm>
+            <a:prstGeom prst="rect">
+              <a:avLst/>
+            </a:prstGeom>
+            <a:noFill/>
+          </p:spPr>
+          <p:txBody>
+            <a:bodyPr wrap="square" rtlCol="0">
+              <a:spAutoFit/>
+            </a:bodyPr>
+            <a:lstStyle/>
+            <a:p>
+              <a:pPr marL="285750" indent="-285750">
+                <a:buFont typeface="Wingdings" panose="05000000000000000000" pitchFamily="2" charset="2"/>
+                <a:buChar char="§"/>
+              </a:pPr>
+              <a:endParaRPr lang="en-US" dirty="0">
+                <a:solidFill>
+                  <a:prstClr val="black"/>
+                </a:solidFill>
+                <a:cs typeface="Times New Roman" panose="02020603050405020304" pitchFamily="18" charset="0"/>
+              </a:endParaRPr>
+            </a:p>
+          </p:txBody>
+        </p:sp>
+        <p:sp>
+          <p:nvSpPr>
+            <p:cNvPr id="12" name="TextBox 11"/>
+            <p:cNvSpPr txBox="1"/>
+            <p:nvPr/>
+          </p:nvSpPr>
+          <p:spPr>
+            <a:xfrm>
+              <a:off x="971550" y="1771471"/>
+              <a:ext cx="7820025" cy="369332"/>
+            </a:xfrm>
+            <a:prstGeom prst="rect">
+              <a:avLst/>
+            </a:prstGeom>
+            <a:noFill/>
+          </p:spPr>
+          <p:txBody>
+            <a:bodyPr wrap="square" rtlCol="0">
+              <a:spAutoFit/>
+            </a:bodyPr>
+            <a:lstStyle/>
+            <a:p>
+              <a:pPr marL="285750" indent="-285750">
+                <a:buFont typeface="Wingdings" panose="05000000000000000000" pitchFamily="2" charset="2"/>
+                <a:buChar char="§"/>
+              </a:pPr>
+              <a:endParaRPr lang="en-US" dirty="0">
+                <a:solidFill>
+                  <a:prstClr val="black"/>
+                </a:solidFill>
+                <a:latin typeface="Times New Roman" panose="02020603050405020304" pitchFamily="18" charset="0"/>
+                <a:cs typeface="Times New Roman" panose="02020603050405020304" pitchFamily="18" charset="0"/>
+              </a:endParaRPr>
+            </a:p>
+          </p:txBody>
+        </p:sp>
+      </p:grpSp>
       <p:sp>
         <p:nvSpPr>
-          <p:cNvPr id="4" name="TextBox 3"/>
+          <p:cNvPr id="15" name="TextBox 14"/>
           <p:cNvSpPr txBox="1"/>
           <p:nvPr/>
         </p:nvSpPr>
         <p:spPr>
           <a:xfrm>
-            <a:off x="289932" y="1404226"/>
-            <a:ext cx="11541512" cy="5232202"/>
+            <a:off x="79312" y="1494120"/>
+            <a:ext cx="11884088" cy="4647426"/>
           </a:xfrm>
           <a:prstGeom prst="rect">
             <a:avLst/>
@@ -18830,20 +21503,20 @@
           </a:bodyPr>
           <a:lstStyle/>
           <a:p>
-            <a:pPr marL="285750" indent="-285750">
+            <a:pPr marL="457200" indent="-457200">
               <a:buFont typeface="Wingdings" panose="05000000000000000000" pitchFamily="2" charset="2"/>
               <a:buChar char="q"/>
             </a:pPr>
             <a:r>
               <a:rPr lang="en-US" sz="2800" dirty="0"/>
-              <a:t>Concept: Excess renewable → hydrogen via electrolysis → stored &amp; reconverted.</a:t>
+              <a:t>How it works: stores heat from solar thermal plants.</a:t>
             </a:r>
           </a:p>
           <a:p>
             <a:endParaRPr lang="en-US" sz="2800" dirty="0"/>
           </a:p>
           <a:p>
-            <a:pPr marL="285750" indent="-285750">
+            <a:pPr marL="457200" indent="-457200">
               <a:buFont typeface="Wingdings" panose="05000000000000000000" pitchFamily="2" charset="2"/>
               <a:buChar char="q"/>
             </a:pPr>
@@ -18855,62 +21528,79 @@
           <a:p>
             <a:r>
               <a:rPr lang="en-US" sz="2800" dirty="0"/>
-              <a:t>• High solar &amp; wind → large hydrogen production possible.</a:t>
+              <a:t>• Abundant solar radiation = excellent for CSP with TES.</a:t>
             </a:r>
           </a:p>
           <a:p>
             <a:r>
               <a:rPr lang="en-US" sz="2800" dirty="0"/>
-              <a:t>• Not sensitive to temperature like batteries.</a:t>
+              <a:t>• Works well in desert regions (Palmyra, </a:t>
             </a:r>
-          </a:p>
-          <a:p>
+            <a:r>
+              <a:rPr lang="en-US" sz="2800" dirty="0" err="1"/>
+              <a:t>Deir</a:t>
+            </a:r>
             <a:r>
               <a:rPr lang="en-US" sz="2800" dirty="0"/>
-              <a:t>• Suitable for long-term &amp; seasonal storage.</a:t>
+              <a:t> </a:t>
             </a:r>
+            <a:r>
+              <a:rPr lang="en-US" sz="2800" dirty="0" err="1"/>
+              <a:t>Ezzor</a:t>
+            </a:r>
+            <a:r>
+              <a:rPr lang="en-US" sz="2800" dirty="0"/>
+              <a:t>).</a:t>
+            </a:r>
           </a:p>
           <a:p>
             <a:endParaRPr lang="en-US" sz="2800" dirty="0"/>
           </a:p>
           <a:p>
-            <a:pPr marL="285750" indent="-285750">
+            <a:pPr marL="457200" indent="-457200">
               <a:buFont typeface="Wingdings" panose="05000000000000000000" pitchFamily="2" charset="2"/>
               <a:buChar char="q"/>
             </a:pPr>
             <a:r>
               <a:rPr lang="en-US" sz="2800" dirty="0"/>
-              <a:t>Suitability: Promising for the future.</a:t>
+              <a:t>Suitability: Very high potential.</a:t>
             </a:r>
           </a:p>
           <a:p>
+            <a:pPr>
+              <a:lnSpc>
+                <a:spcPct val="150000"/>
+              </a:lnSpc>
+            </a:pPr>
+            <a:br>
+              <a:rPr lang="en-US" dirty="0"/>
+            </a:br>
             <a:endParaRPr lang="en-US" dirty="0"/>
           </a:p>
           <a:p>
-            <a:endParaRPr lang="en-US" dirty="0"/>
-          </a:p>
-          <a:p>
-            <a:endParaRPr lang="en-US" dirty="0"/>
+            <a:pPr marL="285750" indent="-285750">
+              <a:buFont typeface="Arial" panose="020B0604020202020204" pitchFamily="34" charset="0"/>
+              <a:buChar char="•"/>
+            </a:pPr>
+            <a:endParaRPr lang="en-US" b="1" dirty="0">
+              <a:solidFill>
+                <a:prstClr val="black"/>
+              </a:solidFill>
+              <a:cs typeface="Times New Roman" panose="02020603050405020304" pitchFamily="18" charset="0"/>
+            </a:endParaRPr>
           </a:p>
         </p:txBody>
       </p:sp>
     </p:spTree>
     <p:extLst>
       <p:ext uri="{BB962C8B-B14F-4D97-AF65-F5344CB8AC3E}">
-        <p14:creationId xmlns:p14="http://schemas.microsoft.com/office/powerpoint/2010/main" val="3005013907"/>
+        <p14:creationId xmlns:p14="http://schemas.microsoft.com/office/powerpoint/2010/main" val="2189382246"/>
       </p:ext>
     </p:extLst>
   </p:cSld>
   <p:clrMapOvr>
     <a:masterClrMapping/>
   </p:clrMapOvr>
-  <p:timing>
-    <p:tnLst>
-      <p:par>
-        <p:cTn id="1" dur="indefinite" restart="never" nodeType="tmRoot"/>
-      </p:par>
-    </p:tnLst>
-  </p:timing>
 </p:sld>
 </file>
 
@@ -20899,25 +23589,20 @@
         </p:nvSpPr>
         <p:spPr>
           <a:xfrm>
-            <a:off x="217094" y="409287"/>
+            <a:off x="217094" y="506538"/>
             <a:ext cx="7982574" cy="712728"/>
           </a:xfrm>
         </p:spPr>
         <p:txBody>
           <a:bodyPr>
-            <a:normAutofit fontScale="90000"/>
+            <a:normAutofit/>
           </a:bodyPr>
           <a:lstStyle/>
           <a:p>
             <a:r>
               <a:rPr lang="en-US" dirty="0"/>
-              <a:t>Comparison of </a:t>
+              <a:t>Power-to-Gas (Hydrogen)</a:t>
             </a:r>
-            <a:r>
-              <a:rPr lang="en-US" dirty="0" smtClean="0"/>
-              <a:t>Storage Systems</a:t>
-            </a:r>
-            <a:endParaRPr lang="en-US" dirty="0"/>
           </a:p>
         </p:txBody>
       </p:sp>
@@ -20965,7 +23650,7 @@
         <p:spPr>
           <a:xfrm>
             <a:off x="289932" y="1404226"/>
-            <a:ext cx="11541512" cy="923330"/>
+            <a:ext cx="11541512" cy="5232202"/>
           </a:xfrm>
           <a:prstGeom prst="rect">
             <a:avLst/>
@@ -20978,6 +23663,60 @@
           </a:bodyPr>
           <a:lstStyle/>
           <a:p>
+            <a:pPr marL="285750" indent="-285750">
+              <a:buFont typeface="Wingdings" panose="05000000000000000000" pitchFamily="2" charset="2"/>
+              <a:buChar char="q"/>
+            </a:pPr>
+            <a:r>
+              <a:rPr lang="en-US" sz="2800" dirty="0"/>
+              <a:t>Concept: Excess renewable → hydrogen via electrolysis → stored &amp; reconverted.</a:t>
+            </a:r>
+          </a:p>
+          <a:p>
+            <a:endParaRPr lang="en-US" sz="2800" dirty="0"/>
+          </a:p>
+          <a:p>
+            <a:pPr marL="285750" indent="-285750">
+              <a:buFont typeface="Wingdings" panose="05000000000000000000" pitchFamily="2" charset="2"/>
+              <a:buChar char="q"/>
+            </a:pPr>
+            <a:r>
+              <a:rPr lang="en-US" sz="2800" dirty="0"/>
+              <a:t>Syrian Context:</a:t>
+            </a:r>
+          </a:p>
+          <a:p>
+            <a:r>
+              <a:rPr lang="en-US" sz="2800" dirty="0"/>
+              <a:t>• High solar &amp; wind → large hydrogen production possible.</a:t>
+            </a:r>
+          </a:p>
+          <a:p>
+            <a:r>
+              <a:rPr lang="en-US" sz="2800" dirty="0"/>
+              <a:t>• Not sensitive to temperature like batteries.</a:t>
+            </a:r>
+          </a:p>
+          <a:p>
+            <a:r>
+              <a:rPr lang="en-US" sz="2800" dirty="0"/>
+              <a:t>• Suitable for long-term &amp; seasonal storage.</a:t>
+            </a:r>
+          </a:p>
+          <a:p>
+            <a:endParaRPr lang="en-US" sz="2800" dirty="0"/>
+          </a:p>
+          <a:p>
+            <a:pPr marL="285750" indent="-285750">
+              <a:buFont typeface="Wingdings" panose="05000000000000000000" pitchFamily="2" charset="2"/>
+              <a:buChar char="q"/>
+            </a:pPr>
+            <a:r>
+              <a:rPr lang="en-US" sz="2800" dirty="0"/>
+              <a:t>Suitability: Promising for the future.</a:t>
+            </a:r>
+          </a:p>
+          <a:p>
             <a:endParaRPr lang="en-US" dirty="0"/>
           </a:p>
           <a:p>
@@ -20988,482 +23727,16 @@
           </a:p>
         </p:txBody>
       </p:sp>
-      <p:graphicFrame>
-        <p:nvGraphicFramePr>
-          <p:cNvPr id="3" name="Table 2"/>
-          <p:cNvGraphicFramePr>
-            <a:graphicFrameLocks noGrp="1"/>
-          </p:cNvGraphicFramePr>
-          <p:nvPr>
-            <p:extLst>
-              <p:ext uri="{D42A27DB-BD31-4B8C-83A1-F6EECF244321}">
-                <p14:modId xmlns:p14="http://schemas.microsoft.com/office/powerpoint/2010/main" val="1084749972"/>
-              </p:ext>
-            </p:extLst>
-          </p:nvPr>
-        </p:nvGraphicFramePr>
-        <p:xfrm>
-          <a:off x="217094" y="1422992"/>
-          <a:ext cx="11614349" cy="5060435"/>
-        </p:xfrm>
-        <a:graphic>
-          <a:graphicData uri="http://schemas.openxmlformats.org/drawingml/2006/table">
-            <a:tbl>
-              <a:tblPr rtl="1" firstRow="1" bandRow="1">
-                <a:tableStyleId>{5C22544A-7EE6-4342-B048-85BDC9FD1C3A}</a:tableStyleId>
-              </a:tblPr>
-              <a:tblGrid>
-                <a:gridCol w="2486721">
-                  <a:extLst>
-                    <a:ext uri="{9D8B030D-6E8A-4147-A177-3AD203B41FA5}">
-                      <a16:colId xmlns:a16="http://schemas.microsoft.com/office/drawing/2014/main" val="3446823336"/>
-                    </a:ext>
-                  </a:extLst>
-                </a:gridCol>
-                <a:gridCol w="3026207">
-                  <a:extLst>
-                    <a:ext uri="{9D8B030D-6E8A-4147-A177-3AD203B41FA5}">
-                      <a16:colId xmlns:a16="http://schemas.microsoft.com/office/drawing/2014/main" val="1739628956"/>
-                    </a:ext>
-                  </a:extLst>
-                </a:gridCol>
-                <a:gridCol w="3197834">
-                  <a:extLst>
-                    <a:ext uri="{9D8B030D-6E8A-4147-A177-3AD203B41FA5}">
-                      <a16:colId xmlns:a16="http://schemas.microsoft.com/office/drawing/2014/main" val="3720153564"/>
-                    </a:ext>
-                  </a:extLst>
-                </a:gridCol>
-                <a:gridCol w="2903587">
-                  <a:extLst>
-                    <a:ext uri="{9D8B030D-6E8A-4147-A177-3AD203B41FA5}">
-                      <a16:colId xmlns:a16="http://schemas.microsoft.com/office/drawing/2014/main" val="3729957795"/>
-                    </a:ext>
-                  </a:extLst>
-                </a:gridCol>
-              </a:tblGrid>
-              <a:tr h="1012087">
-                <a:tc>
-                  <a:txBody>
-                    <a:bodyPr/>
-                    <a:lstStyle/>
-                    <a:p>
-                      <a:r>
-                        <a:rPr lang="en-US" dirty="0" smtClean="0"/>
-                        <a:t>Support</a:t>
-                      </a:r>
-                      <a:endParaRPr lang="ar-EG" dirty="0"/>
-                    </a:p>
-                  </a:txBody>
-                  <a:tcPr anchor="ctr"/>
-                </a:tc>
-                <a:tc>
-                  <a:txBody>
-                    <a:bodyPr/>
-                    <a:lstStyle/>
-                    <a:p>
-                      <a:r>
-                        <a:rPr lang="en-US" baseline="0" dirty="0" smtClean="0"/>
-                        <a:t>  </a:t>
-                      </a:r>
-                      <a:r>
-                        <a:rPr lang="en-US" dirty="0" smtClean="0"/>
-                        <a:t>Challenges</a:t>
-                      </a:r>
-                      <a:endParaRPr lang="ar-EG" dirty="0"/>
-                    </a:p>
-                  </a:txBody>
-                  <a:tcPr anchor="ctr"/>
-                </a:tc>
-                <a:tc>
-                  <a:txBody>
-                    <a:bodyPr/>
-                    <a:lstStyle/>
-                    <a:p>
-                      <a:pPr rtl="1"/>
-                      <a:r>
-                        <a:rPr lang="en-US" dirty="0" smtClean="0"/>
-                        <a:t/>
-                      </a:r>
-                      <a:br>
-                        <a:rPr lang="en-US" dirty="0" smtClean="0"/>
-                      </a:br>
-                      <a:r>
-                        <a:rPr lang="en-US" dirty="0" smtClean="0"/>
-                        <a:t>Advantages in Syria</a:t>
-                      </a:r>
-                      <a:endParaRPr lang="ar-EG" dirty="0"/>
-                    </a:p>
-                  </a:txBody>
-                  <a:tcPr/>
-                </a:tc>
-                <a:tc>
-                  <a:txBody>
-                    <a:bodyPr/>
-                    <a:lstStyle/>
-                    <a:p>
-                      <a:pPr rtl="1"/>
-                      <a:r>
-                        <a:rPr lang="en-US" dirty="0" smtClean="0"/>
-                        <a:t/>
-                      </a:r>
-                      <a:br>
-                        <a:rPr lang="en-US" dirty="0" smtClean="0"/>
-                      </a:br>
-                      <a:r>
-                        <a:rPr lang="en-US" dirty="0" smtClean="0"/>
-                        <a:t>System</a:t>
-                      </a:r>
-                      <a:endParaRPr lang="ar-EG" dirty="0"/>
-                    </a:p>
-                  </a:txBody>
-                  <a:tcPr/>
-                </a:tc>
-                <a:extLst>
-                  <a:ext uri="{0D108BD9-81ED-4DB2-BD59-A6C34878D82A}">
-                    <a16:rowId xmlns:a16="http://schemas.microsoft.com/office/drawing/2014/main" val="3695929492"/>
-                  </a:ext>
-                </a:extLst>
-              </a:tr>
-              <a:tr h="1012087">
-                <a:tc>
-                  <a:txBody>
-                    <a:bodyPr/>
-                    <a:lstStyle/>
-                    <a:p>
-                      <a:pPr rtl="1"/>
-                      <a:r>
-                        <a:rPr lang="en-US" dirty="0" smtClean="0"/>
-                        <a:t/>
-                      </a:r>
-                      <a:br>
-                        <a:rPr lang="en-US" dirty="0" smtClean="0"/>
-                      </a:br>
-                      <a:r>
-                        <a:rPr lang="en-US" dirty="0" smtClean="0"/>
-                        <a:t>Medium</a:t>
-                      </a:r>
-                      <a:endParaRPr lang="ar-EG" dirty="0"/>
-                    </a:p>
-                  </a:txBody>
-                  <a:tcPr/>
-                </a:tc>
-                <a:tc>
-                  <a:txBody>
-                    <a:bodyPr/>
-                    <a:lstStyle/>
-                    <a:p>
-                      <a:pPr rtl="1"/>
-                      <a:r>
-                        <a:rPr lang="en-US" dirty="0" smtClean="0"/>
-                        <a:t>Needs cooling, lifespan affected by heat</a:t>
-                      </a:r>
-                      <a:endParaRPr lang="ar-EG" dirty="0"/>
-                    </a:p>
-                  </a:txBody>
-                  <a:tcPr/>
-                </a:tc>
-                <a:tc>
-                  <a:txBody>
-                    <a:bodyPr/>
-                    <a:lstStyle/>
-                    <a:p>
-                      <a:pPr rtl="1"/>
-                      <a:r>
-                        <a:rPr lang="en-US" dirty="0" smtClean="0"/>
-                        <a:t>Reliable, suitable for urban areas</a:t>
-                      </a:r>
-                      <a:endParaRPr lang="ar-EG" dirty="0"/>
-                    </a:p>
-                  </a:txBody>
-                  <a:tcPr/>
-                </a:tc>
-                <a:tc>
-                  <a:txBody>
-                    <a:bodyPr/>
-                    <a:lstStyle/>
-                    <a:p>
-                      <a:pPr rtl="1"/>
-                      <a:r>
-                        <a:rPr lang="en-US" dirty="0" smtClean="0"/>
-                        <a:t/>
-                      </a:r>
-                      <a:br>
-                        <a:rPr lang="en-US" dirty="0" smtClean="0"/>
-                      </a:br>
-                      <a:r>
-                        <a:rPr lang="en-US" dirty="0" smtClean="0"/>
-                        <a:t>Batteries (PV)</a:t>
-                      </a:r>
-                      <a:br>
-                        <a:rPr lang="en-US" dirty="0" smtClean="0"/>
-                      </a:br>
-                      <a:endParaRPr lang="ar-EG" dirty="0"/>
-                    </a:p>
-                  </a:txBody>
-                  <a:tcPr/>
-                </a:tc>
-                <a:extLst>
-                  <a:ext uri="{0D108BD9-81ED-4DB2-BD59-A6C34878D82A}">
-                    <a16:rowId xmlns:a16="http://schemas.microsoft.com/office/drawing/2014/main" val="572493906"/>
-                  </a:ext>
-                </a:extLst>
-              </a:tr>
-              <a:tr h="1012087">
-                <a:tc>
-                  <a:txBody>
-                    <a:bodyPr/>
-                    <a:lstStyle/>
-                    <a:p>
-                      <a:r>
-                        <a:rPr lang="en-US" dirty="0" smtClean="0"/>
-                        <a:t>Weak</a:t>
-                      </a:r>
-                      <a:endParaRPr lang="ar-EG" dirty="0"/>
-                    </a:p>
-                  </a:txBody>
-                  <a:tcPr anchor="ctr"/>
-                </a:tc>
-                <a:tc>
-                  <a:txBody>
-                    <a:bodyPr/>
-                    <a:lstStyle/>
-                    <a:p>
-                      <a:pPr rtl="1"/>
-                      <a:r>
-                        <a:rPr lang="en-US" dirty="0" smtClean="0"/>
-                        <a:t>Water scarcity, river dryness</a:t>
-                      </a:r>
-                      <a:endParaRPr lang="ar-EG" dirty="0"/>
-                    </a:p>
-                  </a:txBody>
-                  <a:tcPr/>
-                </a:tc>
-                <a:tc>
-                  <a:txBody>
-                    <a:bodyPr/>
-                    <a:lstStyle/>
-                    <a:p>
-                      <a:pPr rtl="1"/>
-                      <a:r>
-                        <a:rPr lang="en-US" dirty="0" smtClean="0"/>
-                        <a:t>Mature technology, existing dams</a:t>
-                      </a:r>
-                      <a:endParaRPr lang="ar-EG" dirty="0"/>
-                    </a:p>
-                  </a:txBody>
-                  <a:tcPr/>
-                </a:tc>
-                <a:tc>
-                  <a:txBody>
-                    <a:bodyPr/>
-                    <a:lstStyle/>
-                    <a:p>
-                      <a:pPr rtl="1"/>
-                      <a:r>
-                        <a:rPr lang="en-US" dirty="0" smtClean="0"/>
-                        <a:t/>
-                      </a:r>
-                      <a:br>
-                        <a:rPr lang="en-US" dirty="0" smtClean="0"/>
-                      </a:br>
-                      <a:r>
-                        <a:rPr lang="en-US" dirty="0" smtClean="0"/>
-                        <a:t>Pumped Hydro</a:t>
-                      </a:r>
-                      <a:endParaRPr lang="ar-EG" dirty="0"/>
-                    </a:p>
-                  </a:txBody>
-                  <a:tcPr/>
-                </a:tc>
-                <a:extLst>
-                  <a:ext uri="{0D108BD9-81ED-4DB2-BD59-A6C34878D82A}">
-                    <a16:rowId xmlns:a16="http://schemas.microsoft.com/office/drawing/2014/main" val="2805314199"/>
-                  </a:ext>
-                </a:extLst>
-              </a:tr>
-              <a:tr h="1012087">
-                <a:tc>
-                  <a:txBody>
-                    <a:bodyPr/>
-                    <a:lstStyle/>
-                    <a:p>
-                      <a:pPr rtl="1"/>
-                      <a:r>
-                        <a:rPr lang="en-US" dirty="0" smtClean="0"/>
-                        <a:t/>
-                      </a:r>
-                      <a:br>
-                        <a:rPr lang="en-US" dirty="0" smtClean="0"/>
-                      </a:br>
-                      <a:r>
-                        <a:rPr lang="en-US" dirty="0" smtClean="0"/>
-                        <a:t>High</a:t>
-                      </a:r>
-                      <a:endParaRPr lang="ar-EG" dirty="0"/>
-                    </a:p>
-                  </a:txBody>
-                  <a:tcPr/>
-                </a:tc>
-                <a:tc>
-                  <a:txBody>
-                    <a:bodyPr/>
-                    <a:lstStyle/>
-                    <a:p>
-                      <a:r>
-                        <a:rPr lang="en-US" dirty="0" smtClean="0"/>
-                        <a:t>Requires CSP and investments</a:t>
-                      </a:r>
-                      <a:endParaRPr lang="ar-EG" dirty="0"/>
-                    </a:p>
-                  </a:txBody>
-                  <a:tcPr anchor="ctr"/>
-                </a:tc>
-                <a:tc>
-                  <a:txBody>
-                    <a:bodyPr/>
-                    <a:lstStyle/>
-                    <a:p>
-                      <a:pPr rtl="1"/>
-                      <a:r>
-                        <a:rPr lang="en-US" dirty="0" smtClean="0"/>
-                        <a:t>High solar radiation, effective in deserts</a:t>
-                      </a:r>
-                      <a:endParaRPr lang="ar-EG" dirty="0"/>
-                    </a:p>
-                  </a:txBody>
-                  <a:tcPr/>
-                </a:tc>
-                <a:tc>
-                  <a:txBody>
-                    <a:bodyPr/>
-                    <a:lstStyle/>
-                    <a:p>
-                      <a:pPr rtl="1"/>
-                      <a:r>
-                        <a:rPr lang="en-US" dirty="0" smtClean="0"/>
-                        <a:t/>
-                      </a:r>
-                      <a:br>
-                        <a:rPr lang="en-US" dirty="0" smtClean="0"/>
-                      </a:br>
-                      <a:r>
-                        <a:rPr lang="en-US" dirty="0" smtClean="0"/>
-                        <a:t>Thermal (TES)</a:t>
-                      </a:r>
-                      <a:endParaRPr lang="ar-EG" dirty="0"/>
-                    </a:p>
-                  </a:txBody>
-                  <a:tcPr/>
-                </a:tc>
-                <a:extLst>
-                  <a:ext uri="{0D108BD9-81ED-4DB2-BD59-A6C34878D82A}">
-                    <a16:rowId xmlns:a16="http://schemas.microsoft.com/office/drawing/2014/main" val="1193401298"/>
-                  </a:ext>
-                </a:extLst>
-              </a:tr>
-              <a:tr h="1012087">
-                <a:tc>
-                  <a:txBody>
-                    <a:bodyPr/>
-                    <a:lstStyle/>
-                    <a:p>
-                      <a:pPr rtl="1"/>
-                      <a:r>
-                        <a:rPr lang="en-US" dirty="0" smtClean="0"/>
-                        <a:t/>
-                      </a:r>
-                      <a:br>
-                        <a:rPr lang="en-US" dirty="0" smtClean="0"/>
-                      </a:br>
-                      <a:r>
-                        <a:rPr lang="en-US" dirty="0" smtClean="0"/>
-                        <a:t>Very high</a:t>
-                      </a:r>
-                      <a:endParaRPr lang="ar-EG" dirty="0"/>
-                    </a:p>
-                  </a:txBody>
-                  <a:tcPr/>
-                </a:tc>
-                <a:tc>
-                  <a:txBody>
-                    <a:bodyPr/>
-                    <a:lstStyle/>
-                    <a:p>
-                      <a:pPr rtl="1"/>
-                      <a:r>
-                        <a:rPr lang="en-US" dirty="0" smtClean="0"/>
-                        <a:t>Expensive, requires new infrastructure</a:t>
-                      </a:r>
-                      <a:endParaRPr lang="ar-EG" dirty="0"/>
-                    </a:p>
-                  </a:txBody>
-                  <a:tcPr/>
-                </a:tc>
-                <a:tc>
-                  <a:txBody>
-                    <a:bodyPr/>
-                    <a:lstStyle/>
-                    <a:p>
-                      <a:pPr rtl="1"/>
-                      <a:r>
-                        <a:rPr lang="en-US" dirty="0" smtClean="0"/>
-                        <a:t>Long-term storage, insensitive to weather</a:t>
-                      </a:r>
-                      <a:endParaRPr lang="ar-EG" dirty="0"/>
-                    </a:p>
-                  </a:txBody>
-                  <a:tcPr/>
-                </a:tc>
-                <a:tc>
-                  <a:txBody>
-                    <a:bodyPr/>
-                    <a:lstStyle/>
-                    <a:p>
-                      <a:pPr rtl="1"/>
-                      <a:r>
-                        <a:rPr lang="en-US" dirty="0" smtClean="0"/>
-                        <a:t/>
-                      </a:r>
-                      <a:br>
-                        <a:rPr lang="en-US" dirty="0" smtClean="0"/>
-                      </a:br>
-                      <a:r>
-                        <a:rPr lang="en-US" dirty="0" smtClean="0"/>
-                        <a:t>Hydrogen (H2)</a:t>
-                      </a:r>
-                      <a:endParaRPr lang="ar-EG" dirty="0"/>
-                    </a:p>
-                  </a:txBody>
-                  <a:tcPr/>
-                </a:tc>
-                <a:extLst>
-                  <a:ext uri="{0D108BD9-81ED-4DB2-BD59-A6C34878D82A}">
-                    <a16:rowId xmlns:a16="http://schemas.microsoft.com/office/drawing/2014/main" val="345230410"/>
-                  </a:ext>
-                </a:extLst>
-              </a:tr>
-            </a:tbl>
-          </a:graphicData>
-        </a:graphic>
-      </p:graphicFrame>
     </p:spTree>
     <p:extLst>
       <p:ext uri="{BB962C8B-B14F-4D97-AF65-F5344CB8AC3E}">
-        <p14:creationId xmlns:p14="http://schemas.microsoft.com/office/powerpoint/2010/main" val="1117159331"/>
+        <p14:creationId xmlns:p14="http://schemas.microsoft.com/office/powerpoint/2010/main" val="3005013907"/>
       </p:ext>
     </p:extLst>
   </p:cSld>
   <p:clrMapOvr>
     <a:masterClrMapping/>
   </p:clrMapOvr>
-  <p:timing>
-    <p:tnLst>
-      <p:par>
-        <p:cTn id="1" dur="indefinite" restart="never" nodeType="tmRoot"/>
-      </p:par>
-    </p:tnLst>
-  </p:timing>
 </p:sld>
 </file>
 
@@ -23452,44 +25725,20 @@
         </p:nvSpPr>
         <p:spPr>
           <a:xfrm>
-            <a:off x="197151" y="1613002"/>
-            <a:ext cx="7982574" cy="159085"/>
+            <a:off x="217094" y="409287"/>
+            <a:ext cx="7982574" cy="712728"/>
           </a:xfrm>
         </p:spPr>
         <p:txBody>
           <a:bodyPr>
-            <a:normAutofit fontScale="90000"/>
+            <a:normAutofit/>
           </a:bodyPr>
           <a:lstStyle/>
           <a:p>
             <a:r>
               <a:rPr lang="en-US" dirty="0"/>
-              <a:t>Conclusion</a:t>
+              <a:t>Comparison of Storage Systems</a:t>
             </a:r>
-            <a:br>
-              <a:rPr lang="en-US" dirty="0"/>
-            </a:br>
-            <a:r>
-              <a:rPr lang="de-DE" dirty="0"/>
-              <a:t/>
-            </a:r>
-            <a:br>
-              <a:rPr lang="de-DE" dirty="0"/>
-            </a:br>
-            <a:r>
-              <a:rPr lang="de-DE" kern="100" dirty="0">
-                <a:ea typeface="Aptos" panose="020B0004020202020204" pitchFamily="34" charset="0"/>
-                <a:cs typeface="Arial" panose="020B0604020202020204" pitchFamily="34" charset="0"/>
-              </a:rPr>
-              <a:t/>
-            </a:r>
-            <a:br>
-              <a:rPr lang="de-DE" kern="100" dirty="0">
-                <a:ea typeface="Aptos" panose="020B0004020202020204" pitchFamily="34" charset="0"/>
-                <a:cs typeface="Arial" panose="020B0604020202020204" pitchFamily="34" charset="0"/>
-              </a:rPr>
-            </a:br>
-            <a:endParaRPr lang="de-DE" dirty="0"/>
           </a:p>
         </p:txBody>
       </p:sp>
@@ -23537,7 +25786,7 @@
         <p:spPr>
           <a:xfrm>
             <a:off x="289932" y="1404226"/>
-            <a:ext cx="11541512" cy="5740033"/>
+            <a:ext cx="11541512" cy="923330"/>
           </a:xfrm>
           <a:prstGeom prst="rect">
             <a:avLst/>
@@ -23550,43 +25799,7 @@
           </a:bodyPr>
           <a:lstStyle/>
           <a:p>
-            <a:r>
-              <a:rPr lang="en-US" sz="1100" b="1" dirty="0"/>
-              <a:t/>
-            </a:r>
-            <a:br>
-              <a:rPr lang="en-US" sz="1100" b="1" dirty="0"/>
-            </a:br>
-            <a:r>
-              <a:rPr lang="en-US" sz="3200" dirty="0"/>
-              <a:t>• Syrian climate favors solar-based storage solutions.</a:t>
-            </a:r>
-          </a:p>
-          <a:p>
-            <a:r>
-              <a:rPr lang="en-US" sz="3200" dirty="0"/>
-              <a:t>• Thermal Energy Storage &amp; Hydrogen are most suitable long-term.</a:t>
-            </a:r>
-          </a:p>
-          <a:p>
-            <a:r>
-              <a:rPr lang="en-US" sz="3200" dirty="0"/>
-              <a:t>• Batteries useful for short-term balancing but require cooling.</a:t>
-            </a:r>
-          </a:p>
-          <a:p>
-            <a:r>
-              <a:rPr lang="en-US" sz="3200" dirty="0"/>
-              <a:t>• Pumped Hydro has limited potential due to water scarcity.</a:t>
-            </a:r>
-          </a:p>
-          <a:p>
-            <a:pPr>
-              <a:lnSpc>
-                <a:spcPct val="200000"/>
-              </a:lnSpc>
-            </a:pPr>
-            <a:endParaRPr lang="en-US" sz="3200" dirty="0"/>
+            <a:endParaRPr lang="en-US" dirty="0"/>
           </a:p>
           <a:p>
             <a:endParaRPr lang="en-US" dirty="0"/>
@@ -23596,23 +25809,439 @@
           </a:p>
         </p:txBody>
       </p:sp>
+      <p:graphicFrame>
+        <p:nvGraphicFramePr>
+          <p:cNvPr id="3" name="Table 2"/>
+          <p:cNvGraphicFramePr>
+            <a:graphicFrameLocks noGrp="1"/>
+          </p:cNvGraphicFramePr>
+          <p:nvPr>
+            <p:extLst>
+              <p:ext uri="{D42A27DB-BD31-4B8C-83A1-F6EECF244321}">
+                <p14:modId xmlns:p14="http://schemas.microsoft.com/office/powerpoint/2010/main" val="1084749972"/>
+              </p:ext>
+            </p:extLst>
+          </p:nvPr>
+        </p:nvGraphicFramePr>
+        <p:xfrm>
+          <a:off x="217094" y="1422992"/>
+          <a:ext cx="11614349" cy="5060435"/>
+        </p:xfrm>
+        <a:graphic>
+          <a:graphicData uri="http://schemas.openxmlformats.org/drawingml/2006/table">
+            <a:tbl>
+              <a:tblPr rtl="1" firstRow="1" bandRow="1">
+                <a:tableStyleId>{5C22544A-7EE6-4342-B048-85BDC9FD1C3A}</a:tableStyleId>
+              </a:tblPr>
+              <a:tblGrid>
+                <a:gridCol w="2486721">
+                  <a:extLst>
+                    <a:ext uri="{9D8B030D-6E8A-4147-A177-3AD203B41FA5}">
+                      <a16:colId xmlns:a16="http://schemas.microsoft.com/office/drawing/2014/main" val="3446823336"/>
+                    </a:ext>
+                  </a:extLst>
+                </a:gridCol>
+                <a:gridCol w="3026207">
+                  <a:extLst>
+                    <a:ext uri="{9D8B030D-6E8A-4147-A177-3AD203B41FA5}">
+                      <a16:colId xmlns:a16="http://schemas.microsoft.com/office/drawing/2014/main" val="1739628956"/>
+                    </a:ext>
+                  </a:extLst>
+                </a:gridCol>
+                <a:gridCol w="3197834">
+                  <a:extLst>
+                    <a:ext uri="{9D8B030D-6E8A-4147-A177-3AD203B41FA5}">
+                      <a16:colId xmlns:a16="http://schemas.microsoft.com/office/drawing/2014/main" val="3720153564"/>
+                    </a:ext>
+                  </a:extLst>
+                </a:gridCol>
+                <a:gridCol w="2903587">
+                  <a:extLst>
+                    <a:ext uri="{9D8B030D-6E8A-4147-A177-3AD203B41FA5}">
+                      <a16:colId xmlns:a16="http://schemas.microsoft.com/office/drawing/2014/main" val="3729957795"/>
+                    </a:ext>
+                  </a:extLst>
+                </a:gridCol>
+              </a:tblGrid>
+              <a:tr h="1012087">
+                <a:tc>
+                  <a:txBody>
+                    <a:bodyPr/>
+                    <a:lstStyle/>
+                    <a:p>
+                      <a:r>
+                        <a:rPr lang="en-US" dirty="0"/>
+                        <a:t>Support</a:t>
+                      </a:r>
+                      <a:endParaRPr lang="ar-EG" dirty="0"/>
+                    </a:p>
+                  </a:txBody>
+                  <a:tcPr anchor="ctr"/>
+                </a:tc>
+                <a:tc>
+                  <a:txBody>
+                    <a:bodyPr/>
+                    <a:lstStyle/>
+                    <a:p>
+                      <a:r>
+                        <a:rPr lang="en-US" baseline="0" dirty="0"/>
+                        <a:t>  </a:t>
+                      </a:r>
+                      <a:r>
+                        <a:rPr lang="en-US" dirty="0"/>
+                        <a:t>Challenges</a:t>
+                      </a:r>
+                      <a:endParaRPr lang="ar-EG" dirty="0"/>
+                    </a:p>
+                  </a:txBody>
+                  <a:tcPr anchor="ctr"/>
+                </a:tc>
+                <a:tc>
+                  <a:txBody>
+                    <a:bodyPr/>
+                    <a:lstStyle/>
+                    <a:p>
+                      <a:pPr rtl="1"/>
+                      <a:br>
+                        <a:rPr lang="en-US" dirty="0"/>
+                      </a:br>
+                      <a:r>
+                        <a:rPr lang="en-US" dirty="0"/>
+                        <a:t>Advantages in Syria</a:t>
+                      </a:r>
+                      <a:endParaRPr lang="ar-EG" dirty="0"/>
+                    </a:p>
+                  </a:txBody>
+                  <a:tcPr/>
+                </a:tc>
+                <a:tc>
+                  <a:txBody>
+                    <a:bodyPr/>
+                    <a:lstStyle/>
+                    <a:p>
+                      <a:pPr rtl="1"/>
+                      <a:br>
+                        <a:rPr lang="en-US" dirty="0"/>
+                      </a:br>
+                      <a:r>
+                        <a:rPr lang="en-US" dirty="0"/>
+                        <a:t>System</a:t>
+                      </a:r>
+                      <a:endParaRPr lang="ar-EG" dirty="0"/>
+                    </a:p>
+                  </a:txBody>
+                  <a:tcPr/>
+                </a:tc>
+                <a:extLst>
+                  <a:ext uri="{0D108BD9-81ED-4DB2-BD59-A6C34878D82A}">
+                    <a16:rowId xmlns:a16="http://schemas.microsoft.com/office/drawing/2014/main" val="3695929492"/>
+                  </a:ext>
+                </a:extLst>
+              </a:tr>
+              <a:tr h="1012087">
+                <a:tc>
+                  <a:txBody>
+                    <a:bodyPr/>
+                    <a:lstStyle/>
+                    <a:p>
+                      <a:pPr rtl="1"/>
+                      <a:br>
+                        <a:rPr lang="en-US" dirty="0"/>
+                      </a:br>
+                      <a:r>
+                        <a:rPr lang="en-US" dirty="0"/>
+                        <a:t>Medium</a:t>
+                      </a:r>
+                      <a:endParaRPr lang="ar-EG" dirty="0"/>
+                    </a:p>
+                  </a:txBody>
+                  <a:tcPr/>
+                </a:tc>
+                <a:tc>
+                  <a:txBody>
+                    <a:bodyPr/>
+                    <a:lstStyle/>
+                    <a:p>
+                      <a:pPr rtl="1"/>
+                      <a:r>
+                        <a:rPr lang="en-US" dirty="0"/>
+                        <a:t>Needs cooling, lifespan affected by heat</a:t>
+                      </a:r>
+                      <a:endParaRPr lang="ar-EG" dirty="0"/>
+                    </a:p>
+                  </a:txBody>
+                  <a:tcPr/>
+                </a:tc>
+                <a:tc>
+                  <a:txBody>
+                    <a:bodyPr/>
+                    <a:lstStyle/>
+                    <a:p>
+                      <a:pPr rtl="1"/>
+                      <a:r>
+                        <a:rPr lang="en-US" dirty="0"/>
+                        <a:t>Reliable, suitable for urban areas</a:t>
+                      </a:r>
+                      <a:endParaRPr lang="ar-EG" dirty="0"/>
+                    </a:p>
+                  </a:txBody>
+                  <a:tcPr/>
+                </a:tc>
+                <a:tc>
+                  <a:txBody>
+                    <a:bodyPr/>
+                    <a:lstStyle/>
+                    <a:p>
+                      <a:pPr rtl="1"/>
+                      <a:br>
+                        <a:rPr lang="en-US" dirty="0"/>
+                      </a:br>
+                      <a:r>
+                        <a:rPr lang="en-US" dirty="0"/>
+                        <a:t>Batteries (PV)</a:t>
+                      </a:r>
+                      <a:br>
+                        <a:rPr lang="en-US" dirty="0"/>
+                      </a:br>
+                      <a:endParaRPr lang="ar-EG" dirty="0"/>
+                    </a:p>
+                  </a:txBody>
+                  <a:tcPr/>
+                </a:tc>
+                <a:extLst>
+                  <a:ext uri="{0D108BD9-81ED-4DB2-BD59-A6C34878D82A}">
+                    <a16:rowId xmlns:a16="http://schemas.microsoft.com/office/drawing/2014/main" val="572493906"/>
+                  </a:ext>
+                </a:extLst>
+              </a:tr>
+              <a:tr h="1012087">
+                <a:tc>
+                  <a:txBody>
+                    <a:bodyPr/>
+                    <a:lstStyle/>
+                    <a:p>
+                      <a:r>
+                        <a:rPr lang="en-US" dirty="0"/>
+                        <a:t>Weak</a:t>
+                      </a:r>
+                      <a:endParaRPr lang="ar-EG" dirty="0"/>
+                    </a:p>
+                  </a:txBody>
+                  <a:tcPr anchor="ctr"/>
+                </a:tc>
+                <a:tc>
+                  <a:txBody>
+                    <a:bodyPr/>
+                    <a:lstStyle/>
+                    <a:p>
+                      <a:pPr rtl="1"/>
+                      <a:r>
+                        <a:rPr lang="en-US" dirty="0"/>
+                        <a:t>Water scarcity, river dryness</a:t>
+                      </a:r>
+                      <a:endParaRPr lang="ar-EG" dirty="0"/>
+                    </a:p>
+                  </a:txBody>
+                  <a:tcPr/>
+                </a:tc>
+                <a:tc>
+                  <a:txBody>
+                    <a:bodyPr/>
+                    <a:lstStyle/>
+                    <a:p>
+                      <a:pPr rtl="1"/>
+                      <a:r>
+                        <a:rPr lang="en-US" dirty="0"/>
+                        <a:t>Mature technology, existing dams</a:t>
+                      </a:r>
+                      <a:endParaRPr lang="ar-EG" dirty="0"/>
+                    </a:p>
+                  </a:txBody>
+                  <a:tcPr/>
+                </a:tc>
+                <a:tc>
+                  <a:txBody>
+                    <a:bodyPr/>
+                    <a:lstStyle/>
+                    <a:p>
+                      <a:pPr rtl="1"/>
+                      <a:br>
+                        <a:rPr lang="en-US" dirty="0"/>
+                      </a:br>
+                      <a:r>
+                        <a:rPr lang="en-US" dirty="0"/>
+                        <a:t>Pumped Hydro</a:t>
+                      </a:r>
+                      <a:endParaRPr lang="ar-EG" dirty="0"/>
+                    </a:p>
+                  </a:txBody>
+                  <a:tcPr/>
+                </a:tc>
+                <a:extLst>
+                  <a:ext uri="{0D108BD9-81ED-4DB2-BD59-A6C34878D82A}">
+                    <a16:rowId xmlns:a16="http://schemas.microsoft.com/office/drawing/2014/main" val="2805314199"/>
+                  </a:ext>
+                </a:extLst>
+              </a:tr>
+              <a:tr h="1012087">
+                <a:tc>
+                  <a:txBody>
+                    <a:bodyPr/>
+                    <a:lstStyle/>
+                    <a:p>
+                      <a:pPr rtl="1"/>
+                      <a:br>
+                        <a:rPr lang="en-US" dirty="0"/>
+                      </a:br>
+                      <a:r>
+                        <a:rPr lang="en-US" dirty="0"/>
+                        <a:t>High</a:t>
+                      </a:r>
+                      <a:endParaRPr lang="ar-EG" dirty="0"/>
+                    </a:p>
+                  </a:txBody>
+                  <a:tcPr/>
+                </a:tc>
+                <a:tc>
+                  <a:txBody>
+                    <a:bodyPr/>
+                    <a:lstStyle/>
+                    <a:p>
+                      <a:r>
+                        <a:rPr lang="en-US" dirty="0"/>
+                        <a:t>Requires CSP and investments</a:t>
+                      </a:r>
+                      <a:endParaRPr lang="ar-EG" dirty="0"/>
+                    </a:p>
+                  </a:txBody>
+                  <a:tcPr anchor="ctr"/>
+                </a:tc>
+                <a:tc>
+                  <a:txBody>
+                    <a:bodyPr/>
+                    <a:lstStyle/>
+                    <a:p>
+                      <a:pPr rtl="1"/>
+                      <a:r>
+                        <a:rPr lang="en-US" dirty="0"/>
+                        <a:t>High solar radiation, effective in deserts</a:t>
+                      </a:r>
+                      <a:endParaRPr lang="ar-EG" dirty="0"/>
+                    </a:p>
+                  </a:txBody>
+                  <a:tcPr/>
+                </a:tc>
+                <a:tc>
+                  <a:txBody>
+                    <a:bodyPr/>
+                    <a:lstStyle/>
+                    <a:p>
+                      <a:pPr rtl="1"/>
+                      <a:br>
+                        <a:rPr lang="en-US" dirty="0"/>
+                      </a:br>
+                      <a:r>
+                        <a:rPr lang="en-US" dirty="0"/>
+                        <a:t>Thermal (TES)</a:t>
+                      </a:r>
+                      <a:endParaRPr lang="ar-EG" dirty="0"/>
+                    </a:p>
+                  </a:txBody>
+                  <a:tcPr/>
+                </a:tc>
+                <a:extLst>
+                  <a:ext uri="{0D108BD9-81ED-4DB2-BD59-A6C34878D82A}">
+                    <a16:rowId xmlns:a16="http://schemas.microsoft.com/office/drawing/2014/main" val="1193401298"/>
+                  </a:ext>
+                </a:extLst>
+              </a:tr>
+              <a:tr h="1012087">
+                <a:tc>
+                  <a:txBody>
+                    <a:bodyPr/>
+                    <a:lstStyle/>
+                    <a:p>
+                      <a:pPr rtl="1"/>
+                      <a:br>
+                        <a:rPr lang="en-US" dirty="0"/>
+                      </a:br>
+                      <a:r>
+                        <a:rPr lang="en-US" dirty="0"/>
+                        <a:t>Very high</a:t>
+                      </a:r>
+                      <a:endParaRPr lang="ar-EG" dirty="0"/>
+                    </a:p>
+                  </a:txBody>
+                  <a:tcPr/>
+                </a:tc>
+                <a:tc>
+                  <a:txBody>
+                    <a:bodyPr/>
+                    <a:lstStyle/>
+                    <a:p>
+                      <a:pPr rtl="1"/>
+                      <a:r>
+                        <a:rPr lang="en-US" dirty="0"/>
+                        <a:t>Expensive, requires new infrastructure</a:t>
+                      </a:r>
+                      <a:endParaRPr lang="ar-EG" dirty="0"/>
+                    </a:p>
+                  </a:txBody>
+                  <a:tcPr/>
+                </a:tc>
+                <a:tc>
+                  <a:txBody>
+                    <a:bodyPr/>
+                    <a:lstStyle/>
+                    <a:p>
+                      <a:pPr rtl="1"/>
+                      <a:r>
+                        <a:rPr lang="en-US" dirty="0"/>
+                        <a:t>Long-term storage, insensitive to weather</a:t>
+                      </a:r>
+                      <a:endParaRPr lang="ar-EG" dirty="0"/>
+                    </a:p>
+                  </a:txBody>
+                  <a:tcPr/>
+                </a:tc>
+                <a:tc>
+                  <a:txBody>
+                    <a:bodyPr/>
+                    <a:lstStyle/>
+                    <a:p>
+                      <a:pPr rtl="1"/>
+                      <a:br>
+                        <a:rPr lang="en-US" dirty="0"/>
+                      </a:br>
+                      <a:r>
+                        <a:rPr lang="en-US" dirty="0"/>
+                        <a:t>Hydrogen (H2)</a:t>
+                      </a:r>
+                      <a:endParaRPr lang="ar-EG" dirty="0"/>
+                    </a:p>
+                  </a:txBody>
+                  <a:tcPr/>
+                </a:tc>
+                <a:extLst>
+                  <a:ext uri="{0D108BD9-81ED-4DB2-BD59-A6C34878D82A}">
+                    <a16:rowId xmlns:a16="http://schemas.microsoft.com/office/drawing/2014/main" val="345230410"/>
+                  </a:ext>
+                </a:extLst>
+              </a:tr>
+            </a:tbl>
+          </a:graphicData>
+        </a:graphic>
+      </p:graphicFrame>
     </p:spTree>
     <p:extLst>
       <p:ext uri="{BB962C8B-B14F-4D97-AF65-F5344CB8AC3E}">
-        <p14:creationId xmlns:p14="http://schemas.microsoft.com/office/powerpoint/2010/main" val="186883546"/>
+        <p14:creationId xmlns:p14="http://schemas.microsoft.com/office/powerpoint/2010/main" val="1117159331"/>
       </p:ext>
     </p:extLst>
   </p:cSld>
   <p:clrMapOvr>
     <a:masterClrMapping/>
   </p:clrMapOvr>
-  <p:timing>
-    <p:tnLst>
-      <p:par>
-        <p:cTn id="1" dur="indefinite" restart="never" nodeType="tmRoot"/>
-      </p:par>
-    </p:tnLst>
-  </p:timing>
 </p:sld>
 </file>
 
@@ -25612,30 +28241,15 @@
           <a:lstStyle/>
           <a:p>
             <a:r>
-              <a:rPr lang="en-US" dirty="0" smtClean="0"/>
-              <a:t>References</a:t>
-            </a:r>
-            <a:r>
               <a:rPr lang="en-US" dirty="0"/>
-              <a:t/>
+              <a:t>Conclusion</a:t>
             </a:r>
             <a:br>
               <a:rPr lang="en-US" dirty="0"/>
             </a:br>
-            <a:r>
-              <a:rPr lang="de-DE" dirty="0"/>
-              <a:t/>
-            </a:r>
             <a:br>
               <a:rPr lang="de-DE" dirty="0"/>
             </a:br>
-            <a:r>
-              <a:rPr lang="de-DE" kern="100" dirty="0">
-                <a:ea typeface="Aptos" panose="020B0004020202020204" pitchFamily="34" charset="0"/>
-                <a:cs typeface="Arial" panose="020B0604020202020204" pitchFamily="34" charset="0"/>
-              </a:rPr>
-              <a:t/>
-            </a:r>
             <a:br>
               <a:rPr lang="de-DE" kern="100" dirty="0">
                 <a:ea typeface="Aptos" panose="020B0004020202020204" pitchFamily="34" charset="0"/>
@@ -25690,7 +28304,7 @@
         <p:spPr>
           <a:xfrm>
             <a:off x="289932" y="1404226"/>
-            <a:ext cx="11541512" cy="5124480"/>
+            <a:ext cx="11541512" cy="5740033"/>
           </a:xfrm>
           <a:prstGeom prst="rect">
             <a:avLst/>
@@ -25703,48 +28317,31 @@
           </a:bodyPr>
           <a:lstStyle/>
           <a:p>
-            <a:r>
-              <a:rPr lang="en-US" sz="1100" b="1" dirty="0" smtClean="0"/>
-              <a:t/>
-            </a:r>
             <a:br>
-              <a:rPr lang="en-US" sz="1100" b="1" dirty="0" smtClean="0"/>
+              <a:rPr lang="en-US" sz="1100" b="1" dirty="0"/>
             </a:br>
             <a:r>
-              <a:rPr lang="en-US" sz="3600" dirty="0"/>
-              <a:t>• IRENA – Renewable Energy &amp; Storage </a:t>
+              <a:rPr lang="en-US" sz="3200" dirty="0"/>
+              <a:t>• Syrian climate favors solar-based storage solutions.</a:t>
             </a:r>
+          </a:p>
+          <a:p>
             <a:r>
-              <a:rPr lang="en-US" sz="3600" dirty="0" smtClean="0"/>
-              <a:t>Reports.</a:t>
+              <a:rPr lang="en-US" sz="3200" dirty="0"/>
+              <a:t>• Thermal Energy Storage &amp; Hydrogen are most suitable long-term.</a:t>
             </a:r>
           </a:p>
           <a:p>
             <a:r>
-              <a:rPr lang="en-US" sz="3600" dirty="0"/>
-              <a:t>• World Bank Climate Data (Syria</a:t>
+              <a:rPr lang="en-US" sz="3200" dirty="0"/>
+              <a:t>• Batteries useful for short-term balancing but require cooling.</a:t>
             </a:r>
+          </a:p>
+          <a:p>
             <a:r>
-              <a:rPr lang="en-US" sz="3600" dirty="0" smtClean="0"/>
-              <a:t>).</a:t>
+              <a:rPr lang="en-US" sz="3200" dirty="0"/>
+              <a:t>• Pumped Hydro has limited potential due to water scarcity.</a:t>
             </a:r>
-          </a:p>
-          <a:p>
-            <a:r>
-              <a:rPr lang="en-US" sz="3600" dirty="0"/>
-              <a:t>• UN ESCWA – Energy in the Arab </a:t>
-            </a:r>
-            <a:r>
-              <a:rPr lang="en-US" sz="3600" dirty="0" smtClean="0"/>
-              <a:t>Region.</a:t>
-            </a:r>
-          </a:p>
-          <a:p>
-            <a:r>
-              <a:rPr lang="en-US" sz="3600" dirty="0"/>
-              <a:t>• Academic studies on Syrian solar potential.</a:t>
-            </a:r>
-            <a:endParaRPr lang="en-US" sz="3600" dirty="0" smtClean="0"/>
           </a:p>
           <a:p>
             <a:pPr>
@@ -25752,7 +28349,7 @@
                 <a:spcPct val="200000"/>
               </a:lnSpc>
             </a:pPr>
-            <a:endParaRPr lang="en-US" sz="3200" dirty="0" smtClean="0"/>
+            <a:endParaRPr lang="en-US" sz="3200" dirty="0"/>
           </a:p>
           <a:p>
             <a:endParaRPr lang="en-US" dirty="0"/>
@@ -25765,20 +28362,13 @@
     </p:spTree>
     <p:extLst>
       <p:ext uri="{BB962C8B-B14F-4D97-AF65-F5344CB8AC3E}">
-        <p14:creationId xmlns:p14="http://schemas.microsoft.com/office/powerpoint/2010/main" val="2875405992"/>
+        <p14:creationId xmlns:p14="http://schemas.microsoft.com/office/powerpoint/2010/main" val="186883546"/>
       </p:ext>
     </p:extLst>
   </p:cSld>
   <p:clrMapOvr>
     <a:masterClrMapping/>
   </p:clrMapOvr>
-  <p:timing>
-    <p:tnLst>
-      <p:par>
-        <p:cTn id="1" dur="indefinite" restart="never" nodeType="tmRoot"/>
-      </p:par>
-    </p:tnLst>
-  </p:timing>
 </p:sld>
 </file>
 
@@ -26626,6 +29216,23 @@
 </file>
 
 <file path=customXml/item1.xml><?xml version="1.0" encoding="utf-8"?>
+<p:properties xmlns:p="http://schemas.microsoft.com/office/2006/metadata/properties" xmlns:xsi="http://www.w3.org/2001/XMLSchema-instance" xmlns:pc="http://schemas.microsoft.com/office/infopath/2007/PartnerControls">
+  <documentManagement>
+    <_activity xmlns="c2e2211f-efd8-41c4-b0e4-f9d02e6fa652" xsi:nil="true"/>
+  </documentManagement>
+</p:properties>
+</file>
+
+<file path=customXml/item2.xml><?xml version="1.0" encoding="utf-8"?>
+<?mso-contentType ?>
+<FormTemplates xmlns="http://schemas.microsoft.com/sharepoint/v3/contenttype/forms">
+  <Display>DocumentLibraryForm</Display>
+  <Edit>DocumentLibraryForm</Edit>
+  <New>DocumentLibraryForm</New>
+</FormTemplates>
+</file>
+
+<file path=customXml/item3.xml><?xml version="1.0" encoding="utf-8"?>
 <ct:contentTypeSchema xmlns:ct="http://schemas.microsoft.com/office/2006/metadata/contentType" xmlns:ma="http://schemas.microsoft.com/office/2006/metadata/properties/metaAttributes" ct:_="" ma:_="" ma:contentTypeName="Dokument" ma:contentTypeID="0x010100AB8ED8C6ACF53C418E42EFCEE2100334" ma:contentTypeVersion="14" ma:contentTypeDescription="Ein neues Dokument erstellen." ma:contentTypeScope="" ma:versionID="55daf8c1348c2d18c78aba756c4375d5">
   <xsd:schema xmlns:xsd="http://www.w3.org/2001/XMLSchema" xmlns:xs="http://www.w3.org/2001/XMLSchema" xmlns:p="http://schemas.microsoft.com/office/2006/metadata/properties" xmlns:ns3="c2e2211f-efd8-41c4-b0e4-f9d02e6fa652" xmlns:ns4="117e12d0-7e6a-4baf-90da-da83f86f542e" targetNamespace="http://schemas.microsoft.com/office/2006/metadata/properties" ma:root="true" ma:fieldsID="608b4dd469a240f50e4a9492b3699c70" ns3:_="" ns4:_="">
     <xsd:import namespace="c2e2211f-efd8-41c4-b0e4-f9d02e6fa652"/>
@@ -26852,36 +29459,7 @@
 </ct:contentTypeSchema>
 </file>
 
-<file path=customXml/item2.xml><?xml version="1.0" encoding="utf-8"?>
-<?mso-contentType ?>
-<FormTemplates xmlns="http://schemas.microsoft.com/sharepoint/v3/contenttype/forms">
-  <Display>DocumentLibraryForm</Display>
-  <Edit>DocumentLibraryForm</Edit>
-  <New>DocumentLibraryForm</New>
-</FormTemplates>
-</file>
-
-<file path=customXml/item3.xml><?xml version="1.0" encoding="utf-8"?>
-<p:properties xmlns:p="http://schemas.microsoft.com/office/2006/metadata/properties" xmlns:xsi="http://www.w3.org/2001/XMLSchema-instance" xmlns:pc="http://schemas.microsoft.com/office/infopath/2007/PartnerControls">
-  <documentManagement>
-    <_activity xmlns="c2e2211f-efd8-41c4-b0e4-f9d02e6fa652" xsi:nil="true"/>
-  </documentManagement>
-</p:properties>
-</file>
-
 <file path=customXml/itemProps1.xml><?xml version="1.0" encoding="utf-8"?>
-<ds:datastoreItem xmlns:ds="http://schemas.openxmlformats.org/officeDocument/2006/customXml" ds:itemID="{51366F2C-8C74-4E59-ACF3-4A33DBC1BAC2}">
-  <ds:schemaRefs/>
-</ds:datastoreItem>
-</file>
-
-<file path=customXml/itemProps2.xml><?xml version="1.0" encoding="utf-8"?>
-<ds:datastoreItem xmlns:ds="http://schemas.openxmlformats.org/officeDocument/2006/customXml" ds:itemID="{04E1FA3D-3612-45D1-BA6C-325405A7CD87}">
-  <ds:schemaRefs/>
-</ds:datastoreItem>
-</file>
-
-<file path=customXml/itemProps3.xml><?xml version="1.0" encoding="utf-8"?>
 <ds:datastoreItem xmlns:ds="http://schemas.openxmlformats.org/officeDocument/2006/customXml" ds:itemID="{D7F1061A-17C7-4F4A-9830-A9F1702CCAEA}">
   <ds:schemaRefs>
     <ds:schemaRef ds:uri="http://www.w3.org/XML/1998/namespace"/>
@@ -26896,4 +29474,16 @@
     <ds:schemaRef ds:uri="http://schemas.openxmlformats.org/package/2006/metadata/core-properties"/>
   </ds:schemaRefs>
 </ds:datastoreItem>
+</file>
+
+<file path=customXml/itemProps2.xml><?xml version="1.0" encoding="utf-8"?>
+<ds:datastoreItem xmlns:ds="http://schemas.openxmlformats.org/officeDocument/2006/customXml" ds:itemID="{04E1FA3D-3612-45D1-BA6C-325405A7CD87}">
+  <ds:schemaRefs/>
+</ds:datastoreItem>
+</file>
+
+<file path=customXml/itemProps3.xml><?xml version="1.0" encoding="utf-8"?>
+<ds:datastoreItem xmlns:ds="http://schemas.openxmlformats.org/officeDocument/2006/customXml" ds:itemID="{51366F2C-8C74-4E59-ACF3-4A33DBC1BAC2}">
+  <ds:schemaRefs/>
+</ds:datastoreItem>
 </file>